--- a/02.Operators & Conditional Statements/2. Python Operators.pptx
+++ b/02.Operators & Conditional Statements/2. Python Operators.pptx
@@ -1,39 +1,39 @@
 
 <file path=ppt/presentation.xml><?xml version="1.0" encoding="utf-8"?>
-<p:presentation xmlns:a="http://schemas.openxmlformats.org/drawingml/2006/main" xmlns:r="http://schemas.openxmlformats.org/officeDocument/2006/relationships" xmlns:p="http://schemas.openxmlformats.org/presentationml/2006/main" xmlns:m="http://schemas.openxmlformats.org/officeDocument/2006/math" xmlns:a14="http://schemas.microsoft.com/office/drawing/2010/main">
+<p:presentation xmlns:a="http://schemas.openxmlformats.org/drawingml/2006/main" xmlns:r="http://schemas.openxmlformats.org/officeDocument/2006/relationships" xmlns:p="http://schemas.openxmlformats.org/presentationml/2006/main">
   <p:sldMasterIdLst>
-    <p:sldMasterId id="2147483648" r:id="rId5"/>
+    <p:sldMasterId id="2147483648" r:id="rId1"/>
   </p:sldMasterIdLst>
   <p:notesMasterIdLst>
-    <p:notesMasterId r:id="rId7"/>
+    <p:notesMasterId r:id="rId26"/>
   </p:notesMasterIdLst>
   <p:sldIdLst>
-    <p:sldId id="256" r:id="rId8"/>
-    <p:sldId id="257" r:id="rId9"/>
-    <p:sldId id="258" r:id="rId10"/>
-    <p:sldId id="259" r:id="rId11"/>
-    <p:sldId id="260" r:id="rId12"/>
-    <p:sldId id="261" r:id="rId13"/>
-    <p:sldId id="262" r:id="rId14"/>
-    <p:sldId id="263" r:id="rId15"/>
-    <p:sldId id="264" r:id="rId16"/>
-    <p:sldId id="265" r:id="rId17"/>
-    <p:sldId id="266" r:id="rId18"/>
-    <p:sldId id="267" r:id="rId19"/>
-    <p:sldId id="268" r:id="rId20"/>
-    <p:sldId id="269" r:id="rId21"/>
-    <p:sldId id="270" r:id="rId22"/>
-    <p:sldId id="271" r:id="rId23"/>
-    <p:sldId id="272" r:id="rId24"/>
-    <p:sldId id="273" r:id="rId25"/>
-    <p:sldId id="274" r:id="rId26"/>
-    <p:sldId id="275" r:id="rId27"/>
-    <p:sldId id="276" r:id="rId28"/>
-    <p:sldId id="277" r:id="rId29"/>
-    <p:sldId id="278" r:id="rId30"/>
-    <p:sldId id="279" r:id="rId31"/>
+    <p:sldId id="256" r:id="rId2"/>
+    <p:sldId id="257" r:id="rId3"/>
+    <p:sldId id="258" r:id="rId4"/>
+    <p:sldId id="259" r:id="rId5"/>
+    <p:sldId id="260" r:id="rId6"/>
+    <p:sldId id="261" r:id="rId7"/>
+    <p:sldId id="262" r:id="rId8"/>
+    <p:sldId id="263" r:id="rId9"/>
+    <p:sldId id="264" r:id="rId10"/>
+    <p:sldId id="265" r:id="rId11"/>
+    <p:sldId id="266" r:id="rId12"/>
+    <p:sldId id="267" r:id="rId13"/>
+    <p:sldId id="268" r:id="rId14"/>
+    <p:sldId id="269" r:id="rId15"/>
+    <p:sldId id="270" r:id="rId16"/>
+    <p:sldId id="271" r:id="rId17"/>
+    <p:sldId id="272" r:id="rId18"/>
+    <p:sldId id="273" r:id="rId19"/>
+    <p:sldId id="274" r:id="rId20"/>
+    <p:sldId id="275" r:id="rId21"/>
+    <p:sldId id="276" r:id="rId22"/>
+    <p:sldId id="277" r:id="rId23"/>
+    <p:sldId id="278" r:id="rId24"/>
+    <p:sldId id="279" r:id="rId25"/>
   </p:sldIdLst>
-  <p:sldSz cx="9144000" cy="5143500"/>
+  <p:sldSz cx="9144000" cy="5143500" type="screen16x9"/>
   <p:notesSz cx="6858000" cy="9144000"/>
   <p:defaultTextStyle>
     <a:defPPr marL="0" marR="0" indent="0" algn="l" defTabSz="914400" rtl="0" fontAlgn="auto" latinLnBrk="1" hangingPunct="0">
@@ -51,7 +51,7 @@
       <a:buFontTx/>
       <a:buNone/>
       <a:tabLst/>
-      <a:defRPr b="0" baseline="0" cap="none" i="0" spc="0" strike="noStrike" sz="1800" u="none" kumimoji="0" normalizeH="0">
+      <a:defRPr kumimoji="0" sz="1800" b="0" i="0" u="none" strike="noStrike" cap="none" spc="0" normalizeH="0" baseline="0">
         <a:ln>
           <a:noFill/>
         </a:ln>
@@ -77,7 +77,7 @@
       <a:buFontTx/>
       <a:buNone/>
       <a:tabLst/>
-      <a:defRPr b="0" baseline="0" cap="none" i="0" spc="0" strike="noStrike" sz="1400" u="none" kumimoji="0" normalizeH="0">
+      <a:defRPr kumimoji="0" sz="1400" b="0" i="0" u="none" strike="noStrike" cap="none" spc="0" normalizeH="0" baseline="0">
         <a:ln>
           <a:noFill/>
         </a:ln>
@@ -107,7 +107,7 @@
       <a:buFontTx/>
       <a:buNone/>
       <a:tabLst/>
-      <a:defRPr b="0" baseline="0" cap="none" i="0" spc="0" strike="noStrike" sz="1400" u="none" kumimoji="0" normalizeH="0">
+      <a:defRPr kumimoji="0" sz="1400" b="0" i="0" u="none" strike="noStrike" cap="none" spc="0" normalizeH="0" baseline="0">
         <a:ln>
           <a:noFill/>
         </a:ln>
@@ -137,7 +137,7 @@
       <a:buFontTx/>
       <a:buNone/>
       <a:tabLst/>
-      <a:defRPr b="0" baseline="0" cap="none" i="0" spc="0" strike="noStrike" sz="1400" u="none" kumimoji="0" normalizeH="0">
+      <a:defRPr kumimoji="0" sz="1400" b="0" i="0" u="none" strike="noStrike" cap="none" spc="0" normalizeH="0" baseline="0">
         <a:ln>
           <a:noFill/>
         </a:ln>
@@ -167,7 +167,7 @@
       <a:buFontTx/>
       <a:buNone/>
       <a:tabLst/>
-      <a:defRPr b="0" baseline="0" cap="none" i="0" spc="0" strike="noStrike" sz="1400" u="none" kumimoji="0" normalizeH="0">
+      <a:defRPr kumimoji="0" sz="1400" b="0" i="0" u="none" strike="noStrike" cap="none" spc="0" normalizeH="0" baseline="0">
         <a:ln>
           <a:noFill/>
         </a:ln>
@@ -197,7 +197,7 @@
       <a:buFontTx/>
       <a:buNone/>
       <a:tabLst/>
-      <a:defRPr b="0" baseline="0" cap="none" i="0" spc="0" strike="noStrike" sz="1400" u="none" kumimoji="0" normalizeH="0">
+      <a:defRPr kumimoji="0" sz="1400" b="0" i="0" u="none" strike="noStrike" cap="none" spc="0" normalizeH="0" baseline="0">
         <a:ln>
           <a:noFill/>
         </a:ln>
@@ -227,7 +227,7 @@
       <a:buFontTx/>
       <a:buNone/>
       <a:tabLst/>
-      <a:defRPr b="0" baseline="0" cap="none" i="0" spc="0" strike="noStrike" sz="1400" u="none" kumimoji="0" normalizeH="0">
+      <a:defRPr kumimoji="0" sz="1400" b="0" i="0" u="none" strike="noStrike" cap="none" spc="0" normalizeH="0" baseline="0">
         <a:ln>
           <a:noFill/>
         </a:ln>
@@ -257,7 +257,7 @@
       <a:buFontTx/>
       <a:buNone/>
       <a:tabLst/>
-      <a:defRPr b="0" baseline="0" cap="none" i="0" spc="0" strike="noStrike" sz="1400" u="none" kumimoji="0" normalizeH="0">
+      <a:defRPr kumimoji="0" sz="1400" b="0" i="0" u="none" strike="noStrike" cap="none" spc="0" normalizeH="0" baseline="0">
         <a:ln>
           <a:noFill/>
         </a:ln>
@@ -287,7 +287,7 @@
       <a:buFontTx/>
       <a:buNone/>
       <a:tabLst/>
-      <a:defRPr b="0" baseline="0" cap="none" i="0" spc="0" strike="noStrike" sz="1400" u="none" kumimoji="0" normalizeH="0">
+      <a:defRPr kumimoji="0" sz="1400" b="0" i="0" u="none" strike="noStrike" cap="none" spc="0" normalizeH="0" baseline="0">
         <a:ln>
           <a:noFill/>
         </a:ln>
@@ -317,7 +317,7 @@
       <a:buFontTx/>
       <a:buNone/>
       <a:tabLst/>
-      <a:defRPr b="0" baseline="0" cap="none" i="0" spc="0" strike="noStrike" sz="1400" u="none" kumimoji="0" normalizeH="0">
+      <a:defRPr kumimoji="0" sz="1400" b="0" i="0" u="none" strike="noStrike" cap="none" spc="0" normalizeH="0" baseline="0">
         <a:ln>
           <a:noFill/>
         </a:ln>
@@ -336,13 +336,14 @@
 </p:presentation>
 </file>
 
-<file path=ppt/commentAuthors.xml><?xml version="1.0" encoding="utf-8"?>
-<p:cmAuthorLst xmlns:a="http://schemas.openxmlformats.org/drawingml/2006/main" xmlns:r="http://schemas.openxmlformats.org/officeDocument/2006/relationships" xmlns:p="http://schemas.openxmlformats.org/presentationml/2006/main" xmlns:m="http://schemas.openxmlformats.org/officeDocument/2006/math" xmlns:a14="http://schemas.microsoft.com/office/drawing/2010/main"/>
-</file>
-
 <file path=ppt/notesMasters/notesMaster1.xml><?xml version="1.0" encoding="utf-8"?>
-<p:notesMaster xmlns:a="http://schemas.openxmlformats.org/drawingml/2006/main" xmlns:r="http://schemas.openxmlformats.org/officeDocument/2006/relationships" xmlns:p="http://schemas.openxmlformats.org/presentationml/2006/main" xmlns:m="http://schemas.openxmlformats.org/officeDocument/2006/math" xmlns:a14="http://schemas.microsoft.com/office/drawing/2010/main">
+<p:notesMaster xmlns:a="http://schemas.openxmlformats.org/drawingml/2006/main" xmlns:r="http://schemas.openxmlformats.org/officeDocument/2006/relationships" xmlns:p="http://schemas.openxmlformats.org/presentationml/2006/main">
   <p:cSld>
+    <p:bg>
+      <p:bgRef idx="1001">
+        <a:schemeClr val="bg1"/>
+      </p:bgRef>
+    </p:bg>
     <p:spTree>
       <p:nvGrpSpPr>
         <p:cNvPr id="1" name=""/>
@@ -360,7 +361,9 @@
       <p:sp>
         <p:nvSpPr>
           <p:cNvPr id="113" name="Shape 113"/>
-          <p:cNvSpPr/>
+          <p:cNvSpPr>
+            <a:spLocks noGrp="1" noRot="1" noChangeAspect="1"/>
+          </p:cNvSpPr>
           <p:nvPr>
             <p:ph type="sldImg"/>
           </p:nvPr>
@@ -378,14 +381,16 @@
           <a:bodyPr/>
           <a:lstStyle/>
           <a:p>
-            <a:pPr/>
+            <a:endParaRPr/>
           </a:p>
         </p:txBody>
       </p:sp>
       <p:sp>
         <p:nvSpPr>
           <p:cNvPr id="114" name="Shape 114"/>
-          <p:cNvSpPr/>
+          <p:cNvSpPr>
+            <a:spLocks noGrp="1"/>
+          </p:cNvSpPr>
           <p:nvPr>
             <p:ph type="body" sz="quarter" idx="1"/>
           </p:nvPr>
@@ -403,7 +408,7 @@
           <a:bodyPr/>
           <a:lstStyle/>
           <a:p>
-            <a:pPr/>
+            <a:endParaRPr/>
           </a:p>
         </p:txBody>
       </p:sp>
@@ -488,13 +493,14 @@
 </file>
 
 <file path=ppt/slideLayouts/slideLayout1.xml><?xml version="1.0" encoding="utf-8"?>
-<p:sldLayout xmlns:a="http://schemas.openxmlformats.org/drawingml/2006/main" xmlns:r="http://schemas.openxmlformats.org/officeDocument/2006/relationships" xmlns:p="http://schemas.openxmlformats.org/presentationml/2006/main" xmlns:m="http://schemas.openxmlformats.org/officeDocument/2006/math" xmlns:a14="http://schemas.microsoft.com/office/drawing/2010/main" type="tx" showMasterSp="0" showMasterPhAnim="1">
+<p:sldLayout xmlns:a="http://schemas.openxmlformats.org/drawingml/2006/main" xmlns:r="http://schemas.openxmlformats.org/officeDocument/2006/relationships" xmlns:p="http://schemas.openxmlformats.org/presentationml/2006/main" showMasterSp="0" type="tx">
   <p:cSld name="SECTION_HEADER">
     <p:bg>
       <p:bgPr>
         <a:solidFill>
           <a:srgbClr val="1A9988"/>
         </a:solidFill>
+        <a:effectLst/>
       </p:bgPr>
     </p:bg>
     <p:spTree>
@@ -561,6 +567,7 @@
                   </a:solidFill>
                 </a:defRPr>
               </a:pPr>
+              <a:endParaRPr/>
             </a:p>
           </p:txBody>
         </p:sp>
@@ -600,6 +607,7 @@
                   </a:solidFill>
                 </a:defRPr>
               </a:pPr>
+              <a:endParaRPr/>
             </a:p>
           </p:txBody>
         </p:sp>
@@ -607,7 +615,9 @@
       <p:sp>
         <p:nvSpPr>
           <p:cNvPr id="18" name="Title Text"/>
-          <p:cNvSpPr txBox="1"/>
+          <p:cNvSpPr txBox="1">
+            <a:spLocks noGrp="1"/>
+          </p:cNvSpPr>
           <p:nvPr>
             <p:ph type="title"/>
           </p:nvPr>
@@ -633,7 +643,6 @@
             </a:lvl1pPr>
           </a:lstStyle>
           <a:p>
-            <a:pPr/>
             <a:r>
               <a:t>Title Text</a:t>
             </a:r>
@@ -643,7 +652,9 @@
       <p:sp>
         <p:nvSpPr>
           <p:cNvPr id="19" name="Slide Number"/>
-          <p:cNvSpPr txBox="1"/>
+          <p:cNvSpPr txBox="1">
+            <a:spLocks noGrp="1"/>
+          </p:cNvSpPr>
           <p:nvPr>
             <p:ph type="sldNum" sz="quarter" idx="2"/>
           </p:nvPr>
@@ -665,8 +676,12 @@
             </a:lvl1pPr>
           </a:lstStyle>
           <a:p>
-            <a:pPr/>
-            <a:fld id="{86CB4B4D-7CA3-9044-876B-883B54F8677D}" type="slidenum"/>
+            <a:fld id="{86CB4B4D-7CA3-9044-876B-883B54F8677D}" type="slidenum">
+              <a:rPr/>
+              <a:pPr/>
+              <a:t>‹#›</a:t>
+            </a:fld>
+            <a:endParaRPr/>
           </a:p>
         </p:txBody>
       </p:sp>
@@ -675,12 +690,12 @@
   <p:clrMapOvr>
     <a:masterClrMapping/>
   </p:clrMapOvr>
-  <p:transition xmlns:p14="http://schemas.microsoft.com/office/powerpoint/2010/main" spd="med" advClick="1"/>
+  <p:transition spd="med"/>
 </p:sldLayout>
 </file>
 
 <file path=ppt/slideLayouts/slideLayout10.xml><?xml version="1.0" encoding="utf-8"?>
-<p:sldLayout xmlns:a="http://schemas.openxmlformats.org/drawingml/2006/main" xmlns:r="http://schemas.openxmlformats.org/officeDocument/2006/relationships" xmlns:p="http://schemas.openxmlformats.org/presentationml/2006/main" xmlns:m="http://schemas.openxmlformats.org/officeDocument/2006/math" xmlns:a14="http://schemas.microsoft.com/office/drawing/2010/main" type="tx" showMasterSp="0" showMasterPhAnim="1">
+<p:sldLayout xmlns:a="http://schemas.openxmlformats.org/drawingml/2006/main" xmlns:r="http://schemas.openxmlformats.org/officeDocument/2006/relationships" xmlns:p="http://schemas.openxmlformats.org/presentationml/2006/main" showMasterSp="0" type="tx">
   <p:cSld name="BLANK">
     <p:spTree>
       <p:nvGrpSpPr>
@@ -699,7 +714,9 @@
       <p:sp>
         <p:nvSpPr>
           <p:cNvPr id="107" name="Slide Number"/>
-          <p:cNvSpPr txBox="1"/>
+          <p:cNvSpPr txBox="1">
+            <a:spLocks noGrp="1"/>
+          </p:cNvSpPr>
           <p:nvPr>
             <p:ph type="sldNum" sz="quarter" idx="2"/>
           </p:nvPr>
@@ -713,8 +730,12 @@
           <a:bodyPr/>
           <a:lstStyle/>
           <a:p>
-            <a:pPr/>
-            <a:fld id="{86CB4B4D-7CA3-9044-876B-883B54F8677D}" type="slidenum"/>
+            <a:fld id="{86CB4B4D-7CA3-9044-876B-883B54F8677D}" type="slidenum">
+              <a:rPr/>
+              <a:pPr/>
+              <a:t>‹#›</a:t>
+            </a:fld>
+            <a:endParaRPr/>
           </a:p>
         </p:txBody>
       </p:sp>
@@ -723,12 +744,12 @@
   <p:clrMapOvr>
     <a:masterClrMapping/>
   </p:clrMapOvr>
-  <p:transition xmlns:p14="http://schemas.microsoft.com/office/powerpoint/2010/main" spd="med" advClick="1"/>
+  <p:transition spd="med"/>
 </p:sldLayout>
 </file>
 
 <file path=ppt/slideLayouts/slideLayout2.xml><?xml version="1.0" encoding="utf-8"?>
-<p:sldLayout xmlns:a="http://schemas.openxmlformats.org/drawingml/2006/main" xmlns:r="http://schemas.openxmlformats.org/officeDocument/2006/relationships" xmlns:p="http://schemas.openxmlformats.org/presentationml/2006/main" xmlns:m="http://schemas.openxmlformats.org/officeDocument/2006/math" xmlns:a14="http://schemas.microsoft.com/office/drawing/2010/main" type="tx" showMasterSp="1" showMasterPhAnim="1">
+<p:sldLayout xmlns:a="http://schemas.openxmlformats.org/drawingml/2006/main" xmlns:r="http://schemas.openxmlformats.org/officeDocument/2006/relationships" xmlns:p="http://schemas.openxmlformats.org/presentationml/2006/main" type="tx">
   <p:cSld name="TITLE_AND_BODY">
     <p:spTree>
       <p:nvGrpSpPr>
@@ -747,7 +768,9 @@
       <p:sp>
         <p:nvSpPr>
           <p:cNvPr id="26" name="Title Text"/>
-          <p:cNvSpPr txBox="1"/>
+          <p:cNvSpPr txBox="1">
+            <a:spLocks noGrp="1"/>
+          </p:cNvSpPr>
           <p:nvPr>
             <p:ph type="title"/>
           </p:nvPr>
@@ -765,7 +788,6 @@
           <a:bodyPr/>
           <a:lstStyle/>
           <a:p>
-            <a:pPr/>
             <a:r>
               <a:t>Title Text</a:t>
             </a:r>
@@ -775,7 +797,9 @@
       <p:sp>
         <p:nvSpPr>
           <p:cNvPr id="27" name="Body Level One…"/>
-          <p:cNvSpPr txBox="1"/>
+          <p:cNvSpPr txBox="1">
+            <a:spLocks noGrp="1"/>
+          </p:cNvSpPr>
           <p:nvPr>
             <p:ph type="body" sz="half" idx="1"/>
           </p:nvPr>
@@ -791,11 +815,10 @@
         </p:spPr>
         <p:txBody>
           <a:bodyPr>
-            <a:normAutofit fontScale="100000" lnSpcReduction="0"/>
+            <a:normAutofit/>
           </a:bodyPr>
           <a:lstStyle/>
           <a:p>
-            <a:pPr/>
             <a:r>
               <a:t>Body Level One</a:t>
             </a:r>
@@ -829,7 +852,9 @@
       <p:sp>
         <p:nvSpPr>
           <p:cNvPr id="28" name="Slide Number"/>
-          <p:cNvSpPr txBox="1"/>
+          <p:cNvSpPr txBox="1">
+            <a:spLocks noGrp="1"/>
+          </p:cNvSpPr>
           <p:nvPr>
             <p:ph type="sldNum" sz="quarter" idx="2"/>
           </p:nvPr>
@@ -843,8 +868,12 @@
           <a:bodyPr/>
           <a:lstStyle/>
           <a:p>
-            <a:pPr/>
-            <a:fld id="{86CB4B4D-7CA3-9044-876B-883B54F8677D}" type="slidenum"/>
+            <a:fld id="{86CB4B4D-7CA3-9044-876B-883B54F8677D}" type="slidenum">
+              <a:rPr/>
+              <a:pPr/>
+              <a:t>‹#›</a:t>
+            </a:fld>
+            <a:endParaRPr/>
           </a:p>
         </p:txBody>
       </p:sp>
@@ -853,12 +882,12 @@
   <p:clrMapOvr>
     <a:masterClrMapping/>
   </p:clrMapOvr>
-  <p:transition xmlns:p14="http://schemas.microsoft.com/office/powerpoint/2010/main" spd="med" advClick="1"/>
+  <p:transition spd="med"/>
 </p:sldLayout>
 </file>
 
 <file path=ppt/slideLayouts/slideLayout3.xml><?xml version="1.0" encoding="utf-8"?>
-<p:sldLayout xmlns:a="http://schemas.openxmlformats.org/drawingml/2006/main" xmlns:r="http://schemas.openxmlformats.org/officeDocument/2006/relationships" xmlns:p="http://schemas.openxmlformats.org/presentationml/2006/main" xmlns:m="http://schemas.openxmlformats.org/officeDocument/2006/math" xmlns:a14="http://schemas.microsoft.com/office/drawing/2010/main" type="tx" showMasterSp="1" showMasterPhAnim="1">
+<p:sldLayout xmlns:a="http://schemas.openxmlformats.org/drawingml/2006/main" xmlns:r="http://schemas.openxmlformats.org/officeDocument/2006/relationships" xmlns:p="http://schemas.openxmlformats.org/presentationml/2006/main" type="tx">
   <p:cSld name="TITLE_AND_TWO_COLUMNS">
     <p:spTree>
       <p:nvGrpSpPr>
@@ -877,7 +906,9 @@
       <p:sp>
         <p:nvSpPr>
           <p:cNvPr id="35" name="Title Text"/>
-          <p:cNvSpPr txBox="1"/>
+          <p:cNvSpPr txBox="1">
+            <a:spLocks noGrp="1"/>
+          </p:cNvSpPr>
           <p:nvPr>
             <p:ph type="title"/>
           </p:nvPr>
@@ -891,7 +922,6 @@
           <a:bodyPr/>
           <a:lstStyle/>
           <a:p>
-            <a:pPr/>
             <a:r>
               <a:t>Title Text</a:t>
             </a:r>
@@ -901,7 +931,9 @@
       <p:sp>
         <p:nvSpPr>
           <p:cNvPr id="36" name="Body Level One…"/>
-          <p:cNvSpPr txBox="1"/>
+          <p:cNvSpPr txBox="1">
+            <a:spLocks noGrp="1"/>
+          </p:cNvSpPr>
           <p:nvPr>
             <p:ph type="body" sz="quarter" idx="1"/>
           </p:nvPr>
@@ -917,11 +949,10 @@
         </p:spPr>
         <p:txBody>
           <a:bodyPr>
-            <a:normAutofit fontScale="100000" lnSpcReduction="0"/>
+            <a:normAutofit/>
           </a:bodyPr>
           <a:lstStyle/>
           <a:p>
-            <a:pPr/>
             <a:r>
               <a:t>Body Level One</a:t>
             </a:r>
@@ -955,7 +986,9 @@
       <p:sp>
         <p:nvSpPr>
           <p:cNvPr id="37" name="Google Shape;38;p5"/>
-          <p:cNvSpPr txBox="1"/>
+          <p:cNvSpPr txBox="1">
+            <a:spLocks noGrp="1"/>
+          </p:cNvSpPr>
           <p:nvPr>
             <p:ph type="body" sz="quarter" idx="13"/>
           </p:nvPr>
@@ -971,18 +1004,20 @@
         </p:spPr>
         <p:txBody>
           <a:bodyPr>
-            <a:normAutofit fontScale="100000" lnSpcReduction="0"/>
+            <a:normAutofit/>
           </a:bodyPr>
           <a:lstStyle/>
           <a:p>
-            <a:pPr/>
+            <a:endParaRPr/>
           </a:p>
         </p:txBody>
       </p:sp>
       <p:sp>
         <p:nvSpPr>
           <p:cNvPr id="38" name="Slide Number"/>
-          <p:cNvSpPr txBox="1"/>
+          <p:cNvSpPr txBox="1">
+            <a:spLocks noGrp="1"/>
+          </p:cNvSpPr>
           <p:nvPr>
             <p:ph type="sldNum" sz="quarter" idx="2"/>
           </p:nvPr>
@@ -996,8 +1031,12 @@
           <a:bodyPr/>
           <a:lstStyle/>
           <a:p>
-            <a:pPr/>
-            <a:fld id="{86CB4B4D-7CA3-9044-876B-883B54F8677D}" type="slidenum"/>
+            <a:fld id="{86CB4B4D-7CA3-9044-876B-883B54F8677D}" type="slidenum">
+              <a:rPr/>
+              <a:pPr/>
+              <a:t>‹#›</a:t>
+            </a:fld>
+            <a:endParaRPr/>
           </a:p>
         </p:txBody>
       </p:sp>
@@ -1006,12 +1045,12 @@
   <p:clrMapOvr>
     <a:masterClrMapping/>
   </p:clrMapOvr>
-  <p:transition xmlns:p14="http://schemas.microsoft.com/office/powerpoint/2010/main" spd="med" advClick="1"/>
+  <p:transition spd="med"/>
 </p:sldLayout>
 </file>
 
 <file path=ppt/slideLayouts/slideLayout4.xml><?xml version="1.0" encoding="utf-8"?>
-<p:sldLayout xmlns:a="http://schemas.openxmlformats.org/drawingml/2006/main" xmlns:r="http://schemas.openxmlformats.org/officeDocument/2006/relationships" xmlns:p="http://schemas.openxmlformats.org/presentationml/2006/main" xmlns:m="http://schemas.openxmlformats.org/officeDocument/2006/math" xmlns:a14="http://schemas.microsoft.com/office/drawing/2010/main" type="tx" showMasterSp="1" showMasterPhAnim="1">
+<p:sldLayout xmlns:a="http://schemas.openxmlformats.org/drawingml/2006/main" xmlns:r="http://schemas.openxmlformats.org/officeDocument/2006/relationships" xmlns:p="http://schemas.openxmlformats.org/presentationml/2006/main" type="tx">
   <p:cSld name="TITLE_ONLY">
     <p:spTree>
       <p:nvGrpSpPr>
@@ -1030,7 +1069,9 @@
       <p:sp>
         <p:nvSpPr>
           <p:cNvPr id="45" name="Title Text"/>
-          <p:cNvSpPr txBox="1"/>
+          <p:cNvSpPr txBox="1">
+            <a:spLocks noGrp="1"/>
+          </p:cNvSpPr>
           <p:nvPr>
             <p:ph type="title"/>
           </p:nvPr>
@@ -1044,7 +1085,6 @@
           <a:bodyPr/>
           <a:lstStyle/>
           <a:p>
-            <a:pPr/>
             <a:r>
               <a:t>Title Text</a:t>
             </a:r>
@@ -1054,7 +1094,9 @@
       <p:sp>
         <p:nvSpPr>
           <p:cNvPr id="46" name="Slide Number"/>
-          <p:cNvSpPr txBox="1"/>
+          <p:cNvSpPr txBox="1">
+            <a:spLocks noGrp="1"/>
+          </p:cNvSpPr>
           <p:nvPr>
             <p:ph type="sldNum" sz="quarter" idx="2"/>
           </p:nvPr>
@@ -1068,8 +1110,12 @@
           <a:bodyPr/>
           <a:lstStyle/>
           <a:p>
-            <a:pPr/>
-            <a:fld id="{86CB4B4D-7CA3-9044-876B-883B54F8677D}" type="slidenum"/>
+            <a:fld id="{86CB4B4D-7CA3-9044-876B-883B54F8677D}" type="slidenum">
+              <a:rPr/>
+              <a:pPr/>
+              <a:t>‹#›</a:t>
+            </a:fld>
+            <a:endParaRPr/>
           </a:p>
         </p:txBody>
       </p:sp>
@@ -1078,12 +1124,12 @@
   <p:clrMapOvr>
     <a:masterClrMapping/>
   </p:clrMapOvr>
-  <p:transition xmlns:p14="http://schemas.microsoft.com/office/powerpoint/2010/main" spd="med" advClick="1"/>
+  <p:transition spd="med"/>
 </p:sldLayout>
 </file>
 
 <file path=ppt/slideLayouts/slideLayout5.xml><?xml version="1.0" encoding="utf-8"?>
-<p:sldLayout xmlns:a="http://schemas.openxmlformats.org/drawingml/2006/main" xmlns:r="http://schemas.openxmlformats.org/officeDocument/2006/relationships" xmlns:p="http://schemas.openxmlformats.org/presentationml/2006/main" xmlns:m="http://schemas.openxmlformats.org/officeDocument/2006/math" xmlns:a14="http://schemas.microsoft.com/office/drawing/2010/main" type="tx" showMasterSp="1" showMasterPhAnim="1">
+<p:sldLayout xmlns:a="http://schemas.openxmlformats.org/drawingml/2006/main" xmlns:r="http://schemas.openxmlformats.org/officeDocument/2006/relationships" xmlns:p="http://schemas.openxmlformats.org/presentationml/2006/main" type="tx">
   <p:cSld name="ONE_COLUMN_TEXT">
     <p:spTree>
       <p:nvGrpSpPr>
@@ -1102,7 +1148,9 @@
       <p:sp>
         <p:nvSpPr>
           <p:cNvPr id="53" name="Title Text"/>
-          <p:cNvSpPr txBox="1"/>
+          <p:cNvSpPr txBox="1">
+            <a:spLocks noGrp="1"/>
+          </p:cNvSpPr>
           <p:nvPr>
             <p:ph type="title"/>
           </p:nvPr>
@@ -1120,7 +1168,6 @@
           <a:bodyPr/>
           <a:lstStyle/>
           <a:p>
-            <a:pPr/>
             <a:r>
               <a:t>Title Text</a:t>
             </a:r>
@@ -1130,7 +1177,9 @@
       <p:sp>
         <p:nvSpPr>
           <p:cNvPr id="54" name="Body Level One…"/>
-          <p:cNvSpPr txBox="1"/>
+          <p:cNvSpPr txBox="1">
+            <a:spLocks noGrp="1"/>
+          </p:cNvSpPr>
           <p:nvPr>
             <p:ph type="body" sz="quarter" idx="1"/>
           </p:nvPr>
@@ -1146,11 +1195,10 @@
         </p:spPr>
         <p:txBody>
           <a:bodyPr>
-            <a:normAutofit fontScale="100000" lnSpcReduction="0"/>
+            <a:normAutofit/>
           </a:bodyPr>
           <a:lstStyle/>
           <a:p>
-            <a:pPr/>
             <a:r>
               <a:t>Body Level One</a:t>
             </a:r>
@@ -1184,7 +1232,9 @@
       <p:sp>
         <p:nvSpPr>
           <p:cNvPr id="55" name="Slide Number"/>
-          <p:cNvSpPr txBox="1"/>
+          <p:cNvSpPr txBox="1">
+            <a:spLocks noGrp="1"/>
+          </p:cNvSpPr>
           <p:nvPr>
             <p:ph type="sldNum" sz="quarter" idx="2"/>
           </p:nvPr>
@@ -1198,8 +1248,12 @@
           <a:bodyPr/>
           <a:lstStyle/>
           <a:p>
-            <a:pPr/>
-            <a:fld id="{86CB4B4D-7CA3-9044-876B-883B54F8677D}" type="slidenum"/>
+            <a:fld id="{86CB4B4D-7CA3-9044-876B-883B54F8677D}" type="slidenum">
+              <a:rPr/>
+              <a:pPr/>
+              <a:t>‹#›</a:t>
+            </a:fld>
+            <a:endParaRPr/>
           </a:p>
         </p:txBody>
       </p:sp>
@@ -1208,18 +1262,19 @@
   <p:clrMapOvr>
     <a:masterClrMapping/>
   </p:clrMapOvr>
-  <p:transition xmlns:p14="http://schemas.microsoft.com/office/powerpoint/2010/main" spd="med" advClick="1"/>
+  <p:transition spd="med"/>
 </p:sldLayout>
 </file>
 
 <file path=ppt/slideLayouts/slideLayout6.xml><?xml version="1.0" encoding="utf-8"?>
-<p:sldLayout xmlns:a="http://schemas.openxmlformats.org/drawingml/2006/main" xmlns:r="http://schemas.openxmlformats.org/officeDocument/2006/relationships" xmlns:p="http://schemas.openxmlformats.org/presentationml/2006/main" xmlns:m="http://schemas.openxmlformats.org/officeDocument/2006/math" xmlns:a14="http://schemas.microsoft.com/office/drawing/2010/main" type="tx" showMasterSp="0" showMasterPhAnim="1">
+<p:sldLayout xmlns:a="http://schemas.openxmlformats.org/drawingml/2006/main" xmlns:r="http://schemas.openxmlformats.org/officeDocument/2006/relationships" xmlns:p="http://schemas.openxmlformats.org/presentationml/2006/main" showMasterSp="0" type="tx">
   <p:cSld name="MAIN_POINT">
     <p:bg>
       <p:bgPr>
         <a:solidFill>
           <a:schemeClr val="accent3"/>
         </a:solidFill>
+        <a:effectLst/>
       </p:bgPr>
     </p:bg>
     <p:spTree>
@@ -1286,6 +1341,7 @@
                   </a:solidFill>
                 </a:defRPr>
               </a:pPr>
+              <a:endParaRPr/>
             </a:p>
           </p:txBody>
         </p:sp>
@@ -1325,6 +1381,7 @@
                   </a:solidFill>
                 </a:defRPr>
               </a:pPr>
+              <a:endParaRPr/>
             </a:p>
           </p:txBody>
         </p:sp>
@@ -1332,7 +1389,9 @@
       <p:sp>
         <p:nvSpPr>
           <p:cNvPr id="65" name="Title Text"/>
-          <p:cNvSpPr txBox="1"/>
+          <p:cNvSpPr txBox="1">
+            <a:spLocks noGrp="1"/>
+          </p:cNvSpPr>
           <p:nvPr>
             <p:ph type="title"/>
           </p:nvPr>
@@ -1358,7 +1417,6 @@
             </a:lvl1pPr>
           </a:lstStyle>
           <a:p>
-            <a:pPr/>
             <a:r>
               <a:t>Title Text</a:t>
             </a:r>
@@ -1368,7 +1426,9 @@
       <p:sp>
         <p:nvSpPr>
           <p:cNvPr id="66" name="Slide Number"/>
-          <p:cNvSpPr txBox="1"/>
+          <p:cNvSpPr txBox="1">
+            <a:spLocks noGrp="1"/>
+          </p:cNvSpPr>
           <p:nvPr>
             <p:ph type="sldNum" sz="quarter" idx="2"/>
           </p:nvPr>
@@ -1390,8 +1450,12 @@
             </a:lvl1pPr>
           </a:lstStyle>
           <a:p>
-            <a:pPr/>
-            <a:fld id="{86CB4B4D-7CA3-9044-876B-883B54F8677D}" type="slidenum"/>
+            <a:fld id="{86CB4B4D-7CA3-9044-876B-883B54F8677D}" type="slidenum">
+              <a:rPr/>
+              <a:pPr/>
+              <a:t>‹#›</a:t>
+            </a:fld>
+            <a:endParaRPr/>
           </a:p>
         </p:txBody>
       </p:sp>
@@ -1400,12 +1464,12 @@
   <p:clrMapOvr>
     <a:masterClrMapping/>
   </p:clrMapOvr>
-  <p:transition xmlns:p14="http://schemas.microsoft.com/office/powerpoint/2010/main" spd="med" advClick="1"/>
+  <p:transition spd="med"/>
 </p:sldLayout>
 </file>
 
 <file path=ppt/slideLayouts/slideLayout7.xml><?xml version="1.0" encoding="utf-8"?>
-<p:sldLayout xmlns:a="http://schemas.openxmlformats.org/drawingml/2006/main" xmlns:r="http://schemas.openxmlformats.org/officeDocument/2006/relationships" xmlns:p="http://schemas.openxmlformats.org/presentationml/2006/main" xmlns:m="http://schemas.openxmlformats.org/officeDocument/2006/math" xmlns:a14="http://schemas.microsoft.com/office/drawing/2010/main" type="tx" showMasterSp="0" showMasterPhAnim="1">
+<p:sldLayout xmlns:a="http://schemas.openxmlformats.org/drawingml/2006/main" xmlns:r="http://schemas.openxmlformats.org/officeDocument/2006/relationships" xmlns:p="http://schemas.openxmlformats.org/presentationml/2006/main" showMasterSp="0" type="tx">
   <p:cSld name="SECTION_TITLE_AND_DESCRIPTION">
     <p:spTree>
       <p:nvGrpSpPr>
@@ -1453,6 +1517,7 @@
                 </a:solidFill>
               </a:defRPr>
             </a:pPr>
+            <a:endParaRPr/>
           </a:p>
         </p:txBody>
       </p:sp>
@@ -1506,6 +1571,7 @@
                   </a:solidFill>
                 </a:defRPr>
               </a:pPr>
+              <a:endParaRPr/>
             </a:p>
           </p:txBody>
         </p:sp>
@@ -1545,6 +1611,7 @@
                   </a:solidFill>
                 </a:defRPr>
               </a:pPr>
+              <a:endParaRPr/>
             </a:p>
           </p:txBody>
         </p:sp>
@@ -1552,7 +1619,9 @@
       <p:sp>
         <p:nvSpPr>
           <p:cNvPr id="77" name="Title Text"/>
-          <p:cNvSpPr txBox="1"/>
+          <p:cNvSpPr txBox="1">
+            <a:spLocks noGrp="1"/>
+          </p:cNvSpPr>
           <p:nvPr>
             <p:ph type="title"/>
           </p:nvPr>
@@ -1570,7 +1639,6 @@
           <a:bodyPr/>
           <a:lstStyle/>
           <a:p>
-            <a:pPr/>
             <a:r>
               <a:t>Title Text</a:t>
             </a:r>
@@ -1580,7 +1648,9 @@
       <p:sp>
         <p:nvSpPr>
           <p:cNvPr id="78" name="Body Level One…"/>
-          <p:cNvSpPr txBox="1"/>
+          <p:cNvSpPr txBox="1">
+            <a:spLocks noGrp="1"/>
+          </p:cNvSpPr>
           <p:nvPr>
             <p:ph type="body" sz="quarter" idx="1"/>
           </p:nvPr>
@@ -1596,7 +1666,7 @@
         </p:spPr>
         <p:txBody>
           <a:bodyPr>
-            <a:normAutofit fontScale="100000" lnSpcReduction="0"/>
+            <a:normAutofit/>
           </a:bodyPr>
           <a:lstStyle>
             <a:lvl1pPr marL="311150" indent="-165100">
@@ -1651,7 +1721,6 @@
             </a:lvl5pPr>
           </a:lstStyle>
           <a:p>
-            <a:pPr/>
             <a:r>
               <a:t>Body Level One</a:t>
             </a:r>
@@ -1685,7 +1754,9 @@
       <p:sp>
         <p:nvSpPr>
           <p:cNvPr id="79" name="Google Shape;68;p9"/>
-          <p:cNvSpPr txBox="1"/>
+          <p:cNvSpPr txBox="1">
+            <a:spLocks noGrp="1"/>
+          </p:cNvSpPr>
           <p:nvPr>
             <p:ph type="body" sz="half" idx="13"/>
           </p:nvPr>
@@ -1701,18 +1772,20 @@
         </p:spPr>
         <p:txBody>
           <a:bodyPr>
-            <a:normAutofit fontScale="100000" lnSpcReduction="0"/>
+            <a:normAutofit/>
           </a:bodyPr>
           <a:lstStyle/>
           <a:p>
-            <a:pPr/>
+            <a:endParaRPr/>
           </a:p>
         </p:txBody>
       </p:sp>
       <p:sp>
         <p:nvSpPr>
           <p:cNvPr id="80" name="Slide Number"/>
-          <p:cNvSpPr txBox="1"/>
+          <p:cNvSpPr txBox="1">
+            <a:spLocks noGrp="1"/>
+          </p:cNvSpPr>
           <p:nvPr>
             <p:ph type="sldNum" sz="quarter" idx="2"/>
           </p:nvPr>
@@ -1726,8 +1799,12 @@
           <a:bodyPr/>
           <a:lstStyle/>
           <a:p>
-            <a:pPr/>
-            <a:fld id="{86CB4B4D-7CA3-9044-876B-883B54F8677D}" type="slidenum"/>
+            <a:fld id="{86CB4B4D-7CA3-9044-876B-883B54F8677D}" type="slidenum">
+              <a:rPr/>
+              <a:pPr/>
+              <a:t>‹#›</a:t>
+            </a:fld>
+            <a:endParaRPr/>
           </a:p>
         </p:txBody>
       </p:sp>
@@ -1736,12 +1813,12 @@
   <p:clrMapOvr>
     <a:masterClrMapping/>
   </p:clrMapOvr>
-  <p:transition xmlns:p14="http://schemas.microsoft.com/office/powerpoint/2010/main" spd="med" advClick="1"/>
+  <p:transition spd="med"/>
 </p:sldLayout>
 </file>
 
 <file path=ppt/slideLayouts/slideLayout8.xml><?xml version="1.0" encoding="utf-8"?>
-<p:sldLayout xmlns:a="http://schemas.openxmlformats.org/drawingml/2006/main" xmlns:r="http://schemas.openxmlformats.org/officeDocument/2006/relationships" xmlns:p="http://schemas.openxmlformats.org/presentationml/2006/main" xmlns:m="http://schemas.openxmlformats.org/officeDocument/2006/math" xmlns:a14="http://schemas.microsoft.com/office/drawing/2010/main" type="tx" showMasterSp="0" showMasterPhAnim="1">
+<p:sldLayout xmlns:a="http://schemas.openxmlformats.org/drawingml/2006/main" xmlns:r="http://schemas.openxmlformats.org/officeDocument/2006/relationships" xmlns:p="http://schemas.openxmlformats.org/presentationml/2006/main" showMasterSp="0" type="tx">
   <p:cSld name="CAPTION_ONLY">
     <p:spTree>
       <p:nvGrpSpPr>
@@ -1760,7 +1837,9 @@
       <p:sp>
         <p:nvSpPr>
           <p:cNvPr id="87" name="Body Level One…"/>
-          <p:cNvSpPr txBox="1"/>
+          <p:cNvSpPr txBox="1">
+            <a:spLocks noGrp="1"/>
+          </p:cNvSpPr>
           <p:nvPr>
             <p:ph type="body" sz="quarter" idx="1"/>
           </p:nvPr>
@@ -1776,7 +1855,7 @@
         </p:spPr>
         <p:txBody>
           <a:bodyPr anchor="ctr">
-            <a:normAutofit fontScale="100000" lnSpcReduction="0"/>
+            <a:normAutofit/>
           </a:bodyPr>
           <a:lstStyle>
             <a:lvl1pPr marL="228600" indent="0">
@@ -1818,7 +1897,6 @@
             </a:lvl5pPr>
           </a:lstStyle>
           <a:p>
-            <a:pPr/>
             <a:r>
               <a:t>Body Level One</a:t>
             </a:r>
@@ -1852,7 +1930,9 @@
       <p:sp>
         <p:nvSpPr>
           <p:cNvPr id="88" name="Slide Number"/>
-          <p:cNvSpPr txBox="1"/>
+          <p:cNvSpPr txBox="1">
+            <a:spLocks noGrp="1"/>
+          </p:cNvSpPr>
           <p:nvPr>
             <p:ph type="sldNum" sz="quarter" idx="2"/>
           </p:nvPr>
@@ -1866,8 +1946,12 @@
           <a:bodyPr/>
           <a:lstStyle/>
           <a:p>
-            <a:pPr/>
-            <a:fld id="{86CB4B4D-7CA3-9044-876B-883B54F8677D}" type="slidenum"/>
+            <a:fld id="{86CB4B4D-7CA3-9044-876B-883B54F8677D}" type="slidenum">
+              <a:rPr/>
+              <a:pPr/>
+              <a:t>‹#›</a:t>
+            </a:fld>
+            <a:endParaRPr/>
           </a:p>
         </p:txBody>
       </p:sp>
@@ -1876,18 +1960,19 @@
   <p:clrMapOvr>
     <a:masterClrMapping/>
   </p:clrMapOvr>
-  <p:transition xmlns:p14="http://schemas.microsoft.com/office/powerpoint/2010/main" spd="med" advClick="1"/>
+  <p:transition spd="med"/>
 </p:sldLayout>
 </file>
 
 <file path=ppt/slideLayouts/slideLayout9.xml><?xml version="1.0" encoding="utf-8"?>
-<p:sldLayout xmlns:a="http://schemas.openxmlformats.org/drawingml/2006/main" xmlns:r="http://schemas.openxmlformats.org/officeDocument/2006/relationships" xmlns:p="http://schemas.openxmlformats.org/presentationml/2006/main" xmlns:m="http://schemas.openxmlformats.org/officeDocument/2006/math" xmlns:a14="http://schemas.microsoft.com/office/drawing/2010/main" type="tx" showMasterSp="0" showMasterPhAnim="1">
+<p:sldLayout xmlns:a="http://schemas.openxmlformats.org/drawingml/2006/main" xmlns:r="http://schemas.openxmlformats.org/officeDocument/2006/relationships" xmlns:p="http://schemas.openxmlformats.org/presentationml/2006/main" showMasterSp="0" type="tx">
   <p:cSld name="BIG_NUMBER">
     <p:bg>
       <p:bgPr>
         <a:solidFill>
           <a:srgbClr val="1A9988"/>
         </a:solidFill>
+        <a:effectLst/>
       </p:bgPr>
     </p:bg>
     <p:spTree>
@@ -1954,6 +2039,7 @@
                   </a:solidFill>
                 </a:defRPr>
               </a:pPr>
+              <a:endParaRPr/>
             </a:p>
           </p:txBody>
         </p:sp>
@@ -1993,6 +2079,7 @@
                   </a:solidFill>
                 </a:defRPr>
               </a:pPr>
+              <a:endParaRPr/>
             </a:p>
           </p:txBody>
         </p:sp>
@@ -2000,7 +2087,9 @@
       <p:sp>
         <p:nvSpPr>
           <p:cNvPr id="98" name="Title Text"/>
-          <p:cNvSpPr txBox="1"/>
+          <p:cNvSpPr txBox="1">
+            <a:spLocks noGrp="1"/>
+          </p:cNvSpPr>
           <p:nvPr>
             <p:ph type="title"/>
           </p:nvPr>
@@ -2026,7 +2115,6 @@
             </a:lvl1pPr>
           </a:lstStyle>
           <a:p>
-            <a:pPr/>
             <a:r>
               <a:t>Title Text</a:t>
             </a:r>
@@ -2036,7 +2124,9 @@
       <p:sp>
         <p:nvSpPr>
           <p:cNvPr id="99" name="Body Level One…"/>
-          <p:cNvSpPr txBox="1"/>
+          <p:cNvSpPr txBox="1">
+            <a:spLocks noGrp="1"/>
+          </p:cNvSpPr>
           <p:nvPr>
             <p:ph type="body" sz="half" idx="1"/>
           </p:nvPr>
@@ -2052,7 +2142,7 @@
         </p:spPr>
         <p:txBody>
           <a:bodyPr>
-            <a:normAutofit fontScale="100000" lnSpcReduction="0"/>
+            <a:normAutofit/>
           </a:bodyPr>
           <a:lstStyle>
             <a:lvl1pPr>
@@ -2107,7 +2197,6 @@
             </a:lvl5pPr>
           </a:lstStyle>
           <a:p>
-            <a:pPr/>
             <a:r>
               <a:t>Body Level One</a:t>
             </a:r>
@@ -2141,7 +2230,9 @@
       <p:sp>
         <p:nvSpPr>
           <p:cNvPr id="100" name="Slide Number"/>
-          <p:cNvSpPr txBox="1"/>
+          <p:cNvSpPr txBox="1">
+            <a:spLocks noGrp="1"/>
+          </p:cNvSpPr>
           <p:nvPr>
             <p:ph type="sldNum" sz="quarter" idx="2"/>
           </p:nvPr>
@@ -2163,8 +2254,12 @@
             </a:lvl1pPr>
           </a:lstStyle>
           <a:p>
-            <a:pPr/>
-            <a:fld id="{86CB4B4D-7CA3-9044-876B-883B54F8677D}" type="slidenum"/>
+            <a:fld id="{86CB4B4D-7CA3-9044-876B-883B54F8677D}" type="slidenum">
+              <a:rPr/>
+              <a:pPr/>
+              <a:t>‹#›</a:t>
+            </a:fld>
+            <a:endParaRPr/>
           </a:p>
         </p:txBody>
       </p:sp>
@@ -2173,18 +2268,19 @@
   <p:clrMapOvr>
     <a:masterClrMapping/>
   </p:clrMapOvr>
-  <p:transition xmlns:p14="http://schemas.microsoft.com/office/powerpoint/2010/main" spd="med" advClick="1"/>
+  <p:transition spd="med"/>
 </p:sldLayout>
 </file>
 
 <file path=ppt/slideMasters/slideMaster1.xml><?xml version="1.0" encoding="utf-8"?>
-<p:sldMaster xmlns:a="http://schemas.openxmlformats.org/drawingml/2006/main" xmlns:r="http://schemas.openxmlformats.org/officeDocument/2006/relationships" xmlns:p="http://schemas.openxmlformats.org/presentationml/2006/main" xmlns:m="http://schemas.openxmlformats.org/officeDocument/2006/math" xmlns:a14="http://schemas.microsoft.com/office/drawing/2010/main">
+<p:sldMaster xmlns:a="http://schemas.openxmlformats.org/drawingml/2006/main" xmlns:r="http://schemas.openxmlformats.org/officeDocument/2006/relationships" xmlns:p="http://schemas.openxmlformats.org/presentationml/2006/main">
   <p:cSld>
     <p:bg>
       <p:bgPr>
         <a:solidFill>
           <a:srgbClr val="FFFFFF"/>
         </a:solidFill>
+        <a:effectLst/>
       </p:bgPr>
     </p:bg>
     <p:spTree>
@@ -2233,6 +2329,7 @@
                 </a:solidFill>
               </a:defRPr>
             </a:pPr>
+            <a:endParaRPr/>
           </a:p>
         </p:txBody>
       </p:sp>
@@ -2286,6 +2383,7 @@
                   </a:solidFill>
                 </a:defRPr>
               </a:pPr>
+              <a:endParaRPr/>
             </a:p>
           </p:txBody>
         </p:sp>
@@ -2325,6 +2423,7 @@
                   </a:solidFill>
                 </a:defRPr>
               </a:pPr>
+              <a:endParaRPr/>
             </a:p>
           </p:txBody>
         </p:sp>
@@ -2332,7 +2431,9 @@
       <p:sp>
         <p:nvSpPr>
           <p:cNvPr id="6" name="Title Text"/>
-          <p:cNvSpPr txBox="1"/>
+          <p:cNvSpPr txBox="1">
+            <a:spLocks noGrp="1"/>
+          </p:cNvSpPr>
           <p:nvPr>
             <p:ph type="title"/>
           </p:nvPr>
@@ -2350,17 +2451,16 @@
           </a:ln>
           <a:extLst>
             <a:ext uri="{C572A759-6A51-4108-AA02-DFA0A04FC94B}">
-              <ma14:wrappingTextBoxFlag xmlns:ma14="http://schemas.microsoft.com/office/mac/drawingml/2011/main" val="1"/>
+              <ma14:wrappingTextBoxFlag xmlns:ma14="http://schemas.microsoft.com/office/mac/drawingml/2011/main" xmlns:a14="http://schemas.microsoft.com/office/drawing/2010/main" xmlns:m="http://schemas.openxmlformats.org/officeDocument/2006/math" xmlns="" val="1"/>
             </a:ext>
           </a:extLst>
         </p:spPr>
         <p:txBody>
           <a:bodyPr lIns="91424" tIns="91424" rIns="91424" bIns="91424">
-            <a:normAutofit fontScale="100000" lnSpcReduction="0"/>
+            <a:normAutofit/>
           </a:bodyPr>
           <a:lstStyle/>
           <a:p>
-            <a:pPr/>
             <a:r>
               <a:t>Title Text</a:t>
             </a:r>
@@ -2370,7 +2470,9 @@
       <p:sp>
         <p:nvSpPr>
           <p:cNvPr id="7" name="Body Level One…"/>
-          <p:cNvSpPr txBox="1"/>
+          <p:cNvSpPr txBox="1">
+            <a:spLocks noGrp="1"/>
+          </p:cNvSpPr>
           <p:nvPr>
             <p:ph type="body" idx="1"/>
           </p:nvPr>
@@ -2388,7 +2490,7 @@
           </a:ln>
           <a:extLst>
             <a:ext uri="{C572A759-6A51-4108-AA02-DFA0A04FC94B}">
-              <ma14:wrappingTextBoxFlag xmlns:ma14="http://schemas.microsoft.com/office/mac/drawingml/2011/main" val="1"/>
+              <ma14:wrappingTextBoxFlag xmlns:ma14="http://schemas.microsoft.com/office/mac/drawingml/2011/main" xmlns:a14="http://schemas.microsoft.com/office/drawing/2010/main" xmlns:m="http://schemas.openxmlformats.org/officeDocument/2006/math" xmlns="" val="1"/>
             </a:ext>
           </a:extLst>
         </p:spPr>
@@ -2396,7 +2498,6 @@
           <a:bodyPr lIns="91424" tIns="91424" rIns="91424" bIns="91424"/>
           <a:lstStyle/>
           <a:p>
-            <a:pPr/>
             <a:r>
               <a:t>Body Level One</a:t>
             </a:r>
@@ -2430,7 +2531,9 @@
       <p:sp>
         <p:nvSpPr>
           <p:cNvPr id="8" name="Slide Number"/>
-          <p:cNvSpPr txBox="1"/>
+          <p:cNvSpPr txBox="1">
+            <a:spLocks noGrp="1"/>
+          </p:cNvSpPr>
           <p:nvPr>
             <p:ph type="sldNum" sz="quarter" idx="2"/>
           </p:nvPr>
@@ -2465,8 +2568,12 @@
             </a:lvl1pPr>
           </a:lstStyle>
           <a:p>
-            <a:pPr/>
-            <a:fld id="{86CB4B4D-7CA3-9044-876B-883B54F8677D}" type="slidenum"/>
+            <a:fld id="{86CB4B4D-7CA3-9044-876B-883B54F8677D}" type="slidenum">
+              <a:rPr/>
+              <a:pPr/>
+              <a:t>‹#›</a:t>
+            </a:fld>
+            <a:endParaRPr/>
           </a:p>
         </p:txBody>
       </p:sp>
@@ -2474,18 +2581,18 @@
   </p:cSld>
   <p:clrMap bg1="dk1" tx1="lt1" bg2="dk2" tx2="lt2" accent1="accent1" accent2="accent2" accent3="accent3" accent4="accent4" accent5="accent5" accent6="accent6" hlink="hlink" folHlink="folHlink"/>
   <p:sldLayoutIdLst>
-    <p:sldLayoutId id="2147483649" r:id="rId2"/>
-    <p:sldLayoutId id="2147483650" r:id="rId3"/>
-    <p:sldLayoutId id="2147483651" r:id="rId4"/>
-    <p:sldLayoutId id="2147483652" r:id="rId5"/>
-    <p:sldLayoutId id="2147483653" r:id="rId6"/>
-    <p:sldLayoutId id="2147483654" r:id="rId7"/>
-    <p:sldLayoutId id="2147483655" r:id="rId8"/>
-    <p:sldLayoutId id="2147483656" r:id="rId9"/>
-    <p:sldLayoutId id="2147483657" r:id="rId10"/>
-    <p:sldLayoutId id="2147483658" r:id="rId11"/>
+    <p:sldLayoutId id="2147483649" r:id="rId1"/>
+    <p:sldLayoutId id="2147483650" r:id="rId2"/>
+    <p:sldLayoutId id="2147483651" r:id="rId3"/>
+    <p:sldLayoutId id="2147483652" r:id="rId4"/>
+    <p:sldLayoutId id="2147483653" r:id="rId5"/>
+    <p:sldLayoutId id="2147483654" r:id="rId6"/>
+    <p:sldLayoutId id="2147483655" r:id="rId7"/>
+    <p:sldLayoutId id="2147483656" r:id="rId8"/>
+    <p:sldLayoutId id="2147483657" r:id="rId9"/>
+    <p:sldLayoutId id="2147483658" r:id="rId10"/>
   </p:sldLayoutIdLst>
-  <p:transition xmlns:p14="http://schemas.microsoft.com/office/powerpoint/2010/main" spd="med" advClick="1"/>
+  <p:transition spd="med"/>
   <p:txStyles>
     <p:titleStyle>
       <a:lvl1pPr marL="0" marR="0" indent="0" algn="l" defTabSz="914400" rtl="0" latinLnBrk="0">
@@ -2503,7 +2610,7 @@
         <a:buFontTx/>
         <a:buNone/>
         <a:tabLst/>
-        <a:defRPr b="0" baseline="0" cap="none" i="0" spc="0" strike="noStrike" sz="2600" u="none">
+        <a:defRPr sz="2600" b="0" i="0" u="none" strike="noStrike" cap="none" spc="0" baseline="0">
           <a:ln>
             <a:noFill/>
           </a:ln>
@@ -2532,7 +2639,7 @@
         <a:buFontTx/>
         <a:buNone/>
         <a:tabLst/>
-        <a:defRPr b="0" baseline="0" cap="none" i="0" spc="0" strike="noStrike" sz="2600" u="none">
+        <a:defRPr sz="2600" b="0" i="0" u="none" strike="noStrike" cap="none" spc="0" baseline="0">
           <a:ln>
             <a:noFill/>
           </a:ln>
@@ -2561,7 +2668,7 @@
         <a:buFontTx/>
         <a:buNone/>
         <a:tabLst/>
-        <a:defRPr b="0" baseline="0" cap="none" i="0" spc="0" strike="noStrike" sz="2600" u="none">
+        <a:defRPr sz="2600" b="0" i="0" u="none" strike="noStrike" cap="none" spc="0" baseline="0">
           <a:ln>
             <a:noFill/>
           </a:ln>
@@ -2590,7 +2697,7 @@
         <a:buFontTx/>
         <a:buNone/>
         <a:tabLst/>
-        <a:defRPr b="0" baseline="0" cap="none" i="0" spc="0" strike="noStrike" sz="2600" u="none">
+        <a:defRPr sz="2600" b="0" i="0" u="none" strike="noStrike" cap="none" spc="0" baseline="0">
           <a:ln>
             <a:noFill/>
           </a:ln>
@@ -2619,7 +2726,7 @@
         <a:buFontTx/>
         <a:buNone/>
         <a:tabLst/>
-        <a:defRPr b="0" baseline="0" cap="none" i="0" spc="0" strike="noStrike" sz="2600" u="none">
+        <a:defRPr sz="2600" b="0" i="0" u="none" strike="noStrike" cap="none" spc="0" baseline="0">
           <a:ln>
             <a:noFill/>
           </a:ln>
@@ -2648,7 +2755,7 @@
         <a:buFontTx/>
         <a:buNone/>
         <a:tabLst/>
-        <a:defRPr b="0" baseline="0" cap="none" i="0" spc="0" strike="noStrike" sz="2600" u="none">
+        <a:defRPr sz="2600" b="0" i="0" u="none" strike="noStrike" cap="none" spc="0" baseline="0">
           <a:ln>
             <a:noFill/>
           </a:ln>
@@ -2677,7 +2784,7 @@
         <a:buFontTx/>
         <a:buNone/>
         <a:tabLst/>
-        <a:defRPr b="0" baseline="0" cap="none" i="0" spc="0" strike="noStrike" sz="2600" u="none">
+        <a:defRPr sz="2600" b="0" i="0" u="none" strike="noStrike" cap="none" spc="0" baseline="0">
           <a:ln>
             <a:noFill/>
           </a:ln>
@@ -2706,7 +2813,7 @@
         <a:buFontTx/>
         <a:buNone/>
         <a:tabLst/>
-        <a:defRPr b="0" baseline="0" cap="none" i="0" spc="0" strike="noStrike" sz="2600" u="none">
+        <a:defRPr sz="2600" b="0" i="0" u="none" strike="noStrike" cap="none" spc="0" baseline="0">
           <a:ln>
             <a:noFill/>
           </a:ln>
@@ -2735,7 +2842,7 @@
         <a:buFontTx/>
         <a:buNone/>
         <a:tabLst/>
-        <a:defRPr b="0" baseline="0" cap="none" i="0" spc="0" strike="noStrike" sz="2600" u="none">
+        <a:defRPr sz="2600" b="0" i="0" u="none" strike="noStrike" cap="none" spc="0" baseline="0">
           <a:ln>
             <a:noFill/>
           </a:ln>
@@ -2768,7 +2875,7 @@
         <a:buFont typeface="Helvetica"/>
         <a:buChar char="●"/>
         <a:tabLst/>
-        <a:defRPr b="0" baseline="0" cap="none" i="0" spc="0" strike="noStrike" sz="1300" u="none">
+        <a:defRPr sz="1300" b="0" i="0" u="none" strike="noStrike" cap="none" spc="0" baseline="0">
           <a:ln>
             <a:noFill/>
           </a:ln>
@@ -2799,7 +2906,7 @@
         <a:buFont typeface="Helvetica"/>
         <a:buChar char="○"/>
         <a:tabLst/>
-        <a:defRPr b="0" baseline="0" cap="none" i="0" spc="0" strike="noStrike" sz="1300" u="none">
+        <a:defRPr sz="1300" b="0" i="0" u="none" strike="noStrike" cap="none" spc="0" baseline="0">
           <a:ln>
             <a:noFill/>
           </a:ln>
@@ -2830,7 +2937,7 @@
         <a:buFont typeface="Helvetica"/>
         <a:buChar char="■"/>
         <a:tabLst/>
-        <a:defRPr b="0" baseline="0" cap="none" i="0" spc="0" strike="noStrike" sz="1300" u="none">
+        <a:defRPr sz="1300" b="0" i="0" u="none" strike="noStrike" cap="none" spc="0" baseline="0">
           <a:ln>
             <a:noFill/>
           </a:ln>
@@ -2861,7 +2968,7 @@
         <a:buFont typeface="Helvetica"/>
         <a:buChar char="●"/>
         <a:tabLst/>
-        <a:defRPr b="0" baseline="0" cap="none" i="0" spc="0" strike="noStrike" sz="1300" u="none">
+        <a:defRPr sz="1300" b="0" i="0" u="none" strike="noStrike" cap="none" spc="0" baseline="0">
           <a:ln>
             <a:noFill/>
           </a:ln>
@@ -2892,7 +2999,7 @@
         <a:buFont typeface="Helvetica"/>
         <a:buChar char="○"/>
         <a:tabLst/>
-        <a:defRPr b="0" baseline="0" cap="none" i="0" spc="0" strike="noStrike" sz="1300" u="none">
+        <a:defRPr sz="1300" b="0" i="0" u="none" strike="noStrike" cap="none" spc="0" baseline="0">
           <a:ln>
             <a:noFill/>
           </a:ln>
@@ -2923,7 +3030,7 @@
         <a:buFont typeface="Helvetica"/>
         <a:buChar char="■"/>
         <a:tabLst/>
-        <a:defRPr b="0" baseline="0" cap="none" i="0" spc="0" strike="noStrike" sz="1300" u="none">
+        <a:defRPr sz="1300" b="0" i="0" u="none" strike="noStrike" cap="none" spc="0" baseline="0">
           <a:ln>
             <a:noFill/>
           </a:ln>
@@ -2954,7 +3061,7 @@
         <a:buFont typeface="Helvetica"/>
         <a:buChar char="●"/>
         <a:tabLst/>
-        <a:defRPr b="0" baseline="0" cap="none" i="0" spc="0" strike="noStrike" sz="1300" u="none">
+        <a:defRPr sz="1300" b="0" i="0" u="none" strike="noStrike" cap="none" spc="0" baseline="0">
           <a:ln>
             <a:noFill/>
           </a:ln>
@@ -2985,7 +3092,7 @@
         <a:buFont typeface="Helvetica"/>
         <a:buChar char="○"/>
         <a:tabLst/>
-        <a:defRPr b="0" baseline="0" cap="none" i="0" spc="0" strike="noStrike" sz="1300" u="none">
+        <a:defRPr sz="1300" b="0" i="0" u="none" strike="noStrike" cap="none" spc="0" baseline="0">
           <a:ln>
             <a:noFill/>
           </a:ln>
@@ -3016,7 +3123,7 @@
         <a:buFont typeface="Helvetica"/>
         <a:buChar char="■"/>
         <a:tabLst/>
-        <a:defRPr b="0" baseline="0" cap="none" i="0" spc="0" strike="noStrike" sz="1300" u="none">
+        <a:defRPr sz="1300" b="0" i="0" u="none" strike="noStrike" cap="none" spc="0" baseline="0">
           <a:ln>
             <a:noFill/>
           </a:ln>
@@ -3047,7 +3154,7 @@
         <a:buFontTx/>
         <a:buNone/>
         <a:tabLst/>
-        <a:defRPr b="0" baseline="0" cap="none" i="0" spc="0" strike="noStrike" sz="1000" u="none">
+        <a:defRPr sz="1000" b="0" i="0" u="none" strike="noStrike" cap="none" spc="0" baseline="0">
           <a:ln>
             <a:noFill/>
           </a:ln>
@@ -3076,7 +3183,7 @@
         <a:buFontTx/>
         <a:buNone/>
         <a:tabLst/>
-        <a:defRPr b="0" baseline="0" cap="none" i="0" spc="0" strike="noStrike" sz="1000" u="none">
+        <a:defRPr sz="1000" b="0" i="0" u="none" strike="noStrike" cap="none" spc="0" baseline="0">
           <a:ln>
             <a:noFill/>
           </a:ln>
@@ -3105,7 +3212,7 @@
         <a:buFontTx/>
         <a:buNone/>
         <a:tabLst/>
-        <a:defRPr b="0" baseline="0" cap="none" i="0" spc="0" strike="noStrike" sz="1000" u="none">
+        <a:defRPr sz="1000" b="0" i="0" u="none" strike="noStrike" cap="none" spc="0" baseline="0">
           <a:ln>
             <a:noFill/>
           </a:ln>
@@ -3134,7 +3241,7 @@
         <a:buFontTx/>
         <a:buNone/>
         <a:tabLst/>
-        <a:defRPr b="0" baseline="0" cap="none" i="0" spc="0" strike="noStrike" sz="1000" u="none">
+        <a:defRPr sz="1000" b="0" i="0" u="none" strike="noStrike" cap="none" spc="0" baseline="0">
           <a:ln>
             <a:noFill/>
           </a:ln>
@@ -3163,7 +3270,7 @@
         <a:buFontTx/>
         <a:buNone/>
         <a:tabLst/>
-        <a:defRPr b="0" baseline="0" cap="none" i="0" spc="0" strike="noStrike" sz="1000" u="none">
+        <a:defRPr sz="1000" b="0" i="0" u="none" strike="noStrike" cap="none" spc="0" baseline="0">
           <a:ln>
             <a:noFill/>
           </a:ln>
@@ -3192,7 +3299,7 @@
         <a:buFontTx/>
         <a:buNone/>
         <a:tabLst/>
-        <a:defRPr b="0" baseline="0" cap="none" i="0" spc="0" strike="noStrike" sz="1000" u="none">
+        <a:defRPr sz="1000" b="0" i="0" u="none" strike="noStrike" cap="none" spc="0" baseline="0">
           <a:ln>
             <a:noFill/>
           </a:ln>
@@ -3221,7 +3328,7 @@
         <a:buFontTx/>
         <a:buNone/>
         <a:tabLst/>
-        <a:defRPr b="0" baseline="0" cap="none" i="0" spc="0" strike="noStrike" sz="1000" u="none">
+        <a:defRPr sz="1000" b="0" i="0" u="none" strike="noStrike" cap="none" spc="0" baseline="0">
           <a:ln>
             <a:noFill/>
           </a:ln>
@@ -3250,7 +3357,7 @@
         <a:buFontTx/>
         <a:buNone/>
         <a:tabLst/>
-        <a:defRPr b="0" baseline="0" cap="none" i="0" spc="0" strike="noStrike" sz="1000" u="none">
+        <a:defRPr sz="1000" b="0" i="0" u="none" strike="noStrike" cap="none" spc="0" baseline="0">
           <a:ln>
             <a:noFill/>
           </a:ln>
@@ -3279,7 +3386,7 @@
         <a:buFontTx/>
         <a:buNone/>
         <a:tabLst/>
-        <a:defRPr b="0" baseline="0" cap="none" i="0" spc="0" strike="noStrike" sz="1000" u="none">
+        <a:defRPr sz="1000" b="0" i="0" u="none" strike="noStrike" cap="none" spc="0" baseline="0">
           <a:ln>
             <a:noFill/>
           </a:ln>
@@ -3299,7 +3406,7 @@
 </file>
 
 <file path=ppt/slides/slide1.xml><?xml version="1.0" encoding="utf-8"?>
-<p:sld xmlns:a="http://schemas.openxmlformats.org/drawingml/2006/main" xmlns:r="http://schemas.openxmlformats.org/officeDocument/2006/relationships" xmlns:p="http://schemas.openxmlformats.org/presentationml/2006/main" xmlns:m="http://schemas.openxmlformats.org/officeDocument/2006/math" xmlns:a14="http://schemas.microsoft.com/office/drawing/2010/main" showMasterSp="1" showMasterPhAnim="1">
+<p:sld xmlns:a="http://schemas.openxmlformats.org/drawingml/2006/main" xmlns:r="http://schemas.openxmlformats.org/officeDocument/2006/relationships" xmlns:p="http://schemas.openxmlformats.org/presentationml/2006/main">
   <p:cSld>
     <p:spTree>
       <p:nvGrpSpPr>
@@ -3318,7 +3425,9 @@
       <p:sp>
         <p:nvSpPr>
           <p:cNvPr id="116" name="Title 1"/>
-          <p:cNvSpPr txBox="1"/>
+          <p:cNvSpPr txBox="1">
+            <a:spLocks noGrp="1"/>
+          </p:cNvSpPr>
           <p:nvPr>
             <p:ph type="title"/>
           </p:nvPr>
@@ -3343,6 +3452,7 @@
               <a:t>Operators</a:t>
             </a:r>
             <a:br/>
+            <a:endParaRPr/>
           </a:p>
         </p:txBody>
       </p:sp>
@@ -3351,12 +3461,12 @@
   <p:clrMapOvr>
     <a:masterClrMapping/>
   </p:clrMapOvr>
-  <p:transition xmlns:p14="http://schemas.microsoft.com/office/powerpoint/2010/main" spd="med" advClick="1"/>
+  <p:transition spd="med"/>
 </p:sld>
 </file>
 
 <file path=ppt/slides/slide10.xml><?xml version="1.0" encoding="utf-8"?>
-<p:sld xmlns:a="http://schemas.openxmlformats.org/drawingml/2006/main" xmlns:r="http://schemas.openxmlformats.org/officeDocument/2006/relationships" xmlns:p="http://schemas.openxmlformats.org/presentationml/2006/main" xmlns:m="http://schemas.openxmlformats.org/officeDocument/2006/math" xmlns:a14="http://schemas.microsoft.com/office/drawing/2010/main" showMasterSp="1" showMasterPhAnim="1">
+<p:sld xmlns:a="http://schemas.openxmlformats.org/drawingml/2006/main" xmlns:r="http://schemas.openxmlformats.org/officeDocument/2006/relationships" xmlns:p="http://schemas.openxmlformats.org/presentationml/2006/main">
   <p:cSld>
     <p:spTree>
       <p:nvGrpSpPr>
@@ -3375,7 +3485,9 @@
       <p:sp>
         <p:nvSpPr>
           <p:cNvPr id="145" name="Title 1"/>
-          <p:cNvSpPr txBox="1"/>
+          <p:cNvSpPr txBox="1">
+            <a:spLocks noGrp="1"/>
+          </p:cNvSpPr>
           <p:nvPr>
             <p:ph type="title"/>
           </p:nvPr>
@@ -3400,7 +3512,11 @@
               <a:t>Loops </a:t>
             </a:r>
             <a:br/>
+            <a:r>
+              <a:t/>
+            </a:r>
             <a:br/>
+            <a:endParaRPr/>
           </a:p>
         </p:txBody>
       </p:sp>
@@ -3409,12 +3525,12 @@
   <p:clrMapOvr>
     <a:masterClrMapping/>
   </p:clrMapOvr>
-  <p:transition xmlns:p14="http://schemas.microsoft.com/office/powerpoint/2010/main" spd="med" advClick="1"/>
+  <p:transition spd="med"/>
 </p:sld>
 </file>
 
 <file path=ppt/slides/slide11.xml><?xml version="1.0" encoding="utf-8"?>
-<p:sld xmlns:a="http://schemas.openxmlformats.org/drawingml/2006/main" xmlns:r="http://schemas.openxmlformats.org/officeDocument/2006/relationships" xmlns:p="http://schemas.openxmlformats.org/presentationml/2006/main" xmlns:m="http://schemas.openxmlformats.org/officeDocument/2006/math" xmlns:a14="http://schemas.microsoft.com/office/drawing/2010/main" showMasterSp="1" showMasterPhAnim="1">
+<p:sld xmlns:a="http://schemas.openxmlformats.org/drawingml/2006/main" xmlns:r="http://schemas.openxmlformats.org/officeDocument/2006/relationships" xmlns:p="http://schemas.openxmlformats.org/presentationml/2006/main">
   <p:cSld>
     <p:spTree>
       <p:nvGrpSpPr>
@@ -3464,12 +3580,12 @@
   <p:clrMapOvr>
     <a:masterClrMapping/>
   </p:clrMapOvr>
-  <p:transition xmlns:p14="http://schemas.microsoft.com/office/powerpoint/2010/main" spd="med" advClick="1"/>
+  <p:transition spd="med"/>
 </p:sld>
 </file>
 
 <file path=ppt/slides/slide12.xml><?xml version="1.0" encoding="utf-8"?>
-<p:sld xmlns:a="http://schemas.openxmlformats.org/drawingml/2006/main" xmlns:r="http://schemas.openxmlformats.org/officeDocument/2006/relationships" xmlns:p="http://schemas.openxmlformats.org/presentationml/2006/main" xmlns:m="http://schemas.openxmlformats.org/officeDocument/2006/math" xmlns:a14="http://schemas.microsoft.com/office/drawing/2010/main" showMasterSp="1" showMasterPhAnim="1">
+<p:sld xmlns:a="http://schemas.openxmlformats.org/drawingml/2006/main" xmlns:r="http://schemas.openxmlformats.org/officeDocument/2006/relationships" xmlns:p="http://schemas.openxmlformats.org/presentationml/2006/main">
   <p:cSld>
     <p:spTree>
       <p:nvGrpSpPr>
@@ -3488,7 +3604,9 @@
       <p:sp>
         <p:nvSpPr>
           <p:cNvPr id="149" name="Title 1"/>
-          <p:cNvSpPr txBox="1"/>
+          <p:cNvSpPr txBox="1">
+            <a:spLocks noGrp="1"/>
+          </p:cNvSpPr>
           <p:nvPr>
             <p:ph type="title"/>
           </p:nvPr>
@@ -3510,7 +3628,6 @@
             </a:lvl1pPr>
           </a:lstStyle>
           <a:p>
-            <a:pPr/>
             <a:r>
               <a:t>While Loop</a:t>
             </a:r>
@@ -3520,7 +3637,9 @@
       <p:sp>
         <p:nvSpPr>
           <p:cNvPr id="150" name="Text Placeholder 2"/>
-          <p:cNvSpPr txBox="1"/>
+          <p:cNvSpPr txBox="1">
+            <a:spLocks noGrp="1"/>
+          </p:cNvSpPr>
           <p:nvPr>
             <p:ph type="body" sz="quarter" idx="1"/>
           </p:nvPr>
@@ -3538,15 +3657,8 @@
           <a:bodyPr/>
           <a:lstStyle/>
           <a:p>
-            <a:pPr/>
-            <a:r>
-              <a:t>A </a:t>
-            </a:r>
-            <a:r>
-              <a:t>while</a:t>
-            </a:r>
-            <a:r>
-              <a:t> loop statement in Python programming language repeatedly executes a target statement as long as a given condition is true</a:t>
+            <a:r>
+              <a:t>A while loop statement in Python programming language repeatedly executes a target statement as long as a given condition is true</a:t>
             </a:r>
           </a:p>
         </p:txBody>
@@ -3585,12 +3697,12 @@
   <p:clrMapOvr>
     <a:masterClrMapping/>
   </p:clrMapOvr>
-  <p:transition xmlns:p14="http://schemas.microsoft.com/office/powerpoint/2010/main" spd="med" advClick="1"/>
+  <p:transition spd="med"/>
 </p:sld>
 </file>
 
 <file path=ppt/slides/slide13.xml><?xml version="1.0" encoding="utf-8"?>
-<p:sld xmlns:a="http://schemas.openxmlformats.org/drawingml/2006/main" xmlns:r="http://schemas.openxmlformats.org/officeDocument/2006/relationships" xmlns:p="http://schemas.openxmlformats.org/presentationml/2006/main" xmlns:m="http://schemas.openxmlformats.org/officeDocument/2006/math" xmlns:a14="http://schemas.microsoft.com/office/drawing/2010/main" showMasterSp="1" showMasterPhAnim="1">
+<p:sld xmlns:a="http://schemas.openxmlformats.org/drawingml/2006/main" xmlns:r="http://schemas.openxmlformats.org/officeDocument/2006/relationships" xmlns:p="http://schemas.openxmlformats.org/presentationml/2006/main">
   <p:cSld>
     <p:spTree>
       <p:nvGrpSpPr>
@@ -3609,7 +3721,9 @@
       <p:sp>
         <p:nvSpPr>
           <p:cNvPr id="153" name="Title 1"/>
-          <p:cNvSpPr txBox="1"/>
+          <p:cNvSpPr txBox="1">
+            <a:spLocks noGrp="1"/>
+          </p:cNvSpPr>
           <p:nvPr>
             <p:ph type="title"/>
           </p:nvPr>
@@ -3631,7 +3745,6 @@
             </a:lvl1pPr>
           </a:lstStyle>
           <a:p>
-            <a:pPr/>
             <a:r>
               <a:t>Example</a:t>
             </a:r>
@@ -3641,7 +3754,9 @@
       <p:sp>
         <p:nvSpPr>
           <p:cNvPr id="154" name="Text Placeholder 2"/>
-          <p:cNvSpPr txBox="1"/>
+          <p:cNvSpPr txBox="1">
+            <a:spLocks noGrp="1"/>
+          </p:cNvSpPr>
           <p:nvPr>
             <p:ph type="body" sz="quarter" idx="1"/>
           </p:nvPr>
@@ -3727,6 +3842,7 @@
                 </a:solidFill>
               </a:defRPr>
             </a:pPr>
+            <a:endParaRPr/>
           </a:p>
           <a:p>
             <a:pPr marL="311150" indent="-165100">
@@ -3749,12 +3865,12 @@
   <p:clrMapOvr>
     <a:masterClrMapping/>
   </p:clrMapOvr>
-  <p:transition xmlns:p14="http://schemas.microsoft.com/office/powerpoint/2010/main" spd="med" advClick="1"/>
+  <p:transition spd="med"/>
 </p:sld>
 </file>
 
 <file path=ppt/slides/slide14.xml><?xml version="1.0" encoding="utf-8"?>
-<p:sld xmlns:a="http://schemas.openxmlformats.org/drawingml/2006/main" xmlns:r="http://schemas.openxmlformats.org/officeDocument/2006/relationships" xmlns:p="http://schemas.openxmlformats.org/presentationml/2006/main" xmlns:m="http://schemas.openxmlformats.org/officeDocument/2006/math" xmlns:a14="http://schemas.microsoft.com/office/drawing/2010/main" showMasterSp="1" showMasterPhAnim="1">
+<p:sld xmlns:a="http://schemas.openxmlformats.org/drawingml/2006/main" xmlns:r="http://schemas.openxmlformats.org/officeDocument/2006/relationships" xmlns:p="http://schemas.openxmlformats.org/presentationml/2006/main">
   <p:cSld>
     <p:spTree>
       <p:nvGrpSpPr>
@@ -3773,7 +3889,9 @@
       <p:sp>
         <p:nvSpPr>
           <p:cNvPr id="156" name="Title 1"/>
-          <p:cNvSpPr txBox="1"/>
+          <p:cNvSpPr txBox="1">
+            <a:spLocks noGrp="1"/>
+          </p:cNvSpPr>
           <p:nvPr>
             <p:ph type="title"/>
           </p:nvPr>
@@ -3795,7 +3913,6 @@
             </a:lvl1pPr>
           </a:lstStyle>
           <a:p>
-            <a:pPr/>
             <a:r>
               <a:t>Infinite Loop</a:t>
             </a:r>
@@ -3805,7 +3922,9 @@
       <p:sp>
         <p:nvSpPr>
           <p:cNvPr id="157" name="Text Placeholder 2"/>
-          <p:cNvSpPr txBox="1"/>
+          <p:cNvSpPr txBox="1">
+            <a:spLocks noGrp="1"/>
+          </p:cNvSpPr>
           <p:nvPr>
             <p:ph type="body" sz="quarter" idx="1"/>
           </p:nvPr>
@@ -3823,13 +3942,11 @@
           <a:bodyPr/>
           <a:lstStyle/>
           <a:p>
-            <a:pPr/>
             <a:r>
               <a:t>A loop becomes infinite loop if a condition never becomes FALSE. </a:t>
             </a:r>
           </a:p>
           <a:p>
-            <a:pPr/>
             <a:r>
               <a:t>You must use caution when using while loops because of the possibility that this condition never resolves to a FALSE value. </a:t>
             </a:r>
@@ -3893,6 +4010,7 @@
                   <a:sym typeface="Museo Sans 700"/>
                 </a:defRPr>
               </a:pPr>
+              <a:endParaRPr/>
             </a:p>
           </p:txBody>
         </p:sp>
@@ -3918,7 +4036,7 @@
             <a:effectLst/>
             <a:extLst>
               <a:ext uri="{C572A759-6A51-4108-AA02-DFA0A04FC94B}">
-                <ma14:wrappingTextBoxFlag xmlns:ma14="http://schemas.microsoft.com/office/mac/drawingml/2011/main" val="1"/>
+                <ma14:wrappingTextBoxFlag xmlns:ma14="http://schemas.microsoft.com/office/mac/drawingml/2011/main" xmlns:a14="http://schemas.microsoft.com/office/drawing/2010/main" xmlns:m="http://schemas.openxmlformats.org/officeDocument/2006/math" xmlns="" val="1"/>
               </a:ext>
             </a:extLst>
           </p:spPr>
@@ -4038,6 +4156,7 @@
                   <a:sym typeface="Museo Sans 700"/>
                 </a:defRPr>
               </a:pPr>
+              <a:endParaRPr/>
             </a:p>
             <a:p>
               <a:pPr marL="311150" indent="-165100">
@@ -4066,12 +4185,12 @@
   <p:clrMapOvr>
     <a:masterClrMapping/>
   </p:clrMapOvr>
-  <p:transition xmlns:p14="http://schemas.microsoft.com/office/powerpoint/2010/main" spd="med" advClick="1"/>
+  <p:transition spd="med"/>
 </p:sld>
 </file>
 
 <file path=ppt/slides/slide15.xml><?xml version="1.0" encoding="utf-8"?>
-<p:sld xmlns:a="http://schemas.openxmlformats.org/drawingml/2006/main" xmlns:r="http://schemas.openxmlformats.org/officeDocument/2006/relationships" xmlns:p="http://schemas.openxmlformats.org/presentationml/2006/main" xmlns:m="http://schemas.openxmlformats.org/officeDocument/2006/math" xmlns:a14="http://schemas.microsoft.com/office/drawing/2010/main" showMasterSp="1" showMasterPhAnim="1">
+<p:sld xmlns:a="http://schemas.openxmlformats.org/drawingml/2006/main" xmlns:r="http://schemas.openxmlformats.org/officeDocument/2006/relationships" xmlns:p="http://schemas.openxmlformats.org/presentationml/2006/main">
   <p:cSld>
     <p:spTree>
       <p:nvGrpSpPr>
@@ -4090,7 +4209,9 @@
       <p:sp>
         <p:nvSpPr>
           <p:cNvPr id="162" name="Title 1"/>
-          <p:cNvSpPr txBox="1"/>
+          <p:cNvSpPr txBox="1">
+            <a:spLocks noGrp="1"/>
+          </p:cNvSpPr>
           <p:nvPr>
             <p:ph type="title"/>
           </p:nvPr>
@@ -4112,7 +4233,6 @@
             </a:lvl1pPr>
           </a:lstStyle>
           <a:p>
-            <a:pPr/>
             <a:r>
               <a:t>For Loop</a:t>
             </a:r>
@@ -4122,7 +4242,9 @@
       <p:sp>
         <p:nvSpPr>
           <p:cNvPr id="163" name="Text Placeholder 2"/>
-          <p:cNvSpPr txBox="1"/>
+          <p:cNvSpPr txBox="1">
+            <a:spLocks noGrp="1"/>
+          </p:cNvSpPr>
           <p:nvPr>
             <p:ph type="body" sz="quarter" idx="1"/>
           </p:nvPr>
@@ -4140,7 +4262,6 @@
           <a:bodyPr/>
           <a:lstStyle/>
           <a:p>
-            <a:pPr/>
             <a:r>
               <a:t>For Loop is used to iterate through a Sequence like lists, tuples</a:t>
             </a:r>
@@ -4181,12 +4302,12 @@
   <p:clrMapOvr>
     <a:masterClrMapping/>
   </p:clrMapOvr>
-  <p:transition xmlns:p14="http://schemas.microsoft.com/office/powerpoint/2010/main" spd="med" advClick="1"/>
+  <p:transition spd="med"/>
 </p:sld>
 </file>
 
 <file path=ppt/slides/slide16.xml><?xml version="1.0" encoding="utf-8"?>
-<p:sld xmlns:a="http://schemas.openxmlformats.org/drawingml/2006/main" xmlns:r="http://schemas.openxmlformats.org/officeDocument/2006/relationships" xmlns:p="http://schemas.openxmlformats.org/presentationml/2006/main" xmlns:m="http://schemas.openxmlformats.org/officeDocument/2006/math" xmlns:a14="http://schemas.microsoft.com/office/drawing/2010/main" showMasterSp="1" showMasterPhAnim="1">
+<p:sld xmlns:a="http://schemas.openxmlformats.org/drawingml/2006/main" xmlns:r="http://schemas.openxmlformats.org/officeDocument/2006/relationships" xmlns:p="http://schemas.openxmlformats.org/presentationml/2006/main">
   <p:cSld>
     <p:spTree>
       <p:nvGrpSpPr>
@@ -4205,7 +4326,9 @@
       <p:sp>
         <p:nvSpPr>
           <p:cNvPr id="166" name="Title 1"/>
-          <p:cNvSpPr txBox="1"/>
+          <p:cNvSpPr txBox="1">
+            <a:spLocks noGrp="1"/>
+          </p:cNvSpPr>
           <p:nvPr>
             <p:ph type="title"/>
           </p:nvPr>
@@ -4227,7 +4350,6 @@
             </a:lvl1pPr>
           </a:lstStyle>
           <a:p>
-            <a:pPr/>
             <a:r>
               <a:t>Example</a:t>
             </a:r>
@@ -4237,7 +4359,9 @@
       <p:sp>
         <p:nvSpPr>
           <p:cNvPr id="167" name="Text Placeholder 2"/>
-          <p:cNvSpPr txBox="1"/>
+          <p:cNvSpPr txBox="1">
+            <a:spLocks noGrp="1"/>
+          </p:cNvSpPr>
           <p:nvPr>
             <p:ph type="body" sz="half" idx="1"/>
           </p:nvPr>
@@ -4282,13 +4406,7 @@
               </a:defRPr>
             </a:pPr>
             <a:r>
-              <a:t>for letter in </a:t>
-            </a:r>
-            <a:r>
-              <a:t>'Python':</a:t>
-            </a:r>
-            <a:r>
-              <a:t> </a:t>
+              <a:t>for letter in 'Python': </a:t>
             </a:r>
           </a:p>
           <a:p>
@@ -4312,12 +4430,12 @@
   <p:clrMapOvr>
     <a:masterClrMapping/>
   </p:clrMapOvr>
-  <p:transition xmlns:p14="http://schemas.microsoft.com/office/powerpoint/2010/main" spd="med" advClick="1"/>
+  <p:transition spd="med"/>
 </p:sld>
 </file>
 
 <file path=ppt/slides/slide17.xml><?xml version="1.0" encoding="utf-8"?>
-<p:sld xmlns:a="http://schemas.openxmlformats.org/drawingml/2006/main" xmlns:r="http://schemas.openxmlformats.org/officeDocument/2006/relationships" xmlns:p="http://schemas.openxmlformats.org/presentationml/2006/main" xmlns:m="http://schemas.openxmlformats.org/officeDocument/2006/math" xmlns:a14="http://schemas.microsoft.com/office/drawing/2010/main" showMasterSp="1" showMasterPhAnim="1">
+<p:sld xmlns:a="http://schemas.openxmlformats.org/drawingml/2006/main" xmlns:r="http://schemas.openxmlformats.org/officeDocument/2006/relationships" xmlns:p="http://schemas.openxmlformats.org/presentationml/2006/main">
   <p:cSld>
     <p:spTree>
       <p:nvGrpSpPr>
@@ -4336,7 +4454,9 @@
       <p:sp>
         <p:nvSpPr>
           <p:cNvPr id="169" name="Title 1"/>
-          <p:cNvSpPr txBox="1"/>
+          <p:cNvSpPr txBox="1">
+            <a:spLocks noGrp="1"/>
+          </p:cNvSpPr>
           <p:nvPr>
             <p:ph type="title"/>
           </p:nvPr>
@@ -4358,7 +4478,6 @@
             </a:lvl1pPr>
           </a:lstStyle>
           <a:p>
-            <a:pPr/>
             <a:r>
               <a:t>Example 2</a:t>
             </a:r>
@@ -4368,7 +4487,9 @@
       <p:sp>
         <p:nvSpPr>
           <p:cNvPr id="170" name="Text Placeholder 2"/>
-          <p:cNvSpPr txBox="1"/>
+          <p:cNvSpPr txBox="1">
+            <a:spLocks noGrp="1"/>
+          </p:cNvSpPr>
           <p:nvPr>
             <p:ph type="body" sz="quarter" idx="1"/>
           </p:nvPr>
@@ -4451,12 +4572,12 @@
   <p:clrMapOvr>
     <a:masterClrMapping/>
   </p:clrMapOvr>
-  <p:transition xmlns:p14="http://schemas.microsoft.com/office/powerpoint/2010/main" spd="med" advClick="1"/>
+  <p:transition spd="med"/>
 </p:sld>
 </file>
 
 <file path=ppt/slides/slide18.xml><?xml version="1.0" encoding="utf-8"?>
-<p:sld xmlns:a="http://schemas.openxmlformats.org/drawingml/2006/main" xmlns:r="http://schemas.openxmlformats.org/officeDocument/2006/relationships" xmlns:p="http://schemas.openxmlformats.org/presentationml/2006/main" xmlns:m="http://schemas.openxmlformats.org/officeDocument/2006/math" xmlns:a14="http://schemas.microsoft.com/office/drawing/2010/main" showMasterSp="1" showMasterPhAnim="1">
+<p:sld xmlns:a="http://schemas.openxmlformats.org/drawingml/2006/main" xmlns:r="http://schemas.openxmlformats.org/officeDocument/2006/relationships" xmlns:p="http://schemas.openxmlformats.org/presentationml/2006/main">
   <p:cSld>
     <p:spTree>
       <p:nvGrpSpPr>
@@ -4475,7 +4596,9 @@
       <p:sp>
         <p:nvSpPr>
           <p:cNvPr id="172" name="Title 1"/>
-          <p:cNvSpPr txBox="1"/>
+          <p:cNvSpPr txBox="1">
+            <a:spLocks noGrp="1"/>
+          </p:cNvSpPr>
           <p:nvPr>
             <p:ph type="title"/>
           </p:nvPr>
@@ -4497,7 +4620,6 @@
             </a:lvl1pPr>
           </a:lstStyle>
           <a:p>
-            <a:pPr/>
             <a:r>
               <a:t>Break Pass and Continue</a:t>
             </a:r>
@@ -4507,7 +4629,9 @@
       <p:sp>
         <p:nvSpPr>
           <p:cNvPr id="173" name="Text Placeholder 2"/>
-          <p:cNvSpPr txBox="1"/>
+          <p:cNvSpPr txBox="1">
+            <a:spLocks noGrp="1"/>
+          </p:cNvSpPr>
           <p:nvPr>
             <p:ph type="body" sz="half" idx="1"/>
           </p:nvPr>
@@ -4525,25 +4649,22 @@
           <a:bodyPr/>
           <a:lstStyle/>
           <a:p>
-            <a:pPr/>
             <a:r>
               <a:t>Break statement Breaks the Loop</a:t>
             </a:r>
           </a:p>
           <a:p>
-            <a:pPr/>
-          </a:p>
-          <a:p>
-            <a:pPr/>
+            <a:endParaRPr/>
+          </a:p>
+          <a:p>
             <a:r>
               <a:t>Pass statement is a placeholder when you don’t have any statements to write in the suite</a:t>
             </a:r>
           </a:p>
           <a:p>
-            <a:pPr/>
-          </a:p>
-          <a:p>
-            <a:pPr/>
+            <a:endParaRPr/>
+          </a:p>
+          <a:p>
             <a:r>
               <a:t>Continue Breaks the current iteration and starts next iteration</a:t>
             </a:r>
@@ -4555,12 +4676,12 @@
   <p:clrMapOvr>
     <a:masterClrMapping/>
   </p:clrMapOvr>
-  <p:transition xmlns:p14="http://schemas.microsoft.com/office/powerpoint/2010/main" spd="med" advClick="1"/>
+  <p:transition spd="med"/>
 </p:sld>
 </file>
 
 <file path=ppt/slides/slide19.xml><?xml version="1.0" encoding="utf-8"?>
-<p:sld xmlns:a="http://schemas.openxmlformats.org/drawingml/2006/main" xmlns:r="http://schemas.openxmlformats.org/officeDocument/2006/relationships" xmlns:p="http://schemas.openxmlformats.org/presentationml/2006/main" xmlns:m="http://schemas.openxmlformats.org/officeDocument/2006/math" xmlns:a14="http://schemas.microsoft.com/office/drawing/2010/main" showMasterSp="1" showMasterPhAnim="1">
+<p:sld xmlns:a="http://schemas.openxmlformats.org/drawingml/2006/main" xmlns:r="http://schemas.openxmlformats.org/officeDocument/2006/relationships" xmlns:p="http://schemas.openxmlformats.org/presentationml/2006/main">
   <p:cSld>
     <p:spTree>
       <p:nvGrpSpPr>
@@ -4579,7 +4700,9 @@
       <p:sp>
         <p:nvSpPr>
           <p:cNvPr id="175" name="Title 1"/>
-          <p:cNvSpPr txBox="1"/>
+          <p:cNvSpPr txBox="1">
+            <a:spLocks noGrp="1"/>
+          </p:cNvSpPr>
           <p:nvPr>
             <p:ph type="title"/>
           </p:nvPr>
@@ -4601,7 +4724,6 @@
             </a:lvl1pPr>
           </a:lstStyle>
           <a:p>
-            <a:pPr/>
             <a:r>
               <a:t>Else Statement Loop</a:t>
             </a:r>
@@ -4611,7 +4733,9 @@
       <p:sp>
         <p:nvSpPr>
           <p:cNvPr id="176" name="Text Placeholder 2"/>
-          <p:cNvSpPr txBox="1"/>
+          <p:cNvSpPr txBox="1">
+            <a:spLocks noGrp="1"/>
+          </p:cNvSpPr>
           <p:nvPr>
             <p:ph type="body" sz="half" idx="1"/>
           </p:nvPr>
@@ -4638,30 +4762,11 @@
             </a:r>
           </a:p>
           <a:p>
-            <a:pPr/>
-          </a:p>
-          <a:p>
-            <a:pPr/>
-            <a:r>
-              <a:t>If the </a:t>
-            </a:r>
-            <a:r>
-              <a:t>else</a:t>
-            </a:r>
-            <a:r>
-              <a:t> statement is used with a </a:t>
-            </a:r>
-            <a:r>
-              <a:t>for</a:t>
-            </a:r>
-            <a:r>
-              <a:t> loop, the </a:t>
-            </a:r>
-            <a:r>
-              <a:t>else </a:t>
-            </a:r>
-            <a:r>
-              <a:t>statement is executed when the loop has exhausted iterating the list.</a:t>
+            <a:endParaRPr/>
+          </a:p>
+          <a:p>
+            <a:r>
+              <a:t>If the else statement is used with a for loop, the else statement is executed when the loop has exhausted iterating the list.</a:t>
             </a:r>
           </a:p>
           <a:p>
@@ -4669,29 +4774,11 @@
               <a:buSzTx/>
               <a:buNone/>
             </a:pPr>
-          </a:p>
-          <a:p>
-            <a:pPr/>
-            <a:r>
-              <a:t>f the </a:t>
-            </a:r>
-            <a:r>
-              <a:t>else</a:t>
-            </a:r>
-            <a:r>
-              <a:t> statement is used with a </a:t>
-            </a:r>
-            <a:r>
-              <a:t>while</a:t>
-            </a:r>
-            <a:r>
-              <a:t> loop, the </a:t>
-            </a:r>
-            <a:r>
-              <a:t>else </a:t>
-            </a:r>
-            <a:r>
-              <a:t>statement is executed when the condition becomes false.</a:t>
+            <a:endParaRPr/>
+          </a:p>
+          <a:p>
+            <a:r>
+              <a:t>f the else statement is used with a while loop, the else statement is executed when the condition becomes false.</a:t>
             </a:r>
           </a:p>
         </p:txBody>
@@ -4701,12 +4788,12 @@
   <p:clrMapOvr>
     <a:masterClrMapping/>
   </p:clrMapOvr>
-  <p:transition xmlns:p14="http://schemas.microsoft.com/office/powerpoint/2010/main" spd="med" advClick="1"/>
+  <p:transition spd="med"/>
 </p:sld>
 </file>
 
 <file path=ppt/slides/slide2.xml><?xml version="1.0" encoding="utf-8"?>
-<p:sld xmlns:a="http://schemas.openxmlformats.org/drawingml/2006/main" xmlns:r="http://schemas.openxmlformats.org/officeDocument/2006/relationships" xmlns:p="http://schemas.openxmlformats.org/presentationml/2006/main" xmlns:m="http://schemas.openxmlformats.org/officeDocument/2006/math" xmlns:a14="http://schemas.microsoft.com/office/drawing/2010/main" showMasterSp="1" showMasterPhAnim="1">
+<p:sld xmlns:a="http://schemas.openxmlformats.org/drawingml/2006/main" xmlns:r="http://schemas.openxmlformats.org/officeDocument/2006/relationships" xmlns:p="http://schemas.openxmlformats.org/presentationml/2006/main">
   <p:cSld>
     <p:spTree>
       <p:nvGrpSpPr>
@@ -4725,7 +4812,9 @@
       <p:sp>
         <p:nvSpPr>
           <p:cNvPr id="118" name="Title 1"/>
-          <p:cNvSpPr txBox="1"/>
+          <p:cNvSpPr txBox="1">
+            <a:spLocks noGrp="1"/>
+          </p:cNvSpPr>
           <p:nvPr>
             <p:ph type="title"/>
           </p:nvPr>
@@ -4750,6 +4839,7 @@
               <a:t>Arithmetic  Operators</a:t>
             </a:r>
             <a:br/>
+            <a:endParaRPr/>
           </a:p>
         </p:txBody>
       </p:sp>
@@ -4761,12 +4851,12 @@
         </p:nvGraphicFramePr>
         <p:xfrm>
           <a:off x="914400" y="2025650"/>
-          <a:ext cx="7264449" cy="2225040"/>
+          <a:ext cx="7264449" cy="2275840"/>
         </p:xfrm>
-        <a:graphic xmlns:a="http://schemas.openxmlformats.org/drawingml/2006/main">
+        <a:graphic>
           <a:graphicData uri="http://schemas.openxmlformats.org/drawingml/2006/table">
             <a:tbl>
-              <a:tblPr firstCol="0" firstRow="1" lastCol="0" lastRow="0" bandCol="0" bandRow="1" rtl="0">
+              <a:tblPr firstRow="1" bandRow="1">
                 <a:tableStyleId>{4C3C2611-4C71-4FC5-86AE-919BDF0F9419}</a:tableStyleId>
               </a:tblPr>
               <a:tblGrid>
@@ -4781,14 +4871,14 @@
                     <a:lstStyle/>
                     <a:p>
                       <a:pPr algn="l">
-                        <a:defRPr b="0" sz="1800">
+                        <a:defRPr sz="1800" b="0">
                           <a:solidFill>
                             <a:srgbClr val="000000"/>
                           </a:solidFill>
                         </a:defRPr>
                       </a:pPr>
                       <a:r>
-                        <a:rPr b="1" sz="1400">
+                        <a:rPr sz="1400" b="1">
                           <a:solidFill>
                             <a:srgbClr val="FFFFFF"/>
                           </a:solidFill>
@@ -4798,7 +4888,7 @@
                       </a:r>
                     </a:p>
                   </a:txBody>
-                  <a:tcPr marL="45720" marR="45720" marT="45720" marB="45720" anchor="t" anchorCtr="0" horzOverflow="overflow">
+                  <a:tcPr marL="45720" marR="45720" horzOverflow="overflow">
                     <a:lnB w="12700">
                       <a:solidFill>
                         <a:srgbClr val="FFFFFF"/>
@@ -4812,14 +4902,14 @@
                     <a:lstStyle/>
                     <a:p>
                       <a:pPr algn="l">
-                        <a:defRPr b="0" sz="1800">
+                        <a:defRPr sz="1800" b="0">
                           <a:solidFill>
                             <a:srgbClr val="000000"/>
                           </a:solidFill>
                         </a:defRPr>
                       </a:pPr>
                       <a:r>
-                        <a:rPr b="1" sz="1400">
+                        <a:rPr sz="1400" b="1">
                           <a:solidFill>
                             <a:srgbClr val="FFFFFF"/>
                           </a:solidFill>
@@ -4829,7 +4919,7 @@
                       </a:r>
                     </a:p>
                   </a:txBody>
-                  <a:tcPr marL="45720" marR="45720" marT="45720" marB="45720" anchor="t" anchorCtr="0" horzOverflow="overflow">
+                  <a:tcPr marL="45720" marR="45720" horzOverflow="overflow">
                     <a:lnB w="12700">
                       <a:solidFill>
                         <a:srgbClr val="FFFFFF"/>
@@ -4843,14 +4933,14 @@
                     <a:lstStyle/>
                     <a:p>
                       <a:pPr algn="l">
-                        <a:defRPr b="0" sz="1800">
+                        <a:defRPr sz="1800" b="0">
                           <a:solidFill>
                             <a:srgbClr val="000000"/>
                           </a:solidFill>
                         </a:defRPr>
                       </a:pPr>
                       <a:r>
-                        <a:rPr b="1" sz="1400">
+                        <a:rPr sz="1400" b="1">
                           <a:solidFill>
                             <a:srgbClr val="FFFFFF"/>
                           </a:solidFill>
@@ -4860,7 +4950,7 @@
                       </a:r>
                     </a:p>
                   </a:txBody>
-                  <a:tcPr marL="45720" marR="45720" marT="45720" marB="45720" anchor="t" anchorCtr="0" horzOverflow="overflow">
+                  <a:tcPr marL="45720" marR="45720" horzOverflow="overflow">
                     <a:lnB w="12700">
                       <a:solidFill>
                         <a:srgbClr val="FFFFFF"/>
@@ -4893,7 +4983,7 @@
                       </a:r>
                     </a:p>
                   </a:txBody>
-                  <a:tcPr marL="45720" marR="45720" marT="45720" marB="45720" anchor="t" anchorCtr="0" horzOverflow="overflow">
+                  <a:tcPr marL="45720" marR="45720" horzOverflow="overflow">
                     <a:lnT w="12700">
                       <a:solidFill>
                         <a:srgbClr val="FFFFFF"/>
@@ -4924,7 +5014,7 @@
                       </a:r>
                     </a:p>
                   </a:txBody>
-                  <a:tcPr marL="45720" marR="45720" marT="45720" marB="45720" anchor="t" anchorCtr="0" horzOverflow="overflow">
+                  <a:tcPr marL="45720" marR="45720" horzOverflow="overflow">
                     <a:lnT w="12700">
                       <a:solidFill>
                         <a:srgbClr val="FFFFFF"/>
@@ -4955,7 +5045,7 @@
                       </a:r>
                     </a:p>
                   </a:txBody>
-                  <a:tcPr marL="45720" marR="45720" marT="45720" marB="45720" anchor="t" anchorCtr="0" horzOverflow="overflow">
+                  <a:tcPr marL="45720" marR="45720" horzOverflow="overflow">
                     <a:lnT w="12700">
                       <a:solidFill>
                         <a:srgbClr val="FFFFFF"/>
@@ -4988,7 +5078,7 @@
                       </a:r>
                     </a:p>
                   </a:txBody>
-                  <a:tcPr marL="45720" marR="45720" marT="45720" marB="45720" anchor="t" anchorCtr="0" horzOverflow="overflow"/>
+                  <a:tcPr marL="45720" marR="45720" horzOverflow="overflow"/>
                 </a:tc>
                 <a:tc>
                   <a:txBody>
@@ -5013,7 +5103,7 @@
                       </a:r>
                     </a:p>
                   </a:txBody>
-                  <a:tcPr marL="45720" marR="45720" marT="45720" marB="45720" anchor="t" anchorCtr="0" horzOverflow="overflow"/>
+                  <a:tcPr marL="45720" marR="45720" horzOverflow="overflow"/>
                 </a:tc>
                 <a:tc>
                   <a:txBody>
@@ -5038,7 +5128,7 @@
                       </a:r>
                     </a:p>
                   </a:txBody>
-                  <a:tcPr marL="45720" marR="45720" marT="45720" marB="45720" anchor="t" anchorCtr="0" horzOverflow="overflow"/>
+                  <a:tcPr marL="45720" marR="45720" horzOverflow="overflow"/>
                 </a:tc>
               </a:tr>
               <a:tr h="370840">
@@ -5065,7 +5155,7 @@
                       </a:r>
                     </a:p>
                   </a:txBody>
-                  <a:tcPr marL="45720" marR="45720" marT="45720" marB="45720" anchor="t" anchorCtr="0" horzOverflow="overflow"/>
+                  <a:tcPr marL="45720" marR="45720" horzOverflow="overflow"/>
                 </a:tc>
                 <a:tc>
                   <a:txBody>
@@ -5090,7 +5180,7 @@
                       </a:r>
                     </a:p>
                   </a:txBody>
-                  <a:tcPr marL="45720" marR="45720" marT="45720" marB="45720" anchor="t" anchorCtr="0" horzOverflow="overflow"/>
+                  <a:tcPr marL="45720" marR="45720" horzOverflow="overflow"/>
                 </a:tc>
                 <a:tc>
                   <a:txBody>
@@ -5115,7 +5205,7 @@
                       </a:r>
                     </a:p>
                   </a:txBody>
-                  <a:tcPr marL="45720" marR="45720" marT="45720" marB="45720" anchor="t" anchorCtr="0" horzOverflow="overflow"/>
+                  <a:tcPr marL="45720" marR="45720" horzOverflow="overflow"/>
                 </a:tc>
               </a:tr>
               <a:tr h="370840">
@@ -5142,7 +5232,7 @@
                       </a:r>
                     </a:p>
                   </a:txBody>
-                  <a:tcPr marL="45720" marR="45720" marT="45720" marB="45720" anchor="t" anchorCtr="0" horzOverflow="overflow"/>
+                  <a:tcPr marL="45720" marR="45720" horzOverflow="overflow"/>
                 </a:tc>
                 <a:tc>
                   <a:txBody>
@@ -5167,7 +5257,7 @@
                       </a:r>
                     </a:p>
                   </a:txBody>
-                  <a:tcPr marL="45720" marR="45720" marT="45720" marB="45720" anchor="t" anchorCtr="0" horzOverflow="overflow"/>
+                  <a:tcPr marL="45720" marR="45720" horzOverflow="overflow"/>
                 </a:tc>
                 <a:tc>
                   <a:txBody>
@@ -5192,7 +5282,7 @@
                       </a:r>
                     </a:p>
                   </a:txBody>
-                  <a:tcPr marL="45720" marR="45720" marT="45720" marB="45720" anchor="t" anchorCtr="0" horzOverflow="overflow"/>
+                  <a:tcPr marL="45720" marR="45720" horzOverflow="overflow"/>
                 </a:tc>
               </a:tr>
               <a:tr h="370840">
@@ -5219,7 +5309,7 @@
                       </a:r>
                     </a:p>
                   </a:txBody>
-                  <a:tcPr marL="45720" marR="45720" marT="45720" marB="45720" anchor="t" anchorCtr="0" horzOverflow="overflow"/>
+                  <a:tcPr marL="45720" marR="45720" horzOverflow="overflow"/>
                 </a:tc>
                 <a:tc>
                   <a:txBody>
@@ -5244,7 +5334,7 @@
                       </a:r>
                     </a:p>
                   </a:txBody>
-                  <a:tcPr marL="45720" marR="45720" marT="45720" marB="45720" anchor="t" anchorCtr="0" horzOverflow="overflow"/>
+                  <a:tcPr marL="45720" marR="45720" horzOverflow="overflow"/>
                 </a:tc>
                 <a:tc>
                   <a:txBody>
@@ -5269,7 +5359,7 @@
                       </a:r>
                     </a:p>
                   </a:txBody>
-                  <a:tcPr marL="45720" marR="45720" marT="45720" marB="45720" anchor="t" anchorCtr="0" horzOverflow="overflow"/>
+                  <a:tcPr marL="45720" marR="45720" horzOverflow="overflow"/>
                 </a:tc>
               </a:tr>
             </a:tbl>
@@ -5281,12 +5371,12 @@
   <p:clrMapOvr>
     <a:masterClrMapping/>
   </p:clrMapOvr>
-  <p:transition xmlns:p14="http://schemas.microsoft.com/office/powerpoint/2010/main" spd="med" advClick="1"/>
+  <p:transition spd="med"/>
 </p:sld>
 </file>
 
 <file path=ppt/slides/slide20.xml><?xml version="1.0" encoding="utf-8"?>
-<p:sld xmlns:a="http://schemas.openxmlformats.org/drawingml/2006/main" xmlns:r="http://schemas.openxmlformats.org/officeDocument/2006/relationships" xmlns:p="http://schemas.openxmlformats.org/presentationml/2006/main" xmlns:m="http://schemas.openxmlformats.org/officeDocument/2006/math" xmlns:a14="http://schemas.microsoft.com/office/drawing/2010/main" showMasterSp="1" showMasterPhAnim="1">
+<p:sld xmlns:a="http://schemas.openxmlformats.org/drawingml/2006/main" xmlns:r="http://schemas.openxmlformats.org/officeDocument/2006/relationships" xmlns:p="http://schemas.openxmlformats.org/presentationml/2006/main">
   <p:cSld>
     <p:spTree>
       <p:nvGrpSpPr>
@@ -5305,7 +5395,9 @@
       <p:sp>
         <p:nvSpPr>
           <p:cNvPr id="178" name="Title 1"/>
-          <p:cNvSpPr txBox="1"/>
+          <p:cNvSpPr txBox="1">
+            <a:spLocks noGrp="1"/>
+          </p:cNvSpPr>
           <p:nvPr>
             <p:ph type="title"/>
           </p:nvPr>
@@ -5327,7 +5419,6 @@
             </a:lvl1pPr>
           </a:lstStyle>
           <a:p>
-            <a:pPr/>
             <a:r>
               <a:t>Else statement with For</a:t>
             </a:r>
@@ -5337,7 +5428,9 @@
       <p:sp>
         <p:nvSpPr>
           <p:cNvPr id="179" name="Text Placeholder 2"/>
-          <p:cNvSpPr txBox="1"/>
+          <p:cNvSpPr txBox="1">
+            <a:spLocks noGrp="1"/>
+          </p:cNvSpPr>
           <p:nvPr>
             <p:ph type="body" sz="half" idx="1"/>
           </p:nvPr>
@@ -5448,12 +5541,12 @@
   <p:clrMapOvr>
     <a:masterClrMapping/>
   </p:clrMapOvr>
-  <p:transition xmlns:p14="http://schemas.microsoft.com/office/powerpoint/2010/main" spd="med" advClick="1"/>
+  <p:transition spd="med"/>
 </p:sld>
 </file>
 
 <file path=ppt/slides/slide21.xml><?xml version="1.0" encoding="utf-8"?>
-<p:sld xmlns:a="http://schemas.openxmlformats.org/drawingml/2006/main" xmlns:r="http://schemas.openxmlformats.org/officeDocument/2006/relationships" xmlns:p="http://schemas.openxmlformats.org/presentationml/2006/main" xmlns:m="http://schemas.openxmlformats.org/officeDocument/2006/math" xmlns:a14="http://schemas.microsoft.com/office/drawing/2010/main" showMasterSp="1" showMasterPhAnim="1">
+<p:sld xmlns:a="http://schemas.openxmlformats.org/drawingml/2006/main" xmlns:r="http://schemas.openxmlformats.org/officeDocument/2006/relationships" xmlns:p="http://schemas.openxmlformats.org/presentationml/2006/main">
   <p:cSld>
     <p:spTree>
       <p:nvGrpSpPr>
@@ -5472,7 +5565,9 @@
       <p:sp>
         <p:nvSpPr>
           <p:cNvPr id="181" name="Title 1"/>
-          <p:cNvSpPr txBox="1"/>
+          <p:cNvSpPr txBox="1">
+            <a:spLocks noGrp="1"/>
+          </p:cNvSpPr>
           <p:nvPr>
             <p:ph type="title"/>
           </p:nvPr>
@@ -5494,7 +5589,6 @@
             </a:lvl1pPr>
           </a:lstStyle>
           <a:p>
-            <a:pPr/>
             <a:r>
               <a:t>Else statement with For</a:t>
             </a:r>
@@ -5504,7 +5598,9 @@
       <p:sp>
         <p:nvSpPr>
           <p:cNvPr id="182" name="Text Placeholder 2"/>
-          <p:cNvSpPr txBox="1"/>
+          <p:cNvSpPr txBox="1">
+            <a:spLocks noGrp="1"/>
+          </p:cNvSpPr>
           <p:nvPr>
             <p:ph type="body" sz="half" idx="1"/>
           </p:nvPr>
@@ -5573,12 +5669,12 @@
   <p:clrMapOvr>
     <a:masterClrMapping/>
   </p:clrMapOvr>
-  <p:transition xmlns:p14="http://schemas.microsoft.com/office/powerpoint/2010/main" spd="med" advClick="1"/>
+  <p:transition spd="med"/>
 </p:sld>
 </file>
 
 <file path=ppt/slides/slide22.xml><?xml version="1.0" encoding="utf-8"?>
-<p:sld xmlns:a="http://schemas.openxmlformats.org/drawingml/2006/main" xmlns:r="http://schemas.openxmlformats.org/officeDocument/2006/relationships" xmlns:p="http://schemas.openxmlformats.org/presentationml/2006/main" xmlns:m="http://schemas.openxmlformats.org/officeDocument/2006/math" xmlns:a14="http://schemas.microsoft.com/office/drawing/2010/main" showMasterSp="1" showMasterPhAnim="1">
+<p:sld xmlns:a="http://schemas.openxmlformats.org/drawingml/2006/main" xmlns:r="http://schemas.openxmlformats.org/officeDocument/2006/relationships" xmlns:p="http://schemas.openxmlformats.org/presentationml/2006/main">
   <p:cSld>
     <p:spTree>
       <p:nvGrpSpPr>
@@ -5597,7 +5693,9 @@
       <p:sp>
         <p:nvSpPr>
           <p:cNvPr id="184" name="Title 1"/>
-          <p:cNvSpPr txBox="1"/>
+          <p:cNvSpPr txBox="1">
+            <a:spLocks noGrp="1"/>
+          </p:cNvSpPr>
           <p:nvPr>
             <p:ph type="title"/>
           </p:nvPr>
@@ -5619,7 +5717,6 @@
             </a:lvl1pPr>
           </a:lstStyle>
           <a:p>
-            <a:pPr/>
             <a:r>
               <a:t>Nesting Loops</a:t>
             </a:r>
@@ -5629,7 +5726,9 @@
       <p:sp>
         <p:nvSpPr>
           <p:cNvPr id="185" name="Text Placeholder 2"/>
-          <p:cNvSpPr txBox="1"/>
+          <p:cNvSpPr txBox="1">
+            <a:spLocks noGrp="1"/>
+          </p:cNvSpPr>
           <p:nvPr>
             <p:ph type="body" sz="quarter" idx="1"/>
           </p:nvPr>
@@ -5764,6 +5863,7 @@
                   <a:sym typeface="Museo Sans 700"/>
                 </a:defRPr>
               </a:pPr>
+              <a:endParaRPr/>
             </a:p>
           </p:txBody>
         </p:sp>
@@ -5789,7 +5889,7 @@
             <a:effectLst/>
             <a:extLst>
               <a:ext uri="{C572A759-6A51-4108-AA02-DFA0A04FC94B}">
-                <ma14:wrappingTextBoxFlag xmlns:ma14="http://schemas.microsoft.com/office/mac/drawingml/2011/main" val="1"/>
+                <ma14:wrappingTextBoxFlag xmlns:ma14="http://schemas.microsoft.com/office/mac/drawingml/2011/main" xmlns:a14="http://schemas.microsoft.com/office/drawing/2010/main" xmlns:m="http://schemas.openxmlformats.org/officeDocument/2006/math" xmlns="" val="1"/>
               </a:ext>
             </a:extLst>
           </p:spPr>
@@ -5897,12 +5997,12 @@
   <p:clrMapOvr>
     <a:masterClrMapping/>
   </p:clrMapOvr>
-  <p:transition xmlns:p14="http://schemas.microsoft.com/office/powerpoint/2010/main" spd="med" advClick="1"/>
+  <p:transition spd="med"/>
 </p:sld>
 </file>
 
 <file path=ppt/slides/slide23.xml><?xml version="1.0" encoding="utf-8"?>
-<p:sld xmlns:a="http://schemas.openxmlformats.org/drawingml/2006/main" xmlns:r="http://schemas.openxmlformats.org/officeDocument/2006/relationships" xmlns:p="http://schemas.openxmlformats.org/presentationml/2006/main" xmlns:m="http://schemas.openxmlformats.org/officeDocument/2006/math" xmlns:a14="http://schemas.microsoft.com/office/drawing/2010/main" showMasterSp="1" showMasterPhAnim="1">
+<p:sld xmlns:a="http://schemas.openxmlformats.org/drawingml/2006/main" xmlns:r="http://schemas.openxmlformats.org/officeDocument/2006/relationships" xmlns:p="http://schemas.openxmlformats.org/presentationml/2006/main">
   <p:cSld>
     <p:spTree>
       <p:nvGrpSpPr>
@@ -5921,7 +6021,9 @@
       <p:sp>
         <p:nvSpPr>
           <p:cNvPr id="190" name="Title 1"/>
-          <p:cNvSpPr txBox="1"/>
+          <p:cNvSpPr txBox="1">
+            <a:spLocks noGrp="1"/>
+          </p:cNvSpPr>
           <p:nvPr>
             <p:ph type="title"/>
           </p:nvPr>
@@ -5942,13 +6044,16 @@
             <a:pPr defTabSz="795527">
               <a:defRPr sz="2262"/>
             </a:pPr>
+            <a:endParaRPr/>
           </a:p>
         </p:txBody>
       </p:sp>
       <p:sp>
         <p:nvSpPr>
           <p:cNvPr id="191" name="Text Placeholder 2"/>
-          <p:cNvSpPr txBox="1"/>
+          <p:cNvSpPr txBox="1">
+            <a:spLocks noGrp="1"/>
+          </p:cNvSpPr>
           <p:nvPr>
             <p:ph type="body" idx="1"/>
           </p:nvPr>
@@ -6094,6 +6199,7 @@
               <a:t>	i = i + 1 </a:t>
             </a:r>
             <a:br/>
+            <a:endParaRPr/>
           </a:p>
         </p:txBody>
       </p:sp>
@@ -6102,12 +6208,12 @@
   <p:clrMapOvr>
     <a:masterClrMapping/>
   </p:clrMapOvr>
-  <p:transition xmlns:p14="http://schemas.microsoft.com/office/powerpoint/2010/main" spd="med" advClick="1"/>
+  <p:transition spd="med"/>
 </p:sld>
 </file>
 
 <file path=ppt/slides/slide24.xml><?xml version="1.0" encoding="utf-8"?>
-<p:sld xmlns:a="http://schemas.openxmlformats.org/drawingml/2006/main" xmlns:r="http://schemas.openxmlformats.org/officeDocument/2006/relationships" xmlns:p="http://schemas.openxmlformats.org/presentationml/2006/main" xmlns:m="http://schemas.openxmlformats.org/officeDocument/2006/math" xmlns:a14="http://schemas.microsoft.com/office/drawing/2010/main" showMasterSp="1" showMasterPhAnim="1">
+<p:sld xmlns:a="http://schemas.openxmlformats.org/drawingml/2006/main" xmlns:r="http://schemas.openxmlformats.org/officeDocument/2006/relationships" xmlns:p="http://schemas.openxmlformats.org/presentationml/2006/main">
   <p:cSld>
     <p:spTree>
       <p:nvGrpSpPr>
@@ -6126,7 +6232,9 @@
       <p:sp>
         <p:nvSpPr>
           <p:cNvPr id="193" name="Title 1"/>
-          <p:cNvSpPr txBox="1"/>
+          <p:cNvSpPr txBox="1">
+            <a:spLocks noGrp="1"/>
+          </p:cNvSpPr>
           <p:nvPr>
             <p:ph type="title"/>
           </p:nvPr>
@@ -6147,13 +6255,16 @@
             <a:pPr defTabSz="795527">
               <a:defRPr sz="2262"/>
             </a:pPr>
+            <a:endParaRPr/>
           </a:p>
         </p:txBody>
       </p:sp>
       <p:sp>
         <p:nvSpPr>
           <p:cNvPr id="194" name="Text Placeholder 2"/>
-          <p:cNvSpPr txBox="1"/>
+          <p:cNvSpPr txBox="1">
+            <a:spLocks noGrp="1"/>
+          </p:cNvSpPr>
           <p:nvPr>
             <p:ph type="body" sz="half" idx="1"/>
           </p:nvPr>
@@ -6171,7 +6282,7 @@
           <a:bodyPr/>
           <a:lstStyle/>
           <a:p>
-            <a:pPr/>
+            <a:endParaRPr/>
           </a:p>
         </p:txBody>
       </p:sp>
@@ -6180,12 +6291,12 @@
   <p:clrMapOvr>
     <a:masterClrMapping/>
   </p:clrMapOvr>
-  <p:transition xmlns:p14="http://schemas.microsoft.com/office/powerpoint/2010/main" spd="med" advClick="1"/>
+  <p:transition spd="med"/>
 </p:sld>
 </file>
 
 <file path=ppt/slides/slide3.xml><?xml version="1.0" encoding="utf-8"?>
-<p:sld xmlns:a="http://schemas.openxmlformats.org/drawingml/2006/main" xmlns:r="http://schemas.openxmlformats.org/officeDocument/2006/relationships" xmlns:p="http://schemas.openxmlformats.org/presentationml/2006/main" xmlns:m="http://schemas.openxmlformats.org/officeDocument/2006/math" xmlns:a14="http://schemas.microsoft.com/office/drawing/2010/main" showMasterSp="1" showMasterPhAnim="1">
+<p:sld xmlns:a="http://schemas.openxmlformats.org/drawingml/2006/main" xmlns:r="http://schemas.openxmlformats.org/officeDocument/2006/relationships" xmlns:p="http://schemas.openxmlformats.org/presentationml/2006/main">
   <p:cSld>
     <p:spTree>
       <p:nvGrpSpPr>
@@ -6204,7 +6315,9 @@
       <p:sp>
         <p:nvSpPr>
           <p:cNvPr id="121" name="Title 1"/>
-          <p:cNvSpPr txBox="1"/>
+          <p:cNvSpPr txBox="1">
+            <a:spLocks noGrp="1"/>
+          </p:cNvSpPr>
           <p:nvPr>
             <p:ph type="title"/>
           </p:nvPr>
@@ -6229,6 +6342,7 @@
               <a:t>Arithmetic  Operators (Contd)</a:t>
             </a:r>
             <a:br/>
+            <a:endParaRPr/>
           </a:p>
         </p:txBody>
       </p:sp>
@@ -6240,12 +6354,12 @@
         </p:nvGraphicFramePr>
         <p:xfrm>
           <a:off x="914400" y="2025650"/>
-          <a:ext cx="7264449" cy="2225040"/>
+          <a:ext cx="7264449" cy="2423160"/>
         </p:xfrm>
-        <a:graphic xmlns:a="http://schemas.openxmlformats.org/drawingml/2006/main">
+        <a:graphic>
           <a:graphicData uri="http://schemas.openxmlformats.org/drawingml/2006/table">
             <a:tbl>
-              <a:tblPr firstCol="0" firstRow="1" lastCol="0" lastRow="0" bandCol="0" bandRow="1" rtl="0">
+              <a:tblPr firstRow="1" bandRow="1">
                 <a:tableStyleId>{4C3C2611-4C71-4FC5-86AE-919BDF0F9419}</a:tableStyleId>
               </a:tblPr>
               <a:tblGrid>
@@ -6260,14 +6374,14 @@
                     <a:lstStyle/>
                     <a:p>
                       <a:pPr algn="l">
-                        <a:defRPr b="0" sz="1800">
+                        <a:defRPr sz="1800" b="0">
                           <a:solidFill>
                             <a:srgbClr val="000000"/>
                           </a:solidFill>
                         </a:defRPr>
                       </a:pPr>
                       <a:r>
-                        <a:rPr b="1" sz="1400">
+                        <a:rPr sz="1400" b="1">
                           <a:solidFill>
                             <a:srgbClr val="FFFFFF"/>
                           </a:solidFill>
@@ -6277,7 +6391,7 @@
                       </a:r>
                     </a:p>
                   </a:txBody>
-                  <a:tcPr marL="45720" marR="45720" marT="45720" marB="45720" anchor="t" anchorCtr="0" horzOverflow="overflow">
+                  <a:tcPr marL="45720" marR="45720" horzOverflow="overflow">
                     <a:lnB w="12700">
                       <a:solidFill>
                         <a:srgbClr val="FFFFFF"/>
@@ -6291,14 +6405,14 @@
                     <a:lstStyle/>
                     <a:p>
                       <a:pPr algn="l">
-                        <a:defRPr b="0" sz="1800">
+                        <a:defRPr sz="1800" b="0">
                           <a:solidFill>
                             <a:srgbClr val="000000"/>
                           </a:solidFill>
                         </a:defRPr>
                       </a:pPr>
                       <a:r>
-                        <a:rPr b="1" sz="1400">
+                        <a:rPr sz="1400" b="1">
                           <a:solidFill>
                             <a:srgbClr val="FFFFFF"/>
                           </a:solidFill>
@@ -6308,7 +6422,7 @@
                       </a:r>
                     </a:p>
                   </a:txBody>
-                  <a:tcPr marL="45720" marR="45720" marT="45720" marB="45720" anchor="t" anchorCtr="0" horzOverflow="overflow">
+                  <a:tcPr marL="45720" marR="45720" horzOverflow="overflow">
                     <a:lnB w="12700">
                       <a:solidFill>
                         <a:srgbClr val="FFFFFF"/>
@@ -6322,14 +6436,14 @@
                     <a:lstStyle/>
                     <a:p>
                       <a:pPr algn="l">
-                        <a:defRPr b="0" sz="1800">
+                        <a:defRPr sz="1800" b="0">
                           <a:solidFill>
                             <a:srgbClr val="000000"/>
                           </a:solidFill>
                         </a:defRPr>
                       </a:pPr>
                       <a:r>
-                        <a:rPr b="1" sz="1400">
+                        <a:rPr sz="1400" b="1">
                           <a:solidFill>
                             <a:srgbClr val="FFFFFF"/>
                           </a:solidFill>
@@ -6339,7 +6453,7 @@
                       </a:r>
                     </a:p>
                   </a:txBody>
-                  <a:tcPr marL="45720" marR="45720" marT="45720" marB="45720" anchor="t" anchorCtr="0" horzOverflow="overflow">
+                  <a:tcPr marL="45720" marR="45720" horzOverflow="overflow">
                     <a:lnB w="12700">
                       <a:solidFill>
                         <a:srgbClr val="FFFFFF"/>
@@ -6372,7 +6486,7 @@
                       </a:r>
                     </a:p>
                   </a:txBody>
-                  <a:tcPr marL="45720" marR="45720" marT="45720" marB="45720" anchor="t" anchorCtr="0" horzOverflow="overflow">
+                  <a:tcPr marL="45720" marR="45720" horzOverflow="overflow">
                     <a:lnT w="12700">
                       <a:solidFill>
                         <a:srgbClr val="FFFFFF"/>
@@ -6403,7 +6517,7 @@
                       </a:r>
                     </a:p>
                   </a:txBody>
-                  <a:tcPr marL="45720" marR="45720" marT="45720" marB="45720" anchor="t" anchorCtr="0" horzOverflow="overflow">
+                  <a:tcPr marL="45720" marR="45720" horzOverflow="overflow">
                     <a:lnT w="12700">
                       <a:solidFill>
                         <a:srgbClr val="FFFFFF"/>
@@ -6434,7 +6548,7 @@
                       </a:r>
                     </a:p>
                   </a:txBody>
-                  <a:tcPr marL="45720" marR="45720" marT="45720" marB="45720" anchor="t" anchorCtr="0" horzOverflow="overflow">
+                  <a:tcPr marL="45720" marR="45720" horzOverflow="overflow">
                     <a:lnT w="12700">
                       <a:solidFill>
                         <a:srgbClr val="FFFFFF"/>
@@ -6467,7 +6581,7 @@
                       </a:r>
                     </a:p>
                   </a:txBody>
-                  <a:tcPr marL="45720" marR="45720" marT="45720" marB="45720" anchor="t" anchorCtr="0" horzOverflow="overflow"/>
+                  <a:tcPr marL="45720" marR="45720" horzOverflow="overflow"/>
                 </a:tc>
                 <a:tc>
                   <a:txBody>
@@ -6492,7 +6606,7 @@
                       </a:r>
                     </a:p>
                   </a:txBody>
-                  <a:tcPr marL="45720" marR="45720" marT="45720" marB="45720" anchor="t" anchorCtr="0" horzOverflow="overflow"/>
+                  <a:tcPr marL="45720" marR="45720" horzOverflow="overflow"/>
                 </a:tc>
                 <a:tc>
                   <a:txBody>
@@ -6509,7 +6623,7 @@
                       </a:r>
                     </a:p>
                   </a:txBody>
-                  <a:tcPr marL="45720" marR="45720" marT="45720" marB="45720" anchor="t" anchorCtr="0" horzOverflow="overflow"/>
+                  <a:tcPr marL="45720" marR="45720" horzOverflow="overflow"/>
                 </a:tc>
               </a:tr>
               <a:tr h="370840">
@@ -6536,7 +6650,7 @@
                       </a:r>
                     </a:p>
                   </a:txBody>
-                  <a:tcPr marL="45720" marR="45720" marT="45720" marB="45720" anchor="t" anchorCtr="0" horzOverflow="overflow"/>
+                  <a:tcPr marL="45720" marR="45720" horzOverflow="overflow"/>
                 </a:tc>
                 <a:tc>
                   <a:txBody>
@@ -6561,7 +6675,7 @@
                       </a:r>
                     </a:p>
                   </a:txBody>
-                  <a:tcPr marL="45720" marR="45720" marT="45720" marB="45720" anchor="t" anchorCtr="0" horzOverflow="overflow"/>
+                  <a:tcPr marL="45720" marR="45720" horzOverflow="overflow"/>
                 </a:tc>
                 <a:tc>
                   <a:txBody>
@@ -6586,7 +6700,7 @@
                       </a:r>
                     </a:p>
                   </a:txBody>
-                  <a:tcPr marL="45720" marR="45720" marT="45720" marB="45720" anchor="t" anchorCtr="0" horzOverflow="overflow"/>
+                  <a:tcPr marL="45720" marR="45720" horzOverflow="overflow"/>
                 </a:tc>
               </a:tr>
               <a:tr h="370840">
@@ -6613,7 +6727,7 @@
                       </a:r>
                     </a:p>
                   </a:txBody>
-                  <a:tcPr marL="45720" marR="45720" marT="45720" marB="45720" anchor="t" anchorCtr="0" horzOverflow="overflow"/>
+                  <a:tcPr marL="45720" marR="45720" horzOverflow="overflow"/>
                 </a:tc>
                 <a:tc>
                   <a:txBody>
@@ -6638,7 +6752,7 @@
                       </a:r>
                     </a:p>
                   </a:txBody>
-                  <a:tcPr marL="45720" marR="45720" marT="45720" marB="45720" anchor="t" anchorCtr="0" horzOverflow="overflow"/>
+                  <a:tcPr marL="45720" marR="45720" horzOverflow="overflow"/>
                 </a:tc>
                 <a:tc>
                   <a:txBody>
@@ -6663,7 +6777,7 @@
                       </a:r>
                     </a:p>
                   </a:txBody>
-                  <a:tcPr marL="45720" marR="45720" marT="45720" marB="45720" anchor="t" anchorCtr="0" horzOverflow="overflow"/>
+                  <a:tcPr marL="45720" marR="45720" horzOverflow="overflow"/>
                 </a:tc>
               </a:tr>
               <a:tr h="370840">
@@ -6690,7 +6804,7 @@
                       </a:r>
                     </a:p>
                   </a:txBody>
-                  <a:tcPr marL="45720" marR="45720" marT="45720" marB="45720" anchor="t" anchorCtr="0" horzOverflow="overflow"/>
+                  <a:tcPr marL="45720" marR="45720" horzOverflow="overflow"/>
                 </a:tc>
                 <a:tc>
                   <a:txBody>
@@ -6715,7 +6829,7 @@
                       </a:r>
                     </a:p>
                   </a:txBody>
-                  <a:tcPr marL="45720" marR="45720" marT="45720" marB="45720" anchor="t" anchorCtr="0" horzOverflow="overflow"/>
+                  <a:tcPr marL="45720" marR="45720" horzOverflow="overflow"/>
                 </a:tc>
                 <a:tc>
                   <a:txBody>
@@ -6740,7 +6854,7 @@
                       </a:r>
                     </a:p>
                   </a:txBody>
-                  <a:tcPr marL="45720" marR="45720" marT="45720" marB="45720" anchor="t" anchorCtr="0" horzOverflow="overflow"/>
+                  <a:tcPr marL="45720" marR="45720" horzOverflow="overflow"/>
                 </a:tc>
               </a:tr>
             </a:tbl>
@@ -6752,12 +6866,12 @@
   <p:clrMapOvr>
     <a:masterClrMapping/>
   </p:clrMapOvr>
-  <p:transition xmlns:p14="http://schemas.microsoft.com/office/powerpoint/2010/main" spd="med" advClick="1"/>
+  <p:transition spd="med"/>
 </p:sld>
 </file>
 
 <file path=ppt/slides/slide4.xml><?xml version="1.0" encoding="utf-8"?>
-<p:sld xmlns:a="http://schemas.openxmlformats.org/drawingml/2006/main" xmlns:r="http://schemas.openxmlformats.org/officeDocument/2006/relationships" xmlns:p="http://schemas.openxmlformats.org/presentationml/2006/main" xmlns:m="http://schemas.openxmlformats.org/officeDocument/2006/math" xmlns:a14="http://schemas.microsoft.com/office/drawing/2010/main" showMasterSp="1" showMasterPhAnim="1">
+<p:sld xmlns:a="http://schemas.openxmlformats.org/drawingml/2006/main" xmlns:r="http://schemas.openxmlformats.org/officeDocument/2006/relationships" xmlns:p="http://schemas.openxmlformats.org/presentationml/2006/main">
   <p:cSld>
     <p:spTree>
       <p:nvGrpSpPr>
@@ -6776,7 +6890,9 @@
       <p:sp>
         <p:nvSpPr>
           <p:cNvPr id="124" name="Title 1"/>
-          <p:cNvSpPr txBox="1"/>
+          <p:cNvSpPr txBox="1">
+            <a:spLocks noGrp="1"/>
+          </p:cNvSpPr>
           <p:nvPr>
             <p:ph type="title"/>
           </p:nvPr>
@@ -6798,7 +6914,6 @@
             </a:lvl1pPr>
           </a:lstStyle>
           <a:p>
-            <a:pPr/>
             <a:r>
               <a:t>Comparision (Relational) Operators </a:t>
             </a:r>
@@ -6813,12 +6928,12 @@
         </p:nvGraphicFramePr>
         <p:xfrm>
           <a:off x="914400" y="2025650"/>
-          <a:ext cx="7264449" cy="1854200"/>
+          <a:ext cx="7264449" cy="1879600"/>
         </p:xfrm>
-        <a:graphic xmlns:a="http://schemas.openxmlformats.org/drawingml/2006/main">
+        <a:graphic>
           <a:graphicData uri="http://schemas.openxmlformats.org/drawingml/2006/table">
             <a:tbl>
-              <a:tblPr firstCol="0" firstRow="1" lastCol="0" lastRow="0" bandCol="0" bandRow="1" rtl="0">
+              <a:tblPr firstRow="1" bandRow="1">
                 <a:tableStyleId>{4C3C2611-4C71-4FC5-86AE-919BDF0F9419}</a:tableStyleId>
               </a:tblPr>
               <a:tblGrid>
@@ -6833,14 +6948,14 @@
                     <a:lstStyle/>
                     <a:p>
                       <a:pPr algn="l">
-                        <a:defRPr b="0" sz="1800">
+                        <a:defRPr sz="1800" b="0">
                           <a:solidFill>
                             <a:srgbClr val="000000"/>
                           </a:solidFill>
                         </a:defRPr>
                       </a:pPr>
                       <a:r>
-                        <a:rPr b="1" sz="1400">
+                        <a:rPr sz="1400" b="1">
                           <a:solidFill>
                             <a:srgbClr val="FFFFFF"/>
                           </a:solidFill>
@@ -6850,7 +6965,7 @@
                       </a:r>
                     </a:p>
                   </a:txBody>
-                  <a:tcPr marL="45720" marR="45720" marT="45720" marB="45720" anchor="t" anchorCtr="0" horzOverflow="overflow">
+                  <a:tcPr marL="45720" marR="45720" horzOverflow="overflow">
                     <a:lnB w="12700">
                       <a:solidFill>
                         <a:srgbClr val="FFFFFF"/>
@@ -6864,14 +6979,14 @@
                     <a:lstStyle/>
                     <a:p>
                       <a:pPr algn="l">
-                        <a:defRPr b="0" sz="1800">
+                        <a:defRPr sz="1800" b="0">
                           <a:solidFill>
                             <a:srgbClr val="000000"/>
                           </a:solidFill>
                         </a:defRPr>
                       </a:pPr>
                       <a:r>
-                        <a:rPr b="1" sz="1400">
+                        <a:rPr sz="1400" b="1">
                           <a:solidFill>
                             <a:srgbClr val="FFFFFF"/>
                           </a:solidFill>
@@ -6881,7 +6996,7 @@
                       </a:r>
                     </a:p>
                   </a:txBody>
-                  <a:tcPr marL="45720" marR="45720" marT="45720" marB="45720" anchor="t" anchorCtr="0" horzOverflow="overflow">
+                  <a:tcPr marL="45720" marR="45720" horzOverflow="overflow">
                     <a:lnB w="12700">
                       <a:solidFill>
                         <a:srgbClr val="FFFFFF"/>
@@ -6895,14 +7010,14 @@
                     <a:lstStyle/>
                     <a:p>
                       <a:pPr algn="l">
-                        <a:defRPr b="0" sz="1800">
+                        <a:defRPr sz="1800" b="0">
                           <a:solidFill>
                             <a:srgbClr val="000000"/>
                           </a:solidFill>
                         </a:defRPr>
                       </a:pPr>
                       <a:r>
-                        <a:rPr b="1" sz="1400">
+                        <a:rPr sz="1400" b="1">
                           <a:solidFill>
                             <a:srgbClr val="FFFFFF"/>
                           </a:solidFill>
@@ -6912,7 +7027,7 @@
                       </a:r>
                     </a:p>
                   </a:txBody>
-                  <a:tcPr marL="45720" marR="45720" marT="45720" marB="45720" anchor="t" anchorCtr="0" horzOverflow="overflow">
+                  <a:tcPr marL="45720" marR="45720" horzOverflow="overflow">
                     <a:lnB w="12700">
                       <a:solidFill>
                         <a:srgbClr val="FFFFFF"/>
@@ -6945,7 +7060,7 @@
                       </a:r>
                     </a:p>
                   </a:txBody>
-                  <a:tcPr marL="45720" marR="45720" marT="45720" marB="45720" anchor="t" anchorCtr="0" horzOverflow="overflow">
+                  <a:tcPr marL="45720" marR="45720" horzOverflow="overflow">
                     <a:lnT w="12700">
                       <a:solidFill>
                         <a:srgbClr val="FFFFFF"/>
@@ -6976,7 +7091,7 @@
                       </a:r>
                     </a:p>
                   </a:txBody>
-                  <a:tcPr marL="45720" marR="45720" marT="45720" marB="45720" anchor="t" anchorCtr="0" horzOverflow="overflow">
+                  <a:tcPr marL="45720" marR="45720" horzOverflow="overflow">
                     <a:lnT w="12700">
                       <a:solidFill>
                         <a:srgbClr val="FFFFFF"/>
@@ -7007,7 +7122,7 @@
                       </a:r>
                     </a:p>
                   </a:txBody>
-                  <a:tcPr marL="45720" marR="45720" marT="45720" marB="45720" anchor="t" anchorCtr="0" horzOverflow="overflow">
+                  <a:tcPr marL="45720" marR="45720" horzOverflow="overflow">
                     <a:lnT w="12700">
                       <a:solidFill>
                         <a:srgbClr val="FFFFFF"/>
@@ -7027,9 +7142,10 @@
                           <a:sym typeface="Arial"/>
                         </a:defRPr>
                       </a:pPr>
+                      <a:endParaRPr/>
                     </a:p>
                   </a:txBody>
-                  <a:tcPr marL="45720" marR="45720" marT="45720" marB="45720" anchor="t" anchorCtr="0" horzOverflow="overflow"/>
+                  <a:tcPr marL="45720" marR="45720" horzOverflow="overflow"/>
                 </a:tc>
                 <a:tc>
                   <a:txBody>
@@ -7041,9 +7157,10 @@
                           <a:sym typeface="Arial"/>
                         </a:defRPr>
                       </a:pPr>
+                      <a:endParaRPr/>
                     </a:p>
                   </a:txBody>
-                  <a:tcPr marL="45720" marR="45720" marT="45720" marB="45720" anchor="t" anchorCtr="0" horzOverflow="overflow"/>
+                  <a:tcPr marL="45720" marR="45720" horzOverflow="overflow"/>
                 </a:tc>
                 <a:tc>
                   <a:txBody>
@@ -7055,9 +7172,10 @@
                           <a:sym typeface="Arial"/>
                         </a:defRPr>
                       </a:pPr>
+                      <a:endParaRPr/>
                     </a:p>
                   </a:txBody>
-                  <a:tcPr marL="45720" marR="45720" marT="45720" marB="45720" anchor="t" anchorCtr="0" horzOverflow="overflow"/>
+                  <a:tcPr marL="45720" marR="45720" horzOverflow="overflow"/>
                 </a:tc>
               </a:tr>
               <a:tr h="370840">
@@ -7084,7 +7202,7 @@
                       </a:r>
                     </a:p>
                   </a:txBody>
-                  <a:tcPr marL="45720" marR="45720" marT="45720" marB="45720" anchor="t" anchorCtr="0" horzOverflow="overflow"/>
+                  <a:tcPr marL="45720" marR="45720" horzOverflow="overflow"/>
                 </a:tc>
                 <a:tc>
                   <a:txBody>
@@ -7101,7 +7219,7 @@
                       </a:r>
                     </a:p>
                   </a:txBody>
-                  <a:tcPr marL="45720" marR="45720" marT="45720" marB="45720" anchor="t" anchorCtr="0" horzOverflow="overflow"/>
+                  <a:tcPr marL="45720" marR="45720" horzOverflow="overflow"/>
                 </a:tc>
                 <a:tc>
                   <a:txBody>
@@ -7126,7 +7244,7 @@
                       </a:r>
                     </a:p>
                   </a:txBody>
-                  <a:tcPr marL="45720" marR="45720" marT="45720" marB="45720" anchor="t" anchorCtr="0" horzOverflow="overflow"/>
+                  <a:tcPr marL="45720" marR="45720" horzOverflow="overflow"/>
                 </a:tc>
               </a:tr>
               <a:tr h="370840">
@@ -7153,7 +7271,7 @@
                       </a:r>
                     </a:p>
                   </a:txBody>
-                  <a:tcPr marL="45720" marR="45720" marT="45720" marB="45720" anchor="t" anchorCtr="0" horzOverflow="overflow"/>
+                  <a:tcPr marL="45720" marR="45720" horzOverflow="overflow"/>
                 </a:tc>
                 <a:tc>
                   <a:txBody>
@@ -7178,7 +7296,7 @@
                       </a:r>
                     </a:p>
                   </a:txBody>
-                  <a:tcPr marL="45720" marR="45720" marT="45720" marB="45720" anchor="t" anchorCtr="0" horzOverflow="overflow"/>
+                  <a:tcPr marL="45720" marR="45720" horzOverflow="overflow"/>
                 </a:tc>
                 <a:tc>
                   <a:txBody>
@@ -7203,7 +7321,7 @@
                       </a:r>
                     </a:p>
                   </a:txBody>
-                  <a:tcPr marL="45720" marR="45720" marT="45720" marB="45720" anchor="t" anchorCtr="0" horzOverflow="overflow"/>
+                  <a:tcPr marL="45720" marR="45720" horzOverflow="overflow"/>
                 </a:tc>
               </a:tr>
             </a:tbl>
@@ -7215,12 +7333,12 @@
   <p:clrMapOvr>
     <a:masterClrMapping/>
   </p:clrMapOvr>
-  <p:transition xmlns:p14="http://schemas.microsoft.com/office/powerpoint/2010/main" spd="med" advClick="1"/>
+  <p:transition spd="med"/>
 </p:sld>
 </file>
 
 <file path=ppt/slides/slide5.xml><?xml version="1.0" encoding="utf-8"?>
-<p:sld xmlns:a="http://schemas.openxmlformats.org/drawingml/2006/main" xmlns:r="http://schemas.openxmlformats.org/officeDocument/2006/relationships" xmlns:p="http://schemas.openxmlformats.org/presentationml/2006/main" xmlns:m="http://schemas.openxmlformats.org/officeDocument/2006/math" xmlns:a14="http://schemas.microsoft.com/office/drawing/2010/main" showMasterSp="1" showMasterPhAnim="1">
+<p:sld xmlns:a="http://schemas.openxmlformats.org/drawingml/2006/main" xmlns:r="http://schemas.openxmlformats.org/officeDocument/2006/relationships" xmlns:p="http://schemas.openxmlformats.org/presentationml/2006/main">
   <p:cSld>
     <p:spTree>
       <p:nvGrpSpPr>
@@ -7239,7 +7357,9 @@
       <p:sp>
         <p:nvSpPr>
           <p:cNvPr id="127" name="Title 1"/>
-          <p:cNvSpPr txBox="1"/>
+          <p:cNvSpPr txBox="1">
+            <a:spLocks noGrp="1"/>
+          </p:cNvSpPr>
           <p:nvPr>
             <p:ph type="title"/>
           </p:nvPr>
@@ -7261,7 +7381,6 @@
             </a:lvl1pPr>
           </a:lstStyle>
           <a:p>
-            <a:pPr/>
             <a:r>
               <a:t>Shift Operators</a:t>
             </a:r>
@@ -7276,12 +7395,12 @@
         </p:nvGraphicFramePr>
         <p:xfrm>
           <a:off x="914400" y="2025650"/>
-          <a:ext cx="7264449" cy="1112521"/>
+          <a:ext cx="7264449" cy="1137920"/>
         </p:xfrm>
-        <a:graphic xmlns:a="http://schemas.openxmlformats.org/drawingml/2006/main">
+        <a:graphic>
           <a:graphicData uri="http://schemas.openxmlformats.org/drawingml/2006/table">
             <a:tbl>
-              <a:tblPr firstCol="0" firstRow="1" lastCol="0" lastRow="0" bandCol="0" bandRow="1" rtl="0">
+              <a:tblPr firstRow="1" bandRow="1">
                 <a:tableStyleId>{4C3C2611-4C71-4FC5-86AE-919BDF0F9419}</a:tableStyleId>
               </a:tblPr>
               <a:tblGrid>
@@ -7296,14 +7415,14 @@
                     <a:lstStyle/>
                     <a:p>
                       <a:pPr algn="l">
-                        <a:defRPr b="0" sz="1800">
+                        <a:defRPr sz="1800" b="0">
                           <a:solidFill>
                             <a:srgbClr val="000000"/>
                           </a:solidFill>
                         </a:defRPr>
                       </a:pPr>
                       <a:r>
-                        <a:rPr b="1" sz="1400">
+                        <a:rPr sz="1400" b="1">
                           <a:solidFill>
                             <a:srgbClr val="FFFFFF"/>
                           </a:solidFill>
@@ -7313,7 +7432,7 @@
                       </a:r>
                     </a:p>
                   </a:txBody>
-                  <a:tcPr marL="45720" marR="45720" marT="45720" marB="45720" anchor="t" anchorCtr="0" horzOverflow="overflow">
+                  <a:tcPr marL="45720" marR="45720" horzOverflow="overflow">
                     <a:lnB w="12700">
                       <a:solidFill>
                         <a:srgbClr val="FFFFFF"/>
@@ -7327,14 +7446,14 @@
                     <a:lstStyle/>
                     <a:p>
                       <a:pPr algn="l">
-                        <a:defRPr b="0" sz="1800">
+                        <a:defRPr sz="1800" b="0">
                           <a:solidFill>
                             <a:srgbClr val="000000"/>
                           </a:solidFill>
                         </a:defRPr>
                       </a:pPr>
                       <a:r>
-                        <a:rPr b="1" sz="1400">
+                        <a:rPr sz="1400" b="1">
                           <a:solidFill>
                             <a:srgbClr val="FFFFFF"/>
                           </a:solidFill>
@@ -7344,7 +7463,7 @@
                       </a:r>
                     </a:p>
                   </a:txBody>
-                  <a:tcPr marL="45720" marR="45720" marT="45720" marB="45720" anchor="t" anchorCtr="0" horzOverflow="overflow">
+                  <a:tcPr marL="45720" marR="45720" horzOverflow="overflow">
                     <a:lnB w="12700">
                       <a:solidFill>
                         <a:srgbClr val="FFFFFF"/>
@@ -7358,14 +7477,14 @@
                     <a:lstStyle/>
                     <a:p>
                       <a:pPr algn="l">
-                        <a:defRPr b="0" sz="1800">
+                        <a:defRPr sz="1800" b="0">
                           <a:solidFill>
                             <a:srgbClr val="000000"/>
                           </a:solidFill>
                         </a:defRPr>
                       </a:pPr>
                       <a:r>
-                        <a:rPr b="1" sz="1400">
+                        <a:rPr sz="1400" b="1">
                           <a:solidFill>
                             <a:srgbClr val="FFFFFF"/>
                           </a:solidFill>
@@ -7375,7 +7494,7 @@
                       </a:r>
                     </a:p>
                   </a:txBody>
-                  <a:tcPr marL="45720" marR="45720" marT="45720" marB="45720" anchor="t" anchorCtr="0" horzOverflow="overflow">
+                  <a:tcPr marL="45720" marR="45720" horzOverflow="overflow">
                     <a:lnB w="12700">
                       <a:solidFill>
                         <a:srgbClr val="FFFFFF"/>
@@ -7408,7 +7527,7 @@
                       </a:r>
                     </a:p>
                   </a:txBody>
-                  <a:tcPr marL="45720" marR="45720" marT="45720" marB="45720" anchor="t" anchorCtr="0" horzOverflow="overflow">
+                  <a:tcPr marL="45720" marR="45720" horzOverflow="overflow">
                     <a:lnT w="12700">
                       <a:solidFill>
                         <a:srgbClr val="FFFFFF"/>
@@ -7439,7 +7558,7 @@
                       </a:r>
                     </a:p>
                   </a:txBody>
-                  <a:tcPr marL="45720" marR="45720" marT="45720" marB="45720" anchor="t" anchorCtr="0" horzOverflow="overflow">
+                  <a:tcPr marL="45720" marR="45720" horzOverflow="overflow">
                     <a:lnT w="12700">
                       <a:solidFill>
                         <a:srgbClr val="FFFFFF"/>
@@ -7470,7 +7589,7 @@
                       </a:r>
                     </a:p>
                   </a:txBody>
-                  <a:tcPr marL="45720" marR="45720" marT="45720" marB="45720" anchor="t" anchorCtr="0" horzOverflow="overflow">
+                  <a:tcPr marL="45720" marR="45720" horzOverflow="overflow">
                     <a:lnT w="12700">
                       <a:solidFill>
                         <a:srgbClr val="FFFFFF"/>
@@ -7503,7 +7622,7 @@
                       </a:r>
                     </a:p>
                   </a:txBody>
-                  <a:tcPr marL="45720" marR="45720" marT="45720" marB="45720" anchor="t" anchorCtr="0" horzOverflow="overflow"/>
+                  <a:tcPr marL="45720" marR="45720" horzOverflow="overflow"/>
                 </a:tc>
                 <a:tc>
                   <a:txBody>
@@ -7528,7 +7647,7 @@
                       </a:r>
                     </a:p>
                   </a:txBody>
-                  <a:tcPr marL="45720" marR="45720" marT="45720" marB="45720" anchor="t" anchorCtr="0" horzOverflow="overflow"/>
+                  <a:tcPr marL="45720" marR="45720" horzOverflow="overflow"/>
                 </a:tc>
                 <a:tc>
                   <a:txBody>
@@ -7553,7 +7672,7 @@
                       </a:r>
                     </a:p>
                   </a:txBody>
-                  <a:tcPr marL="45720" marR="45720" marT="45720" marB="45720" anchor="t" anchorCtr="0" horzOverflow="overflow"/>
+                  <a:tcPr marL="45720" marR="45720" horzOverflow="overflow"/>
                 </a:tc>
               </a:tr>
             </a:tbl>
@@ -7565,12 +7684,12 @@
   <p:clrMapOvr>
     <a:masterClrMapping/>
   </p:clrMapOvr>
-  <p:transition xmlns:p14="http://schemas.microsoft.com/office/powerpoint/2010/main" spd="med" advClick="1"/>
+  <p:transition spd="med"/>
 </p:sld>
 </file>
 
 <file path=ppt/slides/slide6.xml><?xml version="1.0" encoding="utf-8"?>
-<p:sld xmlns:a="http://schemas.openxmlformats.org/drawingml/2006/main" xmlns:r="http://schemas.openxmlformats.org/officeDocument/2006/relationships" xmlns:p="http://schemas.openxmlformats.org/presentationml/2006/main" xmlns:m="http://schemas.openxmlformats.org/officeDocument/2006/math" xmlns:a14="http://schemas.microsoft.com/office/drawing/2010/main" showMasterSp="1" showMasterPhAnim="1">
+<p:sld xmlns:a="http://schemas.openxmlformats.org/drawingml/2006/main" xmlns:r="http://schemas.openxmlformats.org/officeDocument/2006/relationships" xmlns:p="http://schemas.openxmlformats.org/presentationml/2006/main">
   <p:cSld>
     <p:spTree>
       <p:nvGrpSpPr>
@@ -7589,7 +7708,9 @@
       <p:sp>
         <p:nvSpPr>
           <p:cNvPr id="130" name="Title 1"/>
-          <p:cNvSpPr txBox="1"/>
+          <p:cNvSpPr txBox="1">
+            <a:spLocks noGrp="1"/>
+          </p:cNvSpPr>
           <p:nvPr>
             <p:ph type="title"/>
           </p:nvPr>
@@ -7611,7 +7732,6 @@
             </a:lvl1pPr>
           </a:lstStyle>
           <a:p>
-            <a:pPr/>
             <a:r>
               <a:t>Print function</a:t>
             </a:r>
@@ -7621,7 +7741,9 @@
       <p:sp>
         <p:nvSpPr>
           <p:cNvPr id="131" name="Text Placeholder 2"/>
-          <p:cNvSpPr txBox="1"/>
+          <p:cNvSpPr txBox="1">
+            <a:spLocks noGrp="1"/>
+          </p:cNvSpPr>
           <p:nvPr>
             <p:ph type="body" sz="half" idx="1"/>
           </p:nvPr>
@@ -7639,57 +7761,28 @@
           <a:bodyPr/>
           <a:lstStyle/>
           <a:p>
-            <a:pPr/>
             <a:r>
               <a:t>print() Parameters</a:t>
             </a:r>
           </a:p>
           <a:p>
-            <a:pPr/>
-            <a:r>
-              <a:t>objects</a:t>
-            </a:r>
-            <a:r>
-              <a:t> - object to the printed. </a:t>
-            </a:r>
-            <a:r>
-              <a:t>*</a:t>
-            </a:r>
-            <a:r>
-              <a:t> indicates that there may be more than one object</a:t>
-            </a:r>
-          </a:p>
-          <a:p>
-            <a:pPr/>
-            <a:r>
-              <a:t>sep</a:t>
-            </a:r>
-            <a:r>
-              <a:t> - objects are separated by sep. </a:t>
-            </a:r>
-            <a:r>
-              <a:t>Default value</a:t>
-            </a:r>
-            <a:r>
-              <a:t>: ' '</a:t>
-            </a:r>
-          </a:p>
-          <a:p>
-            <a:pPr/>
-            <a:r>
-              <a:t>end</a:t>
-            </a:r>
-            <a:r>
-              <a:t> - end is printed at last</a:t>
-            </a:r>
-          </a:p>
-          <a:p>
-            <a:pPr/>
-            <a:r>
-              <a:t>file</a:t>
-            </a:r>
-            <a:r>
-              <a:t> - must be an object with write(string) method. If omitted it, sys.stdout will be used which prints objects on the screen.</a:t>
+            <a:r>
+              <a:t>objects - object to the printed. * indicates that there may be more than one object</a:t>
+            </a:r>
+          </a:p>
+          <a:p>
+            <a:r>
+              <a:t>sep - objects are separated by sep. Default value: ' '</a:t>
+            </a:r>
+          </a:p>
+          <a:p>
+            <a:r>
+              <a:t>end - end is printed at last</a:t>
+            </a:r>
+          </a:p>
+          <a:p>
+            <a:r>
+              <a:t>file - must be an object with write(string) method. If omitted it, sys.stdout will be used which prints objects on the screen.</a:t>
             </a:r>
           </a:p>
         </p:txBody>
@@ -7699,12 +7792,12 @@
   <p:clrMapOvr>
     <a:masterClrMapping/>
   </p:clrMapOvr>
-  <p:transition xmlns:p14="http://schemas.microsoft.com/office/powerpoint/2010/main" spd="med" advClick="1"/>
+  <p:transition spd="med"/>
 </p:sld>
 </file>
 
 <file path=ppt/slides/slide7.xml><?xml version="1.0" encoding="utf-8"?>
-<p:sld xmlns:a="http://schemas.openxmlformats.org/drawingml/2006/main" xmlns:r="http://schemas.openxmlformats.org/officeDocument/2006/relationships" xmlns:p="http://schemas.openxmlformats.org/presentationml/2006/main" xmlns:m="http://schemas.openxmlformats.org/officeDocument/2006/math" xmlns:a14="http://schemas.microsoft.com/office/drawing/2010/main" showMasterSp="1" showMasterPhAnim="1">
+<p:sld xmlns:a="http://schemas.openxmlformats.org/drawingml/2006/main" xmlns:r="http://schemas.openxmlformats.org/officeDocument/2006/relationships" xmlns:p="http://schemas.openxmlformats.org/presentationml/2006/main">
   <p:cSld>
     <p:spTree>
       <p:nvGrpSpPr>
@@ -7723,7 +7816,9 @@
       <p:sp>
         <p:nvSpPr>
           <p:cNvPr id="133" name="Title 1"/>
-          <p:cNvSpPr txBox="1"/>
+          <p:cNvSpPr txBox="1">
+            <a:spLocks noGrp="1"/>
+          </p:cNvSpPr>
           <p:nvPr>
             <p:ph type="title"/>
           </p:nvPr>
@@ -7748,6 +7843,7 @@
               <a:t>Conditional Statements</a:t>
             </a:r>
             <a:br/>
+            <a:endParaRPr/>
           </a:p>
         </p:txBody>
       </p:sp>
@@ -7756,12 +7852,12 @@
   <p:clrMapOvr>
     <a:masterClrMapping/>
   </p:clrMapOvr>
-  <p:transition xmlns:p14="http://schemas.microsoft.com/office/powerpoint/2010/main" spd="med" advClick="1"/>
+  <p:transition spd="med"/>
 </p:sld>
 </file>
 
 <file path=ppt/slides/slide8.xml><?xml version="1.0" encoding="utf-8"?>
-<p:sld xmlns:a="http://schemas.openxmlformats.org/drawingml/2006/main" xmlns:r="http://schemas.openxmlformats.org/officeDocument/2006/relationships" xmlns:p="http://schemas.openxmlformats.org/presentationml/2006/main" xmlns:m="http://schemas.openxmlformats.org/officeDocument/2006/math" xmlns:a14="http://schemas.microsoft.com/office/drawing/2010/main" showMasterSp="1" showMasterPhAnim="1">
+<p:sld xmlns:a="http://schemas.openxmlformats.org/drawingml/2006/main" xmlns:r="http://schemas.openxmlformats.org/officeDocument/2006/relationships" xmlns:p="http://schemas.openxmlformats.org/presentationml/2006/main">
   <p:cSld>
     <p:spTree>
       <p:nvGrpSpPr>
@@ -7780,7 +7876,9 @@
       <p:sp>
         <p:nvSpPr>
           <p:cNvPr id="135" name="Title 1"/>
-          <p:cNvSpPr txBox="1"/>
+          <p:cNvSpPr txBox="1">
+            <a:spLocks noGrp="1"/>
+          </p:cNvSpPr>
           <p:nvPr>
             <p:ph type="title"/>
           </p:nvPr>
@@ -7802,7 +7900,6 @@
             </a:lvl1pPr>
           </a:lstStyle>
           <a:p>
-            <a:pPr/>
             <a:r>
               <a:t>IF Statement</a:t>
             </a:r>
@@ -7812,7 +7909,9 @@
       <p:sp>
         <p:nvSpPr>
           <p:cNvPr id="136" name="Text Placeholder 2"/>
-          <p:cNvSpPr txBox="1"/>
+          <p:cNvSpPr txBox="1">
+            <a:spLocks noGrp="1"/>
+          </p:cNvSpPr>
           <p:nvPr>
             <p:ph type="body" sz="quarter" idx="1"/>
           </p:nvPr>
@@ -7924,12 +8023,12 @@
   <p:clrMapOvr>
     <a:masterClrMapping/>
   </p:clrMapOvr>
-  <p:transition xmlns:p14="http://schemas.microsoft.com/office/powerpoint/2010/main" spd="med" advClick="1"/>
+  <p:transition spd="med"/>
 </p:sld>
 </file>
 
 <file path=ppt/slides/slide9.xml><?xml version="1.0" encoding="utf-8"?>
-<p:sld xmlns:a="http://schemas.openxmlformats.org/drawingml/2006/main" xmlns:r="http://schemas.openxmlformats.org/officeDocument/2006/relationships" xmlns:p="http://schemas.openxmlformats.org/presentationml/2006/main" xmlns:m="http://schemas.openxmlformats.org/officeDocument/2006/math" xmlns:a14="http://schemas.microsoft.com/office/drawing/2010/main" showMasterSp="1" showMasterPhAnim="1">
+<p:sld xmlns:a="http://schemas.openxmlformats.org/drawingml/2006/main" xmlns:r="http://schemas.openxmlformats.org/officeDocument/2006/relationships" xmlns:p="http://schemas.openxmlformats.org/presentationml/2006/main">
   <p:cSld>
     <p:spTree>
       <p:nvGrpSpPr>
@@ -7948,7 +8047,9 @@
       <p:sp>
         <p:nvSpPr>
           <p:cNvPr id="139" name="Title 1"/>
-          <p:cNvSpPr txBox="1"/>
+          <p:cNvSpPr txBox="1">
+            <a:spLocks noGrp="1"/>
+          </p:cNvSpPr>
           <p:nvPr>
             <p:ph type="title"/>
           </p:nvPr>
@@ -7970,7 +8071,6 @@
             </a:lvl1pPr>
           </a:lstStyle>
           <a:p>
-            <a:pPr/>
             <a:r>
               <a:t>Elif statement</a:t>
             </a:r>
@@ -7980,7 +8080,9 @@
       <p:sp>
         <p:nvSpPr>
           <p:cNvPr id="140" name="Text Placeholder 2"/>
-          <p:cNvSpPr txBox="1"/>
+          <p:cNvSpPr txBox="1">
+            <a:spLocks noGrp="1"/>
+          </p:cNvSpPr>
           <p:nvPr>
             <p:ph type="body" sz="quarter" idx="1"/>
           </p:nvPr>
@@ -7998,15 +8100,8 @@
           <a:bodyPr/>
           <a:lstStyle/>
           <a:p>
-            <a:pPr/>
-            <a:r>
-              <a:t>The </a:t>
-            </a:r>
-            <a:r>
-              <a:t>elif</a:t>
-            </a:r>
-            <a:r>
-              <a:t> statement allows you to check multiple expressions for TRUE and execute a block of code as soon as one of the conditions evaluates to TRUE.</a:t>
+            <a:r>
+              <a:t>The elif statement allows you to check multiple expressions for TRUE and execute a block of code as soon as one of the conditions evaluates to TRUE.</a:t>
             </a:r>
           </a:p>
         </p:txBody>
@@ -8068,6 +8163,7 @@
                   <a:sym typeface="Museo Sans 700"/>
                 </a:defRPr>
               </a:pPr>
+              <a:endParaRPr/>
             </a:p>
           </p:txBody>
         </p:sp>
@@ -8093,7 +8189,7 @@
             <a:effectLst/>
             <a:extLst>
               <a:ext uri="{C572A759-6A51-4108-AA02-DFA0A04FC94B}">
-                <ma14:wrappingTextBoxFlag xmlns:ma14="http://schemas.microsoft.com/office/mac/drawingml/2011/main" val="1"/>
+                <ma14:wrappingTextBoxFlag xmlns:ma14="http://schemas.microsoft.com/office/mac/drawingml/2011/main" xmlns:a14="http://schemas.microsoft.com/office/drawing/2010/main" xmlns:m="http://schemas.openxmlformats.org/officeDocument/2006/math" xmlns="" val="1"/>
               </a:ext>
             </a:extLst>
           </p:spPr>
@@ -8244,12 +8340,12 @@
   <p:clrMapOvr>
     <a:masterClrMapping/>
   </p:clrMapOvr>
-  <p:transition xmlns:p14="http://schemas.microsoft.com/office/powerpoint/2010/main" spd="med" advClick="1"/>
+  <p:transition spd="med"/>
 </p:sld>
 </file>
 
 <file path=ppt/theme/theme1.xml><?xml version="1.0" encoding="utf-8"?>
-<a:theme xmlns:a="http://schemas.openxmlformats.org/drawingml/2006/main" xmlns:r="http://schemas.openxmlformats.org/officeDocument/2006/relationships" name="Streamline">
+<a:theme xmlns:a="http://schemas.openxmlformats.org/drawingml/2006/main" name="Streamline">
   <a:themeElements>
     <a:clrScheme name="Streamline">
       <a:dk1>
@@ -8375,7 +8471,7 @@
       <a:effectStyleLst>
         <a:effectStyle>
           <a:effectLst>
-            <a:outerShdw sx="100000" sy="100000" kx="0" ky="0" algn="b" rotWithShape="0" blurRad="38100" dist="23000" dir="5400000">
+            <a:outerShdw blurRad="38100" dist="23000" dir="5400000" rotWithShape="0">
               <a:srgbClr val="000000">
                 <a:alpha val="35000"/>
               </a:srgbClr>
@@ -8384,7 +8480,7 @@
         </a:effectStyle>
         <a:effectStyle>
           <a:effectLst>
-            <a:outerShdw sx="100000" sy="100000" kx="0" ky="0" algn="b" rotWithShape="0" blurRad="38100" dist="23000" dir="5400000">
+            <a:outerShdw blurRad="38100" dist="23000" dir="5400000" rotWithShape="0">
               <a:srgbClr val="000000">
                 <a:alpha val="35000"/>
               </a:srgbClr>
@@ -8393,7 +8489,7 @@
         </a:effectStyle>
         <a:effectStyle>
           <a:effectLst>
-            <a:outerShdw sx="100000" sy="100000" kx="0" ky="0" algn="b" rotWithShape="0" blurRad="38100" dist="20000" dir="5400000">
+            <a:outerShdw blurRad="38100" dist="20000" dir="5400000" rotWithShape="0">
               <a:srgbClr val="000000">
                 <a:alpha val="38000"/>
               </a:srgbClr>
@@ -8467,7 +8563,7 @@
           <a:round/>
         </a:ln>
         <a:effectLst>
-          <a:outerShdw sx="100000" sy="100000" kx="0" ky="0" algn="b" rotWithShape="0" blurRad="38100" dist="23000" dir="5400000">
+          <a:outerShdw blurRad="38100" dist="23000" dir="5400000" rotWithShape="0">
             <a:srgbClr val="000000">
               <a:alpha val="35000"/>
             </a:srgbClr>
@@ -8475,7 +8571,7 @@
         </a:effectLst>
         <a:sp3d/>
       </a:spPr>
-      <a:bodyPr rot="0" spcFirstLastPara="1" vertOverflow="overflow" horzOverflow="overflow" vert="horz" wrap="square" lIns="45719" tIns="45719" rIns="45719" bIns="45719" numCol="1" spcCol="38100" rtlCol="0" anchor="ctr" upright="0">
+      <a:bodyPr rot="0" spcFirstLastPara="1" vertOverflow="overflow" horzOverflow="overflow" vert="horz" wrap="square" lIns="45719" tIns="45719" rIns="45719" bIns="45719" numCol="1" spcCol="38100" rtlCol="0" anchor="ctr">
         <a:spAutoFit/>
       </a:bodyPr>
       <a:lstStyle>
@@ -8494,7 +8590,7 @@
           <a:buFontTx/>
           <a:buNone/>
           <a:tabLst/>
-          <a:defRPr b="0" baseline="0" cap="none" i="0" spc="0" strike="noStrike" sz="1400" u="none" kumimoji="0" normalizeH="0">
+          <a:defRPr kumimoji="0" sz="1400" b="0" i="0" u="none" strike="noStrike" cap="none" spc="0" normalizeH="0" baseline="0">
             <a:ln>
               <a:noFill/>
             </a:ln>
@@ -8524,7 +8620,7 @@
           <a:buFontTx/>
           <a:buNone/>
           <a:tabLst/>
-          <a:defRPr b="0" baseline="0" cap="none" i="0" spc="0" strike="noStrike" sz="1800" u="none" kumimoji="0" normalizeH="0">
+          <a:defRPr kumimoji="0" sz="1800" b="0" i="0" u="none" strike="noStrike" cap="none" spc="0" normalizeH="0" baseline="0">
             <a:ln>
               <a:noFill/>
             </a:ln>
@@ -8550,7 +8646,7 @@
           <a:buFontTx/>
           <a:buNone/>
           <a:tabLst/>
-          <a:defRPr b="0" baseline="0" cap="none" i="0" spc="0" strike="noStrike" sz="1800" u="none" kumimoji="0" normalizeH="0">
+          <a:defRPr kumimoji="0" sz="1800" b="0" i="0" u="none" strike="noStrike" cap="none" spc="0" normalizeH="0" baseline="0">
             <a:ln>
               <a:noFill/>
             </a:ln>
@@ -8576,7 +8672,7 @@
           <a:buFontTx/>
           <a:buNone/>
           <a:tabLst/>
-          <a:defRPr b="0" baseline="0" cap="none" i="0" spc="0" strike="noStrike" sz="1800" u="none" kumimoji="0" normalizeH="0">
+          <a:defRPr kumimoji="0" sz="1800" b="0" i="0" u="none" strike="noStrike" cap="none" spc="0" normalizeH="0" baseline="0">
             <a:ln>
               <a:noFill/>
             </a:ln>
@@ -8602,7 +8698,7 @@
           <a:buFontTx/>
           <a:buNone/>
           <a:tabLst/>
-          <a:defRPr b="0" baseline="0" cap="none" i="0" spc="0" strike="noStrike" sz="1800" u="none" kumimoji="0" normalizeH="0">
+          <a:defRPr kumimoji="0" sz="1800" b="0" i="0" u="none" strike="noStrike" cap="none" spc="0" normalizeH="0" baseline="0">
             <a:ln>
               <a:noFill/>
             </a:ln>
@@ -8628,7 +8724,7 @@
           <a:buFontTx/>
           <a:buNone/>
           <a:tabLst/>
-          <a:defRPr b="0" baseline="0" cap="none" i="0" spc="0" strike="noStrike" sz="1800" u="none" kumimoji="0" normalizeH="0">
+          <a:defRPr kumimoji="0" sz="1800" b="0" i="0" u="none" strike="noStrike" cap="none" spc="0" normalizeH="0" baseline="0">
             <a:ln>
               <a:noFill/>
             </a:ln>
@@ -8654,7 +8750,7 @@
           <a:buFontTx/>
           <a:buNone/>
           <a:tabLst/>
-          <a:defRPr b="0" baseline="0" cap="none" i="0" spc="0" strike="noStrike" sz="1800" u="none" kumimoji="0" normalizeH="0">
+          <a:defRPr kumimoji="0" sz="1800" b="0" i="0" u="none" strike="noStrike" cap="none" spc="0" normalizeH="0" baseline="0">
             <a:ln>
               <a:noFill/>
             </a:ln>
@@ -8680,7 +8776,7 @@
           <a:buFontTx/>
           <a:buNone/>
           <a:tabLst/>
-          <a:defRPr b="0" baseline="0" cap="none" i="0" spc="0" strike="noStrike" sz="1800" u="none" kumimoji="0" normalizeH="0">
+          <a:defRPr kumimoji="0" sz="1800" b="0" i="0" u="none" strike="noStrike" cap="none" spc="0" normalizeH="0" baseline="0">
             <a:ln>
               <a:noFill/>
             </a:ln>
@@ -8706,7 +8802,7 @@
           <a:buFontTx/>
           <a:buNone/>
           <a:tabLst/>
-          <a:defRPr b="0" baseline="0" cap="none" i="0" spc="0" strike="noStrike" sz="1800" u="none" kumimoji="0" normalizeH="0">
+          <a:defRPr kumimoji="0" sz="1800" b="0" i="0" u="none" strike="noStrike" cap="none" spc="0" normalizeH="0" baseline="0">
             <a:ln>
               <a:noFill/>
             </a:ln>
@@ -8732,7 +8828,7 @@
           <a:buFontTx/>
           <a:buNone/>
           <a:tabLst/>
-          <a:defRPr b="0" baseline="0" cap="none" i="0" spc="0" strike="noStrike" sz="1800" u="none" kumimoji="0" normalizeH="0">
+          <a:defRPr kumimoji="0" sz="1800" b="0" i="0" u="none" strike="noStrike" cap="none" spc="0" normalizeH="0" baseline="0">
             <a:ln>
               <a:noFill/>
             </a:ln>
@@ -8745,9 +8841,15 @@
         </a:lvl9pPr>
       </a:lstStyle>
       <a:style>
-        <a:lnRef idx="0"/>
-        <a:fillRef idx="0"/>
-        <a:effectRef idx="0"/>
+        <a:lnRef idx="0">
+          <a:scrgbClr r="0" g="0" b="0"/>
+        </a:lnRef>
+        <a:fillRef idx="0">
+          <a:scrgbClr r="0" g="0" b="0"/>
+        </a:fillRef>
+        <a:effectRef idx="0">
+          <a:scrgbClr r="0" g="0" b="0"/>
+        </a:effectRef>
         <a:fontRef idx="none"/>
       </a:style>
     </a:spDef>
@@ -8762,7 +8864,7 @@
           <a:round/>
         </a:ln>
         <a:effectLst>
-          <a:outerShdw sx="100000" sy="100000" kx="0" ky="0" algn="b" rotWithShape="0" blurRad="38100" dist="20000" dir="5400000">
+          <a:outerShdw blurRad="38100" dist="20000" dir="5400000" rotWithShape="0">
             <a:srgbClr val="000000">
               <a:alpha val="38000"/>
             </a:srgbClr>
@@ -8770,7 +8872,7 @@
         </a:effectLst>
         <a:sp3d/>
       </a:spPr>
-      <a:bodyPr rot="0" spcFirstLastPara="1" vertOverflow="overflow" horzOverflow="overflow" vert="horz" wrap="square" lIns="91439" tIns="45719" rIns="91439" bIns="45719" numCol="1" spcCol="38100" rtlCol="0" anchor="t" upright="0">
+      <a:bodyPr rot="0" spcFirstLastPara="1" vertOverflow="overflow" horzOverflow="overflow" vert="horz" wrap="square" lIns="91439" tIns="45719" rIns="91439" bIns="45719" numCol="1" spcCol="38100" rtlCol="0" anchor="t">
         <a:noAutofit/>
       </a:bodyPr>
       <a:lstStyle>
@@ -8789,7 +8891,7 @@
           <a:buFontTx/>
           <a:buNone/>
           <a:tabLst/>
-          <a:defRPr b="0" baseline="0" cap="none" i="0" spc="0" strike="noStrike" sz="1800" u="none" kumimoji="0" normalizeH="0">
+          <a:defRPr kumimoji="0" sz="1800" b="0" i="0" u="none" strike="noStrike" cap="none" spc="0" normalizeH="0" baseline="0">
             <a:ln>
               <a:noFill/>
             </a:ln>
@@ -8815,7 +8917,7 @@
           <a:buFontTx/>
           <a:buNone/>
           <a:tabLst/>
-          <a:defRPr b="0" baseline="0" cap="none" i="0" spc="0" strike="noStrike" sz="1800" u="none" kumimoji="0" normalizeH="0">
+          <a:defRPr kumimoji="0" sz="1800" b="0" i="0" u="none" strike="noStrike" cap="none" spc="0" normalizeH="0" baseline="0">
             <a:ln>
               <a:noFill/>
             </a:ln>
@@ -8841,7 +8943,7 @@
           <a:buFontTx/>
           <a:buNone/>
           <a:tabLst/>
-          <a:defRPr b="0" baseline="0" cap="none" i="0" spc="0" strike="noStrike" sz="1800" u="none" kumimoji="0" normalizeH="0">
+          <a:defRPr kumimoji="0" sz="1800" b="0" i="0" u="none" strike="noStrike" cap="none" spc="0" normalizeH="0" baseline="0">
             <a:ln>
               <a:noFill/>
             </a:ln>
@@ -8867,7 +8969,7 @@
           <a:buFontTx/>
           <a:buNone/>
           <a:tabLst/>
-          <a:defRPr b="0" baseline="0" cap="none" i="0" spc="0" strike="noStrike" sz="1800" u="none" kumimoji="0" normalizeH="0">
+          <a:defRPr kumimoji="0" sz="1800" b="0" i="0" u="none" strike="noStrike" cap="none" spc="0" normalizeH="0" baseline="0">
             <a:ln>
               <a:noFill/>
             </a:ln>
@@ -8893,7 +8995,7 @@
           <a:buFontTx/>
           <a:buNone/>
           <a:tabLst/>
-          <a:defRPr b="0" baseline="0" cap="none" i="0" spc="0" strike="noStrike" sz="1800" u="none" kumimoji="0" normalizeH="0">
+          <a:defRPr kumimoji="0" sz="1800" b="0" i="0" u="none" strike="noStrike" cap="none" spc="0" normalizeH="0" baseline="0">
             <a:ln>
               <a:noFill/>
             </a:ln>
@@ -8919,7 +9021,7 @@
           <a:buFontTx/>
           <a:buNone/>
           <a:tabLst/>
-          <a:defRPr b="0" baseline="0" cap="none" i="0" spc="0" strike="noStrike" sz="1800" u="none" kumimoji="0" normalizeH="0">
+          <a:defRPr kumimoji="0" sz="1800" b="0" i="0" u="none" strike="noStrike" cap="none" spc="0" normalizeH="0" baseline="0">
             <a:ln>
               <a:noFill/>
             </a:ln>
@@ -8945,7 +9047,7 @@
           <a:buFontTx/>
           <a:buNone/>
           <a:tabLst/>
-          <a:defRPr b="0" baseline="0" cap="none" i="0" spc="0" strike="noStrike" sz="1800" u="none" kumimoji="0" normalizeH="0">
+          <a:defRPr kumimoji="0" sz="1800" b="0" i="0" u="none" strike="noStrike" cap="none" spc="0" normalizeH="0" baseline="0">
             <a:ln>
               <a:noFill/>
             </a:ln>
@@ -8971,7 +9073,7 @@
           <a:buFontTx/>
           <a:buNone/>
           <a:tabLst/>
-          <a:defRPr b="0" baseline="0" cap="none" i="0" spc="0" strike="noStrike" sz="1800" u="none" kumimoji="0" normalizeH="0">
+          <a:defRPr kumimoji="0" sz="1800" b="0" i="0" u="none" strike="noStrike" cap="none" spc="0" normalizeH="0" baseline="0">
             <a:ln>
               <a:noFill/>
             </a:ln>
@@ -8997,7 +9099,7 @@
           <a:buFontTx/>
           <a:buNone/>
           <a:tabLst/>
-          <a:defRPr b="0" baseline="0" cap="none" i="0" spc="0" strike="noStrike" sz="1800" u="none" kumimoji="0" normalizeH="0">
+          <a:defRPr kumimoji="0" sz="1800" b="0" i="0" u="none" strike="noStrike" cap="none" spc="0" normalizeH="0" baseline="0">
             <a:ln>
               <a:noFill/>
             </a:ln>
@@ -9023,7 +9125,7 @@
           <a:buFontTx/>
           <a:buNone/>
           <a:tabLst/>
-          <a:defRPr b="0" baseline="0" cap="none" i="0" spc="0" strike="noStrike" sz="1800" u="none" kumimoji="0" normalizeH="0">
+          <a:defRPr kumimoji="0" sz="1800" b="0" i="0" u="none" strike="noStrike" cap="none" spc="0" normalizeH="0" baseline="0">
             <a:ln>
               <a:noFill/>
             </a:ln>
@@ -9036,9 +9138,15 @@
         </a:lvl9pPr>
       </a:lstStyle>
       <a:style>
-        <a:lnRef idx="0"/>
-        <a:fillRef idx="0"/>
-        <a:effectRef idx="0"/>
+        <a:lnRef idx="0">
+          <a:scrgbClr r="0" g="0" b="0"/>
+        </a:lnRef>
+        <a:fillRef idx="0">
+          <a:scrgbClr r="0" g="0" b="0"/>
+        </a:fillRef>
+        <a:effectRef idx="0">
+          <a:scrgbClr r="0" g="0" b="0"/>
+        </a:effectRef>
         <a:fontRef idx="none"/>
       </a:style>
     </a:lnDef>
@@ -9052,7 +9160,7 @@
         <a:effectLst/>
         <a:sp3d/>
       </a:spPr>
-      <a:bodyPr rot="0" spcFirstLastPara="1" vertOverflow="overflow" horzOverflow="overflow" vert="horz" wrap="square" lIns="45719" tIns="45719" rIns="45719" bIns="45719" numCol="1" spcCol="38100" rtlCol="0" anchor="t" upright="0">
+      <a:bodyPr rot="0" spcFirstLastPara="1" vertOverflow="overflow" horzOverflow="overflow" vert="horz" wrap="square" lIns="45719" tIns="45719" rIns="45719" bIns="45719" numCol="1" spcCol="38100" rtlCol="0" anchor="t">
         <a:spAutoFit/>
       </a:bodyPr>
       <a:lstStyle>
@@ -9071,7 +9179,7 @@
           <a:buFontTx/>
           <a:buNone/>
           <a:tabLst/>
-          <a:defRPr b="0" baseline="0" cap="none" i="0" spc="0" strike="noStrike" sz="1400" u="none" kumimoji="0" normalizeH="0">
+          <a:defRPr kumimoji="0" sz="1400" b="0" i="0" u="none" strike="noStrike" cap="none" spc="0" normalizeH="0" baseline="0">
             <a:ln>
               <a:noFill/>
             </a:ln>
@@ -9101,7 +9209,7 @@
           <a:buFontTx/>
           <a:buNone/>
           <a:tabLst/>
-          <a:defRPr b="0" baseline="0" cap="none" i="0" spc="0" strike="noStrike" sz="1800" u="none" kumimoji="0" normalizeH="0">
+          <a:defRPr kumimoji="0" sz="1800" b="0" i="0" u="none" strike="noStrike" cap="none" spc="0" normalizeH="0" baseline="0">
             <a:ln>
               <a:noFill/>
             </a:ln>
@@ -9127,7 +9235,7 @@
           <a:buFontTx/>
           <a:buNone/>
           <a:tabLst/>
-          <a:defRPr b="0" baseline="0" cap="none" i="0" spc="0" strike="noStrike" sz="1800" u="none" kumimoji="0" normalizeH="0">
+          <a:defRPr kumimoji="0" sz="1800" b="0" i="0" u="none" strike="noStrike" cap="none" spc="0" normalizeH="0" baseline="0">
             <a:ln>
               <a:noFill/>
             </a:ln>
@@ -9153,7 +9261,7 @@
           <a:buFontTx/>
           <a:buNone/>
           <a:tabLst/>
-          <a:defRPr b="0" baseline="0" cap="none" i="0" spc="0" strike="noStrike" sz="1800" u="none" kumimoji="0" normalizeH="0">
+          <a:defRPr kumimoji="0" sz="1800" b="0" i="0" u="none" strike="noStrike" cap="none" spc="0" normalizeH="0" baseline="0">
             <a:ln>
               <a:noFill/>
             </a:ln>
@@ -9179,7 +9287,7 @@
           <a:buFontTx/>
           <a:buNone/>
           <a:tabLst/>
-          <a:defRPr b="0" baseline="0" cap="none" i="0" spc="0" strike="noStrike" sz="1800" u="none" kumimoji="0" normalizeH="0">
+          <a:defRPr kumimoji="0" sz="1800" b="0" i="0" u="none" strike="noStrike" cap="none" spc="0" normalizeH="0" baseline="0">
             <a:ln>
               <a:noFill/>
             </a:ln>
@@ -9205,7 +9313,7 @@
           <a:buFontTx/>
           <a:buNone/>
           <a:tabLst/>
-          <a:defRPr b="0" baseline="0" cap="none" i="0" spc="0" strike="noStrike" sz="1800" u="none" kumimoji="0" normalizeH="0">
+          <a:defRPr kumimoji="0" sz="1800" b="0" i="0" u="none" strike="noStrike" cap="none" spc="0" normalizeH="0" baseline="0">
             <a:ln>
               <a:noFill/>
             </a:ln>
@@ -9231,7 +9339,7 @@
           <a:buFontTx/>
           <a:buNone/>
           <a:tabLst/>
-          <a:defRPr b="0" baseline="0" cap="none" i="0" spc="0" strike="noStrike" sz="1800" u="none" kumimoji="0" normalizeH="0">
+          <a:defRPr kumimoji="0" sz="1800" b="0" i="0" u="none" strike="noStrike" cap="none" spc="0" normalizeH="0" baseline="0">
             <a:ln>
               <a:noFill/>
             </a:ln>
@@ -9257,7 +9365,7 @@
           <a:buFontTx/>
           <a:buNone/>
           <a:tabLst/>
-          <a:defRPr b="0" baseline="0" cap="none" i="0" spc="0" strike="noStrike" sz="1800" u="none" kumimoji="0" normalizeH="0">
+          <a:defRPr kumimoji="0" sz="1800" b="0" i="0" u="none" strike="noStrike" cap="none" spc="0" normalizeH="0" baseline="0">
             <a:ln>
               <a:noFill/>
             </a:ln>
@@ -9283,7 +9391,7 @@
           <a:buFontTx/>
           <a:buNone/>
           <a:tabLst/>
-          <a:defRPr b="0" baseline="0" cap="none" i="0" spc="0" strike="noStrike" sz="1800" u="none" kumimoji="0" normalizeH="0">
+          <a:defRPr kumimoji="0" sz="1800" b="0" i="0" u="none" strike="noStrike" cap="none" spc="0" normalizeH="0" baseline="0">
             <a:ln>
               <a:noFill/>
             </a:ln>
@@ -9309,7 +9417,7 @@
           <a:buFontTx/>
           <a:buNone/>
           <a:tabLst/>
-          <a:defRPr b="0" baseline="0" cap="none" i="0" spc="0" strike="noStrike" sz="1800" u="none" kumimoji="0" normalizeH="0">
+          <a:defRPr kumimoji="0" sz="1800" b="0" i="0" u="none" strike="noStrike" cap="none" spc="0" normalizeH="0" baseline="0">
             <a:ln>
               <a:noFill/>
             </a:ln>
@@ -9322,18 +9430,25 @@
         </a:lvl9pPr>
       </a:lstStyle>
       <a:style>
-        <a:lnRef idx="0"/>
-        <a:fillRef idx="0"/>
-        <a:effectRef idx="0"/>
+        <a:lnRef idx="0">
+          <a:scrgbClr r="0" g="0" b="0"/>
+        </a:lnRef>
+        <a:fillRef idx="0">
+          <a:scrgbClr r="0" g="0" b="0"/>
+        </a:fillRef>
+        <a:effectRef idx="0">
+          <a:scrgbClr r="0" g="0" b="0"/>
+        </a:effectRef>
         <a:fontRef idx="none"/>
       </a:style>
     </a:txDef>
   </a:objectDefaults>
+  <a:extraClrSchemeLst/>
 </a:theme>
 </file>
 
 <file path=ppt/theme/theme2.xml><?xml version="1.0" encoding="utf-8"?>
-<a:theme xmlns:a="http://schemas.openxmlformats.org/drawingml/2006/main" xmlns:r="http://schemas.openxmlformats.org/officeDocument/2006/relationships" name="Streamline">
+<a:theme xmlns:a="http://schemas.openxmlformats.org/drawingml/2006/main" name="Streamline">
   <a:themeElements>
     <a:clrScheme name="Streamline">
       <a:dk1>
@@ -9459,7 +9574,7 @@
       <a:effectStyleLst>
         <a:effectStyle>
           <a:effectLst>
-            <a:outerShdw sx="100000" sy="100000" kx="0" ky="0" algn="b" rotWithShape="0" blurRad="38100" dist="23000" dir="5400000">
+            <a:outerShdw blurRad="38100" dist="23000" dir="5400000" rotWithShape="0">
               <a:srgbClr val="000000">
                 <a:alpha val="35000"/>
               </a:srgbClr>
@@ -9468,7 +9583,7 @@
         </a:effectStyle>
         <a:effectStyle>
           <a:effectLst>
-            <a:outerShdw sx="100000" sy="100000" kx="0" ky="0" algn="b" rotWithShape="0" blurRad="38100" dist="23000" dir="5400000">
+            <a:outerShdw blurRad="38100" dist="23000" dir="5400000" rotWithShape="0">
               <a:srgbClr val="000000">
                 <a:alpha val="35000"/>
               </a:srgbClr>
@@ -9477,7 +9592,7 @@
         </a:effectStyle>
         <a:effectStyle>
           <a:effectLst>
-            <a:outerShdw sx="100000" sy="100000" kx="0" ky="0" algn="b" rotWithShape="0" blurRad="38100" dist="20000" dir="5400000">
+            <a:outerShdw blurRad="38100" dist="20000" dir="5400000" rotWithShape="0">
               <a:srgbClr val="000000">
                 <a:alpha val="38000"/>
               </a:srgbClr>
@@ -9551,7 +9666,7 @@
           <a:round/>
         </a:ln>
         <a:effectLst>
-          <a:outerShdw sx="100000" sy="100000" kx="0" ky="0" algn="b" rotWithShape="0" blurRad="38100" dist="23000" dir="5400000">
+          <a:outerShdw blurRad="38100" dist="23000" dir="5400000" rotWithShape="0">
             <a:srgbClr val="000000">
               <a:alpha val="35000"/>
             </a:srgbClr>
@@ -9559,7 +9674,7 @@
         </a:effectLst>
         <a:sp3d/>
       </a:spPr>
-      <a:bodyPr rot="0" spcFirstLastPara="1" vertOverflow="overflow" horzOverflow="overflow" vert="horz" wrap="square" lIns="45719" tIns="45719" rIns="45719" bIns="45719" numCol="1" spcCol="38100" rtlCol="0" anchor="ctr" upright="0">
+      <a:bodyPr rot="0" spcFirstLastPara="1" vertOverflow="overflow" horzOverflow="overflow" vert="horz" wrap="square" lIns="45719" tIns="45719" rIns="45719" bIns="45719" numCol="1" spcCol="38100" rtlCol="0" anchor="ctr">
         <a:spAutoFit/>
       </a:bodyPr>
       <a:lstStyle>
@@ -9578,7 +9693,7 @@
           <a:buFontTx/>
           <a:buNone/>
           <a:tabLst/>
-          <a:defRPr b="0" baseline="0" cap="none" i="0" spc="0" strike="noStrike" sz="1400" u="none" kumimoji="0" normalizeH="0">
+          <a:defRPr kumimoji="0" sz="1400" b="0" i="0" u="none" strike="noStrike" cap="none" spc="0" normalizeH="0" baseline="0">
             <a:ln>
               <a:noFill/>
             </a:ln>
@@ -9608,7 +9723,7 @@
           <a:buFontTx/>
           <a:buNone/>
           <a:tabLst/>
-          <a:defRPr b="0" baseline="0" cap="none" i="0" spc="0" strike="noStrike" sz="1800" u="none" kumimoji="0" normalizeH="0">
+          <a:defRPr kumimoji="0" sz="1800" b="0" i="0" u="none" strike="noStrike" cap="none" spc="0" normalizeH="0" baseline="0">
             <a:ln>
               <a:noFill/>
             </a:ln>
@@ -9634,7 +9749,7 @@
           <a:buFontTx/>
           <a:buNone/>
           <a:tabLst/>
-          <a:defRPr b="0" baseline="0" cap="none" i="0" spc="0" strike="noStrike" sz="1800" u="none" kumimoji="0" normalizeH="0">
+          <a:defRPr kumimoji="0" sz="1800" b="0" i="0" u="none" strike="noStrike" cap="none" spc="0" normalizeH="0" baseline="0">
             <a:ln>
               <a:noFill/>
             </a:ln>
@@ -9660,7 +9775,7 @@
           <a:buFontTx/>
           <a:buNone/>
           <a:tabLst/>
-          <a:defRPr b="0" baseline="0" cap="none" i="0" spc="0" strike="noStrike" sz="1800" u="none" kumimoji="0" normalizeH="0">
+          <a:defRPr kumimoji="0" sz="1800" b="0" i="0" u="none" strike="noStrike" cap="none" spc="0" normalizeH="0" baseline="0">
             <a:ln>
               <a:noFill/>
             </a:ln>
@@ -9686,7 +9801,7 @@
           <a:buFontTx/>
           <a:buNone/>
           <a:tabLst/>
-          <a:defRPr b="0" baseline="0" cap="none" i="0" spc="0" strike="noStrike" sz="1800" u="none" kumimoji="0" normalizeH="0">
+          <a:defRPr kumimoji="0" sz="1800" b="0" i="0" u="none" strike="noStrike" cap="none" spc="0" normalizeH="0" baseline="0">
             <a:ln>
               <a:noFill/>
             </a:ln>
@@ -9712,7 +9827,7 @@
           <a:buFontTx/>
           <a:buNone/>
           <a:tabLst/>
-          <a:defRPr b="0" baseline="0" cap="none" i="0" spc="0" strike="noStrike" sz="1800" u="none" kumimoji="0" normalizeH="0">
+          <a:defRPr kumimoji="0" sz="1800" b="0" i="0" u="none" strike="noStrike" cap="none" spc="0" normalizeH="0" baseline="0">
             <a:ln>
               <a:noFill/>
             </a:ln>
@@ -9738,7 +9853,7 @@
           <a:buFontTx/>
           <a:buNone/>
           <a:tabLst/>
-          <a:defRPr b="0" baseline="0" cap="none" i="0" spc="0" strike="noStrike" sz="1800" u="none" kumimoji="0" normalizeH="0">
+          <a:defRPr kumimoji="0" sz="1800" b="0" i="0" u="none" strike="noStrike" cap="none" spc="0" normalizeH="0" baseline="0">
             <a:ln>
               <a:noFill/>
             </a:ln>
@@ -9764,7 +9879,7 @@
           <a:buFontTx/>
           <a:buNone/>
           <a:tabLst/>
-          <a:defRPr b="0" baseline="0" cap="none" i="0" spc="0" strike="noStrike" sz="1800" u="none" kumimoji="0" normalizeH="0">
+          <a:defRPr kumimoji="0" sz="1800" b="0" i="0" u="none" strike="noStrike" cap="none" spc="0" normalizeH="0" baseline="0">
             <a:ln>
               <a:noFill/>
             </a:ln>
@@ -9790,7 +9905,7 @@
           <a:buFontTx/>
           <a:buNone/>
           <a:tabLst/>
-          <a:defRPr b="0" baseline="0" cap="none" i="0" spc="0" strike="noStrike" sz="1800" u="none" kumimoji="0" normalizeH="0">
+          <a:defRPr kumimoji="0" sz="1800" b="0" i="0" u="none" strike="noStrike" cap="none" spc="0" normalizeH="0" baseline="0">
             <a:ln>
               <a:noFill/>
             </a:ln>
@@ -9816,7 +9931,7 @@
           <a:buFontTx/>
           <a:buNone/>
           <a:tabLst/>
-          <a:defRPr b="0" baseline="0" cap="none" i="0" spc="0" strike="noStrike" sz="1800" u="none" kumimoji="0" normalizeH="0">
+          <a:defRPr kumimoji="0" sz="1800" b="0" i="0" u="none" strike="noStrike" cap="none" spc="0" normalizeH="0" baseline="0">
             <a:ln>
               <a:noFill/>
             </a:ln>
@@ -9829,9 +9944,15 @@
         </a:lvl9pPr>
       </a:lstStyle>
       <a:style>
-        <a:lnRef idx="0"/>
-        <a:fillRef idx="0"/>
-        <a:effectRef idx="0"/>
+        <a:lnRef idx="0">
+          <a:scrgbClr r="0" g="0" b="0"/>
+        </a:lnRef>
+        <a:fillRef idx="0">
+          <a:scrgbClr r="0" g="0" b="0"/>
+        </a:fillRef>
+        <a:effectRef idx="0">
+          <a:scrgbClr r="0" g="0" b="0"/>
+        </a:effectRef>
         <a:fontRef idx="none"/>
       </a:style>
     </a:spDef>
@@ -9846,7 +9967,7 @@
           <a:round/>
         </a:ln>
         <a:effectLst>
-          <a:outerShdw sx="100000" sy="100000" kx="0" ky="0" algn="b" rotWithShape="0" blurRad="38100" dist="20000" dir="5400000">
+          <a:outerShdw blurRad="38100" dist="20000" dir="5400000" rotWithShape="0">
             <a:srgbClr val="000000">
               <a:alpha val="38000"/>
             </a:srgbClr>
@@ -9854,7 +9975,7 @@
         </a:effectLst>
         <a:sp3d/>
       </a:spPr>
-      <a:bodyPr rot="0" spcFirstLastPara="1" vertOverflow="overflow" horzOverflow="overflow" vert="horz" wrap="square" lIns="91439" tIns="45719" rIns="91439" bIns="45719" numCol="1" spcCol="38100" rtlCol="0" anchor="t" upright="0">
+      <a:bodyPr rot="0" spcFirstLastPara="1" vertOverflow="overflow" horzOverflow="overflow" vert="horz" wrap="square" lIns="91439" tIns="45719" rIns="91439" bIns="45719" numCol="1" spcCol="38100" rtlCol="0" anchor="t">
         <a:noAutofit/>
       </a:bodyPr>
       <a:lstStyle>
@@ -9873,7 +9994,7 @@
           <a:buFontTx/>
           <a:buNone/>
           <a:tabLst/>
-          <a:defRPr b="0" baseline="0" cap="none" i="0" spc="0" strike="noStrike" sz="1800" u="none" kumimoji="0" normalizeH="0">
+          <a:defRPr kumimoji="0" sz="1800" b="0" i="0" u="none" strike="noStrike" cap="none" spc="0" normalizeH="0" baseline="0">
             <a:ln>
               <a:noFill/>
             </a:ln>
@@ -9899,7 +10020,7 @@
           <a:buFontTx/>
           <a:buNone/>
           <a:tabLst/>
-          <a:defRPr b="0" baseline="0" cap="none" i="0" spc="0" strike="noStrike" sz="1800" u="none" kumimoji="0" normalizeH="0">
+          <a:defRPr kumimoji="0" sz="1800" b="0" i="0" u="none" strike="noStrike" cap="none" spc="0" normalizeH="0" baseline="0">
             <a:ln>
               <a:noFill/>
             </a:ln>
@@ -9925,7 +10046,7 @@
           <a:buFontTx/>
           <a:buNone/>
           <a:tabLst/>
-          <a:defRPr b="0" baseline="0" cap="none" i="0" spc="0" strike="noStrike" sz="1800" u="none" kumimoji="0" normalizeH="0">
+          <a:defRPr kumimoji="0" sz="1800" b="0" i="0" u="none" strike="noStrike" cap="none" spc="0" normalizeH="0" baseline="0">
             <a:ln>
               <a:noFill/>
             </a:ln>
@@ -9951,7 +10072,7 @@
           <a:buFontTx/>
           <a:buNone/>
           <a:tabLst/>
-          <a:defRPr b="0" baseline="0" cap="none" i="0" spc="0" strike="noStrike" sz="1800" u="none" kumimoji="0" normalizeH="0">
+          <a:defRPr kumimoji="0" sz="1800" b="0" i="0" u="none" strike="noStrike" cap="none" spc="0" normalizeH="0" baseline="0">
             <a:ln>
               <a:noFill/>
             </a:ln>
@@ -9977,7 +10098,7 @@
           <a:buFontTx/>
           <a:buNone/>
           <a:tabLst/>
-          <a:defRPr b="0" baseline="0" cap="none" i="0" spc="0" strike="noStrike" sz="1800" u="none" kumimoji="0" normalizeH="0">
+          <a:defRPr kumimoji="0" sz="1800" b="0" i="0" u="none" strike="noStrike" cap="none" spc="0" normalizeH="0" baseline="0">
             <a:ln>
               <a:noFill/>
             </a:ln>
@@ -10003,7 +10124,7 @@
           <a:buFontTx/>
           <a:buNone/>
           <a:tabLst/>
-          <a:defRPr b="0" baseline="0" cap="none" i="0" spc="0" strike="noStrike" sz="1800" u="none" kumimoji="0" normalizeH="0">
+          <a:defRPr kumimoji="0" sz="1800" b="0" i="0" u="none" strike="noStrike" cap="none" spc="0" normalizeH="0" baseline="0">
             <a:ln>
               <a:noFill/>
             </a:ln>
@@ -10029,7 +10150,7 @@
           <a:buFontTx/>
           <a:buNone/>
           <a:tabLst/>
-          <a:defRPr b="0" baseline="0" cap="none" i="0" spc="0" strike="noStrike" sz="1800" u="none" kumimoji="0" normalizeH="0">
+          <a:defRPr kumimoji="0" sz="1800" b="0" i="0" u="none" strike="noStrike" cap="none" spc="0" normalizeH="0" baseline="0">
             <a:ln>
               <a:noFill/>
             </a:ln>
@@ -10055,7 +10176,7 @@
           <a:buFontTx/>
           <a:buNone/>
           <a:tabLst/>
-          <a:defRPr b="0" baseline="0" cap="none" i="0" spc="0" strike="noStrike" sz="1800" u="none" kumimoji="0" normalizeH="0">
+          <a:defRPr kumimoji="0" sz="1800" b="0" i="0" u="none" strike="noStrike" cap="none" spc="0" normalizeH="0" baseline="0">
             <a:ln>
               <a:noFill/>
             </a:ln>
@@ -10081,7 +10202,7 @@
           <a:buFontTx/>
           <a:buNone/>
           <a:tabLst/>
-          <a:defRPr b="0" baseline="0" cap="none" i="0" spc="0" strike="noStrike" sz="1800" u="none" kumimoji="0" normalizeH="0">
+          <a:defRPr kumimoji="0" sz="1800" b="0" i="0" u="none" strike="noStrike" cap="none" spc="0" normalizeH="0" baseline="0">
             <a:ln>
               <a:noFill/>
             </a:ln>
@@ -10107,7 +10228,7 @@
           <a:buFontTx/>
           <a:buNone/>
           <a:tabLst/>
-          <a:defRPr b="0" baseline="0" cap="none" i="0" spc="0" strike="noStrike" sz="1800" u="none" kumimoji="0" normalizeH="0">
+          <a:defRPr kumimoji="0" sz="1800" b="0" i="0" u="none" strike="noStrike" cap="none" spc="0" normalizeH="0" baseline="0">
             <a:ln>
               <a:noFill/>
             </a:ln>
@@ -10120,9 +10241,15 @@
         </a:lvl9pPr>
       </a:lstStyle>
       <a:style>
-        <a:lnRef idx="0"/>
-        <a:fillRef idx="0"/>
-        <a:effectRef idx="0"/>
+        <a:lnRef idx="0">
+          <a:scrgbClr r="0" g="0" b="0"/>
+        </a:lnRef>
+        <a:fillRef idx="0">
+          <a:scrgbClr r="0" g="0" b="0"/>
+        </a:fillRef>
+        <a:effectRef idx="0">
+          <a:scrgbClr r="0" g="0" b="0"/>
+        </a:effectRef>
         <a:fontRef idx="none"/>
       </a:style>
     </a:lnDef>
@@ -10136,7 +10263,7 @@
         <a:effectLst/>
         <a:sp3d/>
       </a:spPr>
-      <a:bodyPr rot="0" spcFirstLastPara="1" vertOverflow="overflow" horzOverflow="overflow" vert="horz" wrap="square" lIns="45719" tIns="45719" rIns="45719" bIns="45719" numCol="1" spcCol="38100" rtlCol="0" anchor="t" upright="0">
+      <a:bodyPr rot="0" spcFirstLastPara="1" vertOverflow="overflow" horzOverflow="overflow" vert="horz" wrap="square" lIns="45719" tIns="45719" rIns="45719" bIns="45719" numCol="1" spcCol="38100" rtlCol="0" anchor="t">
         <a:spAutoFit/>
       </a:bodyPr>
       <a:lstStyle>
@@ -10155,7 +10282,7 @@
           <a:buFontTx/>
           <a:buNone/>
           <a:tabLst/>
-          <a:defRPr b="0" baseline="0" cap="none" i="0" spc="0" strike="noStrike" sz="1400" u="none" kumimoji="0" normalizeH="0">
+          <a:defRPr kumimoji="0" sz="1400" b="0" i="0" u="none" strike="noStrike" cap="none" spc="0" normalizeH="0" baseline="0">
             <a:ln>
               <a:noFill/>
             </a:ln>
@@ -10185,7 +10312,7 @@
           <a:buFontTx/>
           <a:buNone/>
           <a:tabLst/>
-          <a:defRPr b="0" baseline="0" cap="none" i="0" spc="0" strike="noStrike" sz="1800" u="none" kumimoji="0" normalizeH="0">
+          <a:defRPr kumimoji="0" sz="1800" b="0" i="0" u="none" strike="noStrike" cap="none" spc="0" normalizeH="0" baseline="0">
             <a:ln>
               <a:noFill/>
             </a:ln>
@@ -10211,7 +10338,7 @@
           <a:buFontTx/>
           <a:buNone/>
           <a:tabLst/>
-          <a:defRPr b="0" baseline="0" cap="none" i="0" spc="0" strike="noStrike" sz="1800" u="none" kumimoji="0" normalizeH="0">
+          <a:defRPr kumimoji="0" sz="1800" b="0" i="0" u="none" strike="noStrike" cap="none" spc="0" normalizeH="0" baseline="0">
             <a:ln>
               <a:noFill/>
             </a:ln>
@@ -10237,7 +10364,7 @@
           <a:buFontTx/>
           <a:buNone/>
           <a:tabLst/>
-          <a:defRPr b="0" baseline="0" cap="none" i="0" spc="0" strike="noStrike" sz="1800" u="none" kumimoji="0" normalizeH="0">
+          <a:defRPr kumimoji="0" sz="1800" b="0" i="0" u="none" strike="noStrike" cap="none" spc="0" normalizeH="0" baseline="0">
             <a:ln>
               <a:noFill/>
             </a:ln>
@@ -10263,7 +10390,7 @@
           <a:buFontTx/>
           <a:buNone/>
           <a:tabLst/>
-          <a:defRPr b="0" baseline="0" cap="none" i="0" spc="0" strike="noStrike" sz="1800" u="none" kumimoji="0" normalizeH="0">
+          <a:defRPr kumimoji="0" sz="1800" b="0" i="0" u="none" strike="noStrike" cap="none" spc="0" normalizeH="0" baseline="0">
             <a:ln>
               <a:noFill/>
             </a:ln>
@@ -10289,7 +10416,7 @@
           <a:buFontTx/>
           <a:buNone/>
           <a:tabLst/>
-          <a:defRPr b="0" baseline="0" cap="none" i="0" spc="0" strike="noStrike" sz="1800" u="none" kumimoji="0" normalizeH="0">
+          <a:defRPr kumimoji="0" sz="1800" b="0" i="0" u="none" strike="noStrike" cap="none" spc="0" normalizeH="0" baseline="0">
             <a:ln>
               <a:noFill/>
             </a:ln>
@@ -10315,7 +10442,7 @@
           <a:buFontTx/>
           <a:buNone/>
           <a:tabLst/>
-          <a:defRPr b="0" baseline="0" cap="none" i="0" spc="0" strike="noStrike" sz="1800" u="none" kumimoji="0" normalizeH="0">
+          <a:defRPr kumimoji="0" sz="1800" b="0" i="0" u="none" strike="noStrike" cap="none" spc="0" normalizeH="0" baseline="0">
             <a:ln>
               <a:noFill/>
             </a:ln>
@@ -10341,7 +10468,7 @@
           <a:buFontTx/>
           <a:buNone/>
           <a:tabLst/>
-          <a:defRPr b="0" baseline="0" cap="none" i="0" spc="0" strike="noStrike" sz="1800" u="none" kumimoji="0" normalizeH="0">
+          <a:defRPr kumimoji="0" sz="1800" b="0" i="0" u="none" strike="noStrike" cap="none" spc="0" normalizeH="0" baseline="0">
             <a:ln>
               <a:noFill/>
             </a:ln>
@@ -10367,7 +10494,7 @@
           <a:buFontTx/>
           <a:buNone/>
           <a:tabLst/>
-          <a:defRPr b="0" baseline="0" cap="none" i="0" spc="0" strike="noStrike" sz="1800" u="none" kumimoji="0" normalizeH="0">
+          <a:defRPr kumimoji="0" sz="1800" b="0" i="0" u="none" strike="noStrike" cap="none" spc="0" normalizeH="0" baseline="0">
             <a:ln>
               <a:noFill/>
             </a:ln>
@@ -10393,7 +10520,7 @@
           <a:buFontTx/>
           <a:buNone/>
           <a:tabLst/>
-          <a:defRPr b="0" baseline="0" cap="none" i="0" spc="0" strike="noStrike" sz="1800" u="none" kumimoji="0" normalizeH="0">
+          <a:defRPr kumimoji="0" sz="1800" b="0" i="0" u="none" strike="noStrike" cap="none" spc="0" normalizeH="0" baseline="0">
             <a:ln>
               <a:noFill/>
             </a:ln>
@@ -10406,12 +10533,19 @@
         </a:lvl9pPr>
       </a:lstStyle>
       <a:style>
-        <a:lnRef idx="0"/>
-        <a:fillRef idx="0"/>
-        <a:effectRef idx="0"/>
+        <a:lnRef idx="0">
+          <a:scrgbClr r="0" g="0" b="0"/>
+        </a:lnRef>
+        <a:fillRef idx="0">
+          <a:scrgbClr r="0" g="0" b="0"/>
+        </a:fillRef>
+        <a:effectRef idx="0">
+          <a:scrgbClr r="0" g="0" b="0"/>
+        </a:effectRef>
         <a:fontRef idx="none"/>
       </a:style>
     </a:txDef>
   </a:objectDefaults>
+  <a:extraClrSchemeLst/>
 </a:theme>
 </file>
--- a/02.Operators & Conditional Statements/2. Python Operators.pptx
+++ b/02.Operators & Conditional Statements/2. Python Operators.pptx
@@ -5,7 +5,7 @@
     <p:sldMasterId id="2147483648" r:id="rId1"/>
   </p:sldMasterIdLst>
   <p:notesMasterIdLst>
-    <p:notesMasterId r:id="rId26"/>
+    <p:notesMasterId r:id="rId8"/>
   </p:notesMasterIdLst>
   <p:sldIdLst>
     <p:sldId id="256" r:id="rId2"/>
@@ -14,24 +14,6 @@
     <p:sldId id="259" r:id="rId5"/>
     <p:sldId id="260" r:id="rId6"/>
     <p:sldId id="261" r:id="rId7"/>
-    <p:sldId id="262" r:id="rId8"/>
-    <p:sldId id="263" r:id="rId9"/>
-    <p:sldId id="264" r:id="rId10"/>
-    <p:sldId id="265" r:id="rId11"/>
-    <p:sldId id="266" r:id="rId12"/>
-    <p:sldId id="267" r:id="rId13"/>
-    <p:sldId id="268" r:id="rId14"/>
-    <p:sldId id="269" r:id="rId15"/>
-    <p:sldId id="270" r:id="rId16"/>
-    <p:sldId id="271" r:id="rId17"/>
-    <p:sldId id="272" r:id="rId18"/>
-    <p:sldId id="273" r:id="rId19"/>
-    <p:sldId id="274" r:id="rId20"/>
-    <p:sldId id="275" r:id="rId21"/>
-    <p:sldId id="276" r:id="rId22"/>
-    <p:sldId id="277" r:id="rId23"/>
-    <p:sldId id="278" r:id="rId24"/>
-    <p:sldId id="279" r:id="rId25"/>
   </p:sldIdLst>
   <p:sldSz cx="9144000" cy="5143500" type="screen16x9"/>
   <p:notesSz cx="6858000" cy="9144000"/>
@@ -333,6 +315,22 @@
       </a:defRPr>
     </a:lvl9pPr>
   </p:defaultTextStyle>
+  <p:extLst>
+    <p:ext uri="{EFAFB233-063F-42B5-8137-9DF3F51BA10A}">
+      <p15:sldGuideLst xmlns:p15="http://schemas.microsoft.com/office/powerpoint/2012/main">
+        <p15:guide id="1" orient="horz" pos="1620">
+          <p15:clr>
+            <a:srgbClr val="A4A3A4"/>
+          </p15:clr>
+        </p15:guide>
+        <p15:guide id="2" pos="2880">
+          <p15:clr>
+            <a:srgbClr val="A4A3A4"/>
+          </p15:clr>
+        </p15:guide>
+      </p15:sldGuideLst>
+    </p:ext>
+  </p:extLst>
 </p:presentation>
 </file>
 
@@ -2451,7 +2449,7 @@
           </a:ln>
           <a:extLst>
             <a:ext uri="{C572A759-6A51-4108-AA02-DFA0A04FC94B}">
-              <ma14:wrappingTextBoxFlag xmlns:ma14="http://schemas.microsoft.com/office/mac/drawingml/2011/main" xmlns:a14="http://schemas.microsoft.com/office/drawing/2010/main" xmlns:m="http://schemas.openxmlformats.org/officeDocument/2006/math" xmlns="" val="1"/>
+              <ma14:wrappingTextBoxFlag xmlns="" xmlns:m="http://schemas.openxmlformats.org/officeDocument/2006/math" xmlns:a14="http://schemas.microsoft.com/office/drawing/2010/main" xmlns:ma14="http://schemas.microsoft.com/office/mac/drawingml/2011/main" val="1"/>
             </a:ext>
           </a:extLst>
         </p:spPr>
@@ -2490,7 +2488,7 @@
           </a:ln>
           <a:extLst>
             <a:ext uri="{C572A759-6A51-4108-AA02-DFA0A04FC94B}">
-              <ma14:wrappingTextBoxFlag xmlns:ma14="http://schemas.microsoft.com/office/mac/drawingml/2011/main" xmlns:a14="http://schemas.microsoft.com/office/drawing/2010/main" xmlns:m="http://schemas.openxmlformats.org/officeDocument/2006/math" xmlns="" val="1"/>
+              <ma14:wrappingTextBoxFlag xmlns="" xmlns:m="http://schemas.openxmlformats.org/officeDocument/2006/math" xmlns:a14="http://schemas.microsoft.com/office/drawing/2010/main" xmlns:ma14="http://schemas.microsoft.com/office/mac/drawingml/2011/main" val="1"/>
             </a:ext>
           </a:extLst>
         </p:spPr>
@@ -3449,1337 +3447,13 @@
               <a:defRPr sz="4941"/>
             </a:pPr>
             <a:r>
+              <a:rPr dirty="0"/>
               <a:t>Operators</a:t>
             </a:r>
-            <a:br/>
-            <a:endParaRPr/>
-          </a:p>
-        </p:txBody>
-      </p:sp>
-    </p:spTree>
-  </p:cSld>
-  <p:clrMapOvr>
-    <a:masterClrMapping/>
-  </p:clrMapOvr>
-  <p:transition spd="med"/>
-</p:sld>
-</file>
-
-<file path=ppt/slides/slide10.xml><?xml version="1.0" encoding="utf-8"?>
-<p:sld xmlns:a="http://schemas.openxmlformats.org/drawingml/2006/main" xmlns:r="http://schemas.openxmlformats.org/officeDocument/2006/relationships" xmlns:p="http://schemas.openxmlformats.org/presentationml/2006/main">
-  <p:cSld>
-    <p:spTree>
-      <p:nvGrpSpPr>
-        <p:cNvPr id="1" name=""/>
-        <p:cNvGrpSpPr/>
-        <p:nvPr/>
-      </p:nvGrpSpPr>
-      <p:grpSpPr>
-        <a:xfrm>
-          <a:off x="0" y="0"/>
-          <a:ext cx="0" cy="0"/>
-          <a:chOff x="0" y="0"/>
-          <a:chExt cx="0" cy="0"/>
-        </a:xfrm>
-      </p:grpSpPr>
-      <p:sp>
-        <p:nvSpPr>
-          <p:cNvPr id="145" name="Title 1"/>
-          <p:cNvSpPr txBox="1">
-            <a:spLocks noGrp="1"/>
-          </p:cNvSpPr>
-          <p:nvPr>
-            <p:ph type="title"/>
-          </p:nvPr>
-        </p:nvSpPr>
-        <p:spPr>
-          <a:xfrm>
-            <a:off x="729450" y="1318650"/>
-            <a:ext cx="7688699" cy="1142270"/>
-          </a:xfrm>
-          <a:prstGeom prst="rect">
-            <a:avLst/>
-          </a:prstGeom>
-        </p:spPr>
-        <p:txBody>
-          <a:bodyPr/>
-          <a:lstStyle/>
-          <a:p>
-            <a:pPr defTabSz="365760">
-              <a:defRPr sz="4000"/>
-            </a:pPr>
-            <a:r>
-              <a:t>Loops </a:t>
-            </a:r>
-            <a:br/>
-            <a:r>
-              <a:t/>
-            </a:r>
-            <a:br/>
-            <a:endParaRPr/>
-          </a:p>
-        </p:txBody>
-      </p:sp>
-    </p:spTree>
-  </p:cSld>
-  <p:clrMapOvr>
-    <a:masterClrMapping/>
-  </p:clrMapOvr>
-  <p:transition spd="med"/>
-</p:sld>
-</file>
-
-<file path=ppt/slides/slide11.xml><?xml version="1.0" encoding="utf-8"?>
-<p:sld xmlns:a="http://schemas.openxmlformats.org/drawingml/2006/main" xmlns:r="http://schemas.openxmlformats.org/officeDocument/2006/relationships" xmlns:p="http://schemas.openxmlformats.org/presentationml/2006/main">
-  <p:cSld>
-    <p:spTree>
-      <p:nvGrpSpPr>
-        <p:cNvPr id="1" name=""/>
-        <p:cNvGrpSpPr/>
-        <p:nvPr/>
-      </p:nvGrpSpPr>
-      <p:grpSpPr>
-        <a:xfrm>
-          <a:off x="0" y="0"/>
-          <a:ext cx="0" cy="0"/>
-          <a:chOff x="0" y="0"/>
-          <a:chExt cx="0" cy="0"/>
-        </a:xfrm>
-      </p:grpSpPr>
-      <p:pic>
-        <p:nvPicPr>
-          <p:cNvPr id="147" name="Picture 2" descr="Picture 2"/>
-          <p:cNvPicPr>
-            <a:picLocks noChangeAspect="1"/>
-          </p:cNvPicPr>
-          <p:nvPr/>
-        </p:nvPicPr>
-        <p:blipFill>
-          <a:blip r:embed="rId2">
-            <a:extLst/>
-          </a:blip>
-          <a:stretch>
-            <a:fillRect/>
-          </a:stretch>
-        </p:blipFill>
-        <p:spPr>
-          <a:xfrm>
-            <a:off x="1463038" y="1458903"/>
-            <a:ext cx="5901056" cy="2729241"/>
-          </a:xfrm>
-          <a:prstGeom prst="rect">
-            <a:avLst/>
-          </a:prstGeom>
-          <a:ln w="12700">
-            <a:miter lim="400000"/>
-          </a:ln>
-        </p:spPr>
-      </p:pic>
-    </p:spTree>
-  </p:cSld>
-  <p:clrMapOvr>
-    <a:masterClrMapping/>
-  </p:clrMapOvr>
-  <p:transition spd="med"/>
-</p:sld>
-</file>
-
-<file path=ppt/slides/slide12.xml><?xml version="1.0" encoding="utf-8"?>
-<p:sld xmlns:a="http://schemas.openxmlformats.org/drawingml/2006/main" xmlns:r="http://schemas.openxmlformats.org/officeDocument/2006/relationships" xmlns:p="http://schemas.openxmlformats.org/presentationml/2006/main">
-  <p:cSld>
-    <p:spTree>
-      <p:nvGrpSpPr>
-        <p:cNvPr id="1" name=""/>
-        <p:cNvGrpSpPr/>
-        <p:nvPr/>
-      </p:nvGrpSpPr>
-      <p:grpSpPr>
-        <a:xfrm>
-          <a:off x="0" y="0"/>
-          <a:ext cx="0" cy="0"/>
-          <a:chOff x="0" y="0"/>
-          <a:chExt cx="0" cy="0"/>
-        </a:xfrm>
-      </p:grpSpPr>
-      <p:sp>
-        <p:nvSpPr>
-          <p:cNvPr id="149" name="Title 1"/>
-          <p:cNvSpPr txBox="1">
-            <a:spLocks noGrp="1"/>
-          </p:cNvSpPr>
-          <p:nvPr>
-            <p:ph type="title"/>
-          </p:nvPr>
-        </p:nvSpPr>
-        <p:spPr>
-          <a:xfrm>
-            <a:off x="729450" y="1318650"/>
-            <a:ext cx="7688699" cy="535201"/>
-          </a:xfrm>
-          <a:prstGeom prst="rect">
-            <a:avLst/>
-          </a:prstGeom>
-        </p:spPr>
-        <p:txBody>
-          <a:bodyPr/>
-          <a:lstStyle>
-            <a:lvl1pPr defTabSz="795527">
-              <a:defRPr sz="2262"/>
-            </a:lvl1pPr>
-          </a:lstStyle>
-          <a:p>
-            <a:r>
-              <a:t>While Loop</a:t>
-            </a:r>
-          </a:p>
-        </p:txBody>
-      </p:sp>
-      <p:sp>
-        <p:nvSpPr>
-          <p:cNvPr id="150" name="Text Placeholder 2"/>
-          <p:cNvSpPr txBox="1">
-            <a:spLocks noGrp="1"/>
-          </p:cNvSpPr>
-          <p:nvPr>
-            <p:ph type="body" sz="quarter" idx="1"/>
-          </p:nvPr>
-        </p:nvSpPr>
-        <p:spPr>
-          <a:xfrm>
-            <a:off x="729450" y="2078875"/>
-            <a:ext cx="3392971" cy="2261101"/>
-          </a:xfrm>
-          <a:prstGeom prst="rect">
-            <a:avLst/>
-          </a:prstGeom>
-        </p:spPr>
-        <p:txBody>
-          <a:bodyPr/>
-          <a:lstStyle/>
-          <a:p>
-            <a:r>
-              <a:t>A while loop statement in Python programming language repeatedly executes a target statement as long as a given condition is true</a:t>
-            </a:r>
-          </a:p>
-        </p:txBody>
-      </p:sp>
-      <p:pic>
-        <p:nvPicPr>
-          <p:cNvPr id="151" name="Picture 2" descr="Picture 2"/>
-          <p:cNvPicPr>
-            <a:picLocks noChangeAspect="1"/>
-          </p:cNvPicPr>
-          <p:nvPr/>
-        </p:nvPicPr>
-        <p:blipFill>
-          <a:blip r:embed="rId2">
-            <a:extLst/>
-          </a:blip>
-          <a:stretch>
-            <a:fillRect/>
-          </a:stretch>
-        </p:blipFill>
-        <p:spPr>
-          <a:xfrm>
-            <a:off x="5200015" y="1162565"/>
-            <a:ext cx="2120918" cy="3257989"/>
-          </a:xfrm>
-          <a:prstGeom prst="rect">
-            <a:avLst/>
-          </a:prstGeom>
-          <a:ln w="12700">
-            <a:miter lim="400000"/>
-          </a:ln>
-        </p:spPr>
-      </p:pic>
-    </p:spTree>
-  </p:cSld>
-  <p:clrMapOvr>
-    <a:masterClrMapping/>
-  </p:clrMapOvr>
-  <p:transition spd="med"/>
-</p:sld>
-</file>
-
-<file path=ppt/slides/slide13.xml><?xml version="1.0" encoding="utf-8"?>
-<p:sld xmlns:a="http://schemas.openxmlformats.org/drawingml/2006/main" xmlns:r="http://schemas.openxmlformats.org/officeDocument/2006/relationships" xmlns:p="http://schemas.openxmlformats.org/presentationml/2006/main">
-  <p:cSld>
-    <p:spTree>
-      <p:nvGrpSpPr>
-        <p:cNvPr id="1" name=""/>
-        <p:cNvGrpSpPr/>
-        <p:nvPr/>
-      </p:nvGrpSpPr>
-      <p:grpSpPr>
-        <a:xfrm>
-          <a:off x="0" y="0"/>
-          <a:ext cx="0" cy="0"/>
-          <a:chOff x="0" y="0"/>
-          <a:chExt cx="0" cy="0"/>
-        </a:xfrm>
-      </p:grpSpPr>
-      <p:sp>
-        <p:nvSpPr>
-          <p:cNvPr id="153" name="Title 1"/>
-          <p:cNvSpPr txBox="1">
-            <a:spLocks noGrp="1"/>
-          </p:cNvSpPr>
-          <p:nvPr>
-            <p:ph type="title"/>
-          </p:nvPr>
-        </p:nvSpPr>
-        <p:spPr>
-          <a:xfrm>
-            <a:off x="729450" y="1318650"/>
-            <a:ext cx="7688699" cy="535201"/>
-          </a:xfrm>
-          <a:prstGeom prst="rect">
-            <a:avLst/>
-          </a:prstGeom>
-        </p:spPr>
-        <p:txBody>
-          <a:bodyPr/>
-          <a:lstStyle>
-            <a:lvl1pPr defTabSz="795527">
-              <a:defRPr sz="2262"/>
-            </a:lvl1pPr>
-          </a:lstStyle>
-          <a:p>
-            <a:r>
-              <a:t>Example</a:t>
-            </a:r>
-          </a:p>
-        </p:txBody>
-      </p:sp>
-      <p:sp>
-        <p:nvSpPr>
-          <p:cNvPr id="154" name="Text Placeholder 2"/>
-          <p:cNvSpPr txBox="1">
-            <a:spLocks noGrp="1"/>
-          </p:cNvSpPr>
-          <p:nvPr>
-            <p:ph type="body" sz="quarter" idx="1"/>
-          </p:nvPr>
-        </p:nvSpPr>
-        <p:spPr>
-          <a:xfrm>
-            <a:off x="729449" y="2078875"/>
-            <a:ext cx="4589312" cy="1700646"/>
-          </a:xfrm>
-          <a:prstGeom prst="rect">
-            <a:avLst/>
-          </a:prstGeom>
-          <a:solidFill>
-            <a:srgbClr val="535353"/>
-          </a:solidFill>
-        </p:spPr>
-        <p:txBody>
-          <a:bodyPr/>
-          <a:lstStyle/>
-          <a:p>
-            <a:pPr marL="311150" indent="-165100">
-              <a:buSzTx/>
-              <a:buNone/>
-              <a:defRPr>
-                <a:solidFill>
-                  <a:srgbClr val="FFFFFF"/>
-                </a:solidFill>
-              </a:defRPr>
-            </a:pPr>
-            <a:r>
-              <a:t>count = 0 </a:t>
-            </a:r>
-          </a:p>
-          <a:p>
-            <a:pPr marL="311150" indent="-165100">
-              <a:buSzTx/>
-              <a:buNone/>
-              <a:defRPr>
-                <a:solidFill>
-                  <a:srgbClr val="FFFFFF"/>
-                </a:solidFill>
-              </a:defRPr>
-            </a:pPr>
-            <a:r>
-              <a:t>	while (count &lt; 9): </a:t>
-            </a:r>
-          </a:p>
-          <a:p>
-            <a:pPr marL="311150" indent="-165100">
-              <a:buSzTx/>
-              <a:buNone/>
-              <a:defRPr>
-                <a:solidFill>
-                  <a:srgbClr val="FFFFFF"/>
-                </a:solidFill>
-              </a:defRPr>
-            </a:pPr>
-            <a:r>
-              <a:t>	print (‘The count is:', count) </a:t>
-            </a:r>
-          </a:p>
-          <a:p>
-            <a:pPr marL="311150" indent="-165100">
-              <a:buSzTx/>
-              <a:buNone/>
-              <a:defRPr>
-                <a:solidFill>
-                  <a:srgbClr val="FFFFFF"/>
-                </a:solidFill>
-              </a:defRPr>
-            </a:pPr>
-            <a:r>
-              <a:t>	count = count + 1 </a:t>
-            </a:r>
-          </a:p>
-          <a:p>
-            <a:pPr marL="311150" indent="-165100">
-              <a:buSzTx/>
-              <a:buNone/>
-              <a:defRPr>
-                <a:solidFill>
-                  <a:srgbClr val="FFFFFF"/>
-                </a:solidFill>
-              </a:defRPr>
-            </a:pPr>
-            <a:endParaRPr/>
-          </a:p>
-          <a:p>
-            <a:pPr marL="311150" indent="-165100">
-              <a:buSzTx/>
-              <a:buNone/>
-              <a:defRPr>
-                <a:solidFill>
-                  <a:srgbClr val="FFFFFF"/>
-                </a:solidFill>
-              </a:defRPr>
-            </a:pPr>
-            <a:r>
-              <a:t>print “bye!"</a:t>
-            </a:r>
-          </a:p>
-        </p:txBody>
-      </p:sp>
-    </p:spTree>
-  </p:cSld>
-  <p:clrMapOvr>
-    <a:masterClrMapping/>
-  </p:clrMapOvr>
-  <p:transition spd="med"/>
-</p:sld>
-</file>
-
-<file path=ppt/slides/slide14.xml><?xml version="1.0" encoding="utf-8"?>
-<p:sld xmlns:a="http://schemas.openxmlformats.org/drawingml/2006/main" xmlns:r="http://schemas.openxmlformats.org/officeDocument/2006/relationships" xmlns:p="http://schemas.openxmlformats.org/presentationml/2006/main">
-  <p:cSld>
-    <p:spTree>
-      <p:nvGrpSpPr>
-        <p:cNvPr id="1" name=""/>
-        <p:cNvGrpSpPr/>
-        <p:nvPr/>
-      </p:nvGrpSpPr>
-      <p:grpSpPr>
-        <a:xfrm>
-          <a:off x="0" y="0"/>
-          <a:ext cx="0" cy="0"/>
-          <a:chOff x="0" y="0"/>
-          <a:chExt cx="0" cy="0"/>
-        </a:xfrm>
-      </p:grpSpPr>
-      <p:sp>
-        <p:nvSpPr>
-          <p:cNvPr id="156" name="Title 1"/>
-          <p:cNvSpPr txBox="1">
-            <a:spLocks noGrp="1"/>
-          </p:cNvSpPr>
-          <p:nvPr>
-            <p:ph type="title"/>
-          </p:nvPr>
-        </p:nvSpPr>
-        <p:spPr>
-          <a:xfrm>
-            <a:off x="729450" y="1318650"/>
-            <a:ext cx="7688699" cy="535201"/>
-          </a:xfrm>
-          <a:prstGeom prst="rect">
-            <a:avLst/>
-          </a:prstGeom>
-        </p:spPr>
-        <p:txBody>
-          <a:bodyPr/>
-          <a:lstStyle>
-            <a:lvl1pPr defTabSz="795527">
-              <a:defRPr sz="2262"/>
-            </a:lvl1pPr>
-          </a:lstStyle>
-          <a:p>
-            <a:r>
-              <a:t>Infinite Loop</a:t>
-            </a:r>
-          </a:p>
-        </p:txBody>
-      </p:sp>
-      <p:sp>
-        <p:nvSpPr>
-          <p:cNvPr id="157" name="Text Placeholder 2"/>
-          <p:cNvSpPr txBox="1">
-            <a:spLocks noGrp="1"/>
-          </p:cNvSpPr>
-          <p:nvPr>
-            <p:ph type="body" sz="quarter" idx="1"/>
-          </p:nvPr>
-        </p:nvSpPr>
-        <p:spPr>
-          <a:xfrm>
-            <a:off x="729450" y="2078875"/>
-            <a:ext cx="3423450" cy="2261101"/>
-          </a:xfrm>
-          <a:prstGeom prst="rect">
-            <a:avLst/>
-          </a:prstGeom>
-        </p:spPr>
-        <p:txBody>
-          <a:bodyPr/>
-          <a:lstStyle/>
-          <a:p>
-            <a:r>
-              <a:t>A loop becomes infinite loop if a condition never becomes FALSE. </a:t>
-            </a:r>
-          </a:p>
-          <a:p>
-            <a:r>
-              <a:t>You must use caution when using while loops because of the possibility that this condition never resolves to a FALSE value. </a:t>
-            </a:r>
-          </a:p>
-        </p:txBody>
-      </p:sp>
-      <p:grpSp>
-        <p:nvGrpSpPr>
-          <p:cNvPr id="160" name="Text Placeholder 2"/>
-          <p:cNvGrpSpPr/>
-          <p:nvPr/>
-        </p:nvGrpSpPr>
-        <p:grpSpPr>
-          <a:xfrm>
-            <a:off x="4343399" y="2078875"/>
-            <a:ext cx="4074752" cy="1700646"/>
-            <a:chOff x="0" y="0"/>
-            <a:chExt cx="4074750" cy="1700645"/>
-          </a:xfrm>
-        </p:grpSpPr>
-        <p:sp>
-          <p:nvSpPr>
-            <p:cNvPr id="158" name="Rectangle"/>
-            <p:cNvSpPr/>
-            <p:nvPr/>
-          </p:nvSpPr>
-          <p:spPr>
-            <a:xfrm>
-              <a:off x="-1" y="-1"/>
-              <a:ext cx="4074752" cy="1700647"/>
-            </a:xfrm>
-            <a:prstGeom prst="rect">
-              <a:avLst/>
-            </a:prstGeom>
-            <a:solidFill>
-              <a:srgbClr val="535353"/>
-            </a:solidFill>
-            <a:ln w="12700" cap="flat">
-              <a:noFill/>
-              <a:miter lim="400000"/>
-            </a:ln>
-            <a:effectLst/>
-          </p:spPr>
-          <p:txBody>
-            <a:bodyPr wrap="square" lIns="45719" tIns="45719" rIns="45719" bIns="45719" numCol="1" anchor="t">
-              <a:noAutofit/>
-            </a:bodyPr>
-            <a:lstStyle/>
-            <a:p>
-              <a:pPr marL="311150" indent="-311150">
-                <a:lnSpc>
-                  <a:spcPct val="115000"/>
-                </a:lnSpc>
-                <a:defRPr sz="1300">
-                  <a:solidFill>
-                    <a:srgbClr val="FFFFFF"/>
-                  </a:solidFill>
-                  <a:latin typeface="Museo Sans 700"/>
-                  <a:ea typeface="Museo Sans 700"/>
-                  <a:cs typeface="Museo Sans 700"/>
-                  <a:sym typeface="Museo Sans 700"/>
-                </a:defRPr>
-              </a:pPr>
-              <a:endParaRPr/>
-            </a:p>
-          </p:txBody>
-        </p:sp>
-        <p:sp>
-          <p:nvSpPr>
-            <p:cNvPr id="159" name="count = 1…"/>
-            <p:cNvSpPr txBox="1"/>
-            <p:nvPr/>
-          </p:nvSpPr>
-          <p:spPr>
-            <a:xfrm>
-              <a:off x="-1" y="-1"/>
-              <a:ext cx="4074752" cy="1468726"/>
-            </a:xfrm>
-            <a:prstGeom prst="rect">
-              <a:avLst/>
-            </a:prstGeom>
-            <a:noFill/>
-            <a:ln w="12700" cap="flat">
-              <a:noFill/>
-              <a:miter lim="400000"/>
-            </a:ln>
-            <a:effectLst/>
-            <a:extLst>
-              <a:ext uri="{C572A759-6A51-4108-AA02-DFA0A04FC94B}">
-                <ma14:wrappingTextBoxFlag xmlns:ma14="http://schemas.microsoft.com/office/mac/drawingml/2011/main" xmlns:a14="http://schemas.microsoft.com/office/drawing/2010/main" xmlns:m="http://schemas.openxmlformats.org/officeDocument/2006/math" xmlns="" val="1"/>
-              </a:ext>
-            </a:extLst>
-          </p:spPr>
-          <p:txBody>
-            <a:bodyPr wrap="square" lIns="91424" tIns="91424" rIns="91424" bIns="91424" numCol="1" anchor="t">
-              <a:spAutoFit/>
-            </a:bodyPr>
-            <a:lstStyle/>
-            <a:p>
-              <a:pPr marL="311150" indent="-165100">
-                <a:lnSpc>
-                  <a:spcPct val="115000"/>
-                </a:lnSpc>
-                <a:defRPr sz="1300">
-                  <a:solidFill>
-                    <a:srgbClr val="FFFFFF"/>
-                  </a:solidFill>
-                  <a:latin typeface="Museo Sans 700"/>
-                  <a:ea typeface="Museo Sans 700"/>
-                  <a:cs typeface="Museo Sans 700"/>
-                  <a:sym typeface="Museo Sans 700"/>
-                </a:defRPr>
-              </a:pPr>
-              <a:r>
-                <a:t>count = 1</a:t>
-              </a:r>
-              <a:endParaRPr>
-                <a:solidFill>
-                  <a:srgbClr val="000000"/>
-                </a:solidFill>
-              </a:endParaRPr>
-            </a:p>
-            <a:p>
-              <a:pPr marL="311150" indent="-165100">
-                <a:lnSpc>
-                  <a:spcPct val="115000"/>
-                </a:lnSpc>
-                <a:defRPr sz="1300">
-                  <a:solidFill>
-                    <a:srgbClr val="FFFFFF"/>
-                  </a:solidFill>
-                  <a:latin typeface="Museo Sans 700"/>
-                  <a:ea typeface="Museo Sans 700"/>
-                  <a:cs typeface="Museo Sans 700"/>
-                  <a:sym typeface="Museo Sans 700"/>
-                </a:defRPr>
-              </a:pPr>
-              <a:r>
-                <a:t>	while (count &lt; 9): </a:t>
-              </a:r>
-              <a:endParaRPr>
-                <a:solidFill>
-                  <a:srgbClr val="000000"/>
-                </a:solidFill>
-              </a:endParaRPr>
-            </a:p>
-            <a:p>
-              <a:pPr marL="311150" indent="-165100">
-                <a:lnSpc>
-                  <a:spcPct val="115000"/>
-                </a:lnSpc>
-                <a:defRPr sz="1300">
-                  <a:solidFill>
-                    <a:srgbClr val="FFFFFF"/>
-                  </a:solidFill>
-                  <a:latin typeface="Museo Sans 700"/>
-                  <a:ea typeface="Museo Sans 700"/>
-                  <a:cs typeface="Museo Sans 700"/>
-                  <a:sym typeface="Museo Sans 700"/>
-                </a:defRPr>
-              </a:pPr>
-              <a:r>
-                <a:t>	print ('The count is:', count) </a:t>
-              </a:r>
-              <a:endParaRPr>
-                <a:solidFill>
-                  <a:srgbClr val="000000"/>
-                </a:solidFill>
-              </a:endParaRPr>
-            </a:p>
-            <a:p>
-              <a:pPr marL="311150" indent="-165100">
-                <a:lnSpc>
-                  <a:spcPct val="115000"/>
-                </a:lnSpc>
-                <a:defRPr sz="1300">
-                  <a:solidFill>
-                    <a:srgbClr val="FFFFFF"/>
-                  </a:solidFill>
-                  <a:latin typeface="Museo Sans 700"/>
-                  <a:ea typeface="Museo Sans 700"/>
-                  <a:cs typeface="Museo Sans 700"/>
-                  <a:sym typeface="Museo Sans 700"/>
-                </a:defRPr>
-              </a:pPr>
-              <a:r>
-                <a:t>	# count = count + 1 </a:t>
-              </a:r>
-              <a:endParaRPr>
-                <a:solidFill>
-                  <a:srgbClr val="000000"/>
-                </a:solidFill>
-              </a:endParaRPr>
-            </a:p>
-            <a:p>
-              <a:pPr marL="311150" indent="-165100">
-                <a:lnSpc>
-                  <a:spcPct val="115000"/>
-                </a:lnSpc>
-                <a:defRPr sz="1300">
-                  <a:solidFill>
-                    <a:srgbClr val="FFFFFF"/>
-                  </a:solidFill>
-                  <a:latin typeface="Museo Sans 700"/>
-                  <a:ea typeface="Museo Sans 700"/>
-                  <a:cs typeface="Museo Sans 700"/>
-                  <a:sym typeface="Museo Sans 700"/>
-                </a:defRPr>
-              </a:pPr>
-              <a:endParaRPr/>
-            </a:p>
-            <a:p>
-              <a:pPr marL="311150" indent="-165100">
-                <a:lnSpc>
-                  <a:spcPct val="115000"/>
-                </a:lnSpc>
-                <a:defRPr sz="1300">
-                  <a:solidFill>
-                    <a:srgbClr val="FFFFFF"/>
-                  </a:solidFill>
-                  <a:latin typeface="Museo Sans 700"/>
-                  <a:ea typeface="Museo Sans 700"/>
-                  <a:cs typeface="Museo Sans 700"/>
-                  <a:sym typeface="Museo Sans 700"/>
-                </a:defRPr>
-              </a:pPr>
-              <a:r>
-                <a:t>print “bye!"</a:t>
-              </a:r>
-            </a:p>
-          </p:txBody>
-        </p:sp>
-      </p:grpSp>
-    </p:spTree>
-  </p:cSld>
-  <p:clrMapOvr>
-    <a:masterClrMapping/>
-  </p:clrMapOvr>
-  <p:transition spd="med"/>
-</p:sld>
-</file>
-
-<file path=ppt/slides/slide15.xml><?xml version="1.0" encoding="utf-8"?>
-<p:sld xmlns:a="http://schemas.openxmlformats.org/drawingml/2006/main" xmlns:r="http://schemas.openxmlformats.org/officeDocument/2006/relationships" xmlns:p="http://schemas.openxmlformats.org/presentationml/2006/main">
-  <p:cSld>
-    <p:spTree>
-      <p:nvGrpSpPr>
-        <p:cNvPr id="1" name=""/>
-        <p:cNvGrpSpPr/>
-        <p:nvPr/>
-      </p:nvGrpSpPr>
-      <p:grpSpPr>
-        <a:xfrm>
-          <a:off x="0" y="0"/>
-          <a:ext cx="0" cy="0"/>
-          <a:chOff x="0" y="0"/>
-          <a:chExt cx="0" cy="0"/>
-        </a:xfrm>
-      </p:grpSpPr>
-      <p:sp>
-        <p:nvSpPr>
-          <p:cNvPr id="162" name="Title 1"/>
-          <p:cNvSpPr txBox="1">
-            <a:spLocks noGrp="1"/>
-          </p:cNvSpPr>
-          <p:nvPr>
-            <p:ph type="title"/>
-          </p:nvPr>
-        </p:nvSpPr>
-        <p:spPr>
-          <a:xfrm>
-            <a:off x="729450" y="1318650"/>
-            <a:ext cx="7688699" cy="535201"/>
-          </a:xfrm>
-          <a:prstGeom prst="rect">
-            <a:avLst/>
-          </a:prstGeom>
-        </p:spPr>
-        <p:txBody>
-          <a:bodyPr/>
-          <a:lstStyle>
-            <a:lvl1pPr defTabSz="795527">
-              <a:defRPr sz="2262"/>
-            </a:lvl1pPr>
-          </a:lstStyle>
-          <a:p>
-            <a:r>
-              <a:t>For Loop</a:t>
-            </a:r>
-          </a:p>
-        </p:txBody>
-      </p:sp>
-      <p:sp>
-        <p:nvSpPr>
-          <p:cNvPr id="163" name="Text Placeholder 2"/>
-          <p:cNvSpPr txBox="1">
-            <a:spLocks noGrp="1"/>
-          </p:cNvSpPr>
-          <p:nvPr>
-            <p:ph type="body" sz="quarter" idx="1"/>
-          </p:nvPr>
-        </p:nvSpPr>
-        <p:spPr>
-          <a:xfrm>
-            <a:off x="729450" y="2078875"/>
-            <a:ext cx="3575850" cy="2261101"/>
-          </a:xfrm>
-          <a:prstGeom prst="rect">
-            <a:avLst/>
-          </a:prstGeom>
-        </p:spPr>
-        <p:txBody>
-          <a:bodyPr/>
-          <a:lstStyle/>
-          <a:p>
-            <a:r>
-              <a:t>For Loop is used to iterate through a Sequence like lists, tuples</a:t>
-            </a:r>
-          </a:p>
-        </p:txBody>
-      </p:sp>
-      <p:pic>
-        <p:nvPicPr>
-          <p:cNvPr id="164" name="Picture 2" descr="Picture 2"/>
-          <p:cNvPicPr>
-            <a:picLocks noChangeAspect="1"/>
-          </p:cNvPicPr>
-          <p:nvPr/>
-        </p:nvPicPr>
-        <p:blipFill>
-          <a:blip r:embed="rId2">
-            <a:extLst/>
-          </a:blip>
-          <a:stretch>
-            <a:fillRect/>
-          </a:stretch>
-        </p:blipFill>
-        <p:spPr>
-          <a:xfrm>
-            <a:off x="4643754" y="1158239"/>
-            <a:ext cx="3695701" cy="3343276"/>
-          </a:xfrm>
-          <a:prstGeom prst="rect">
-            <a:avLst/>
-          </a:prstGeom>
-          <a:ln w="12700">
-            <a:miter lim="400000"/>
-          </a:ln>
-        </p:spPr>
-      </p:pic>
-    </p:spTree>
-  </p:cSld>
-  <p:clrMapOvr>
-    <a:masterClrMapping/>
-  </p:clrMapOvr>
-  <p:transition spd="med"/>
-</p:sld>
-</file>
-
-<file path=ppt/slides/slide16.xml><?xml version="1.0" encoding="utf-8"?>
-<p:sld xmlns:a="http://schemas.openxmlformats.org/drawingml/2006/main" xmlns:r="http://schemas.openxmlformats.org/officeDocument/2006/relationships" xmlns:p="http://schemas.openxmlformats.org/presentationml/2006/main">
-  <p:cSld>
-    <p:spTree>
-      <p:nvGrpSpPr>
-        <p:cNvPr id="1" name=""/>
-        <p:cNvGrpSpPr/>
-        <p:nvPr/>
-      </p:nvGrpSpPr>
-      <p:grpSpPr>
-        <a:xfrm>
-          <a:off x="0" y="0"/>
-          <a:ext cx="0" cy="0"/>
-          <a:chOff x="0" y="0"/>
-          <a:chExt cx="0" cy="0"/>
-        </a:xfrm>
-      </p:grpSpPr>
-      <p:sp>
-        <p:nvSpPr>
-          <p:cNvPr id="166" name="Title 1"/>
-          <p:cNvSpPr txBox="1">
-            <a:spLocks noGrp="1"/>
-          </p:cNvSpPr>
-          <p:nvPr>
-            <p:ph type="title"/>
-          </p:nvPr>
-        </p:nvSpPr>
-        <p:spPr>
-          <a:xfrm>
-            <a:off x="729450" y="1318650"/>
-            <a:ext cx="7688699" cy="535201"/>
-          </a:xfrm>
-          <a:prstGeom prst="rect">
-            <a:avLst/>
-          </a:prstGeom>
-        </p:spPr>
-        <p:txBody>
-          <a:bodyPr/>
-          <a:lstStyle>
-            <a:lvl1pPr defTabSz="795527">
-              <a:defRPr sz="2262"/>
-            </a:lvl1pPr>
-          </a:lstStyle>
-          <a:p>
-            <a:r>
-              <a:t>Example</a:t>
-            </a:r>
-          </a:p>
-        </p:txBody>
-      </p:sp>
-      <p:sp>
-        <p:nvSpPr>
-          <p:cNvPr id="167" name="Text Placeholder 2"/>
-          <p:cNvSpPr txBox="1">
-            <a:spLocks noGrp="1"/>
-          </p:cNvSpPr>
-          <p:nvPr>
-            <p:ph type="body" sz="half" idx="1"/>
-          </p:nvPr>
-        </p:nvSpPr>
-        <p:spPr>
-          <a:xfrm>
-            <a:off x="729450" y="2078875"/>
-            <a:ext cx="7688699" cy="2261101"/>
-          </a:xfrm>
-          <a:prstGeom prst="rect">
-            <a:avLst/>
-          </a:prstGeom>
-          <a:solidFill>
-            <a:srgbClr val="535353"/>
-          </a:solidFill>
-        </p:spPr>
-        <p:txBody>
-          <a:bodyPr/>
-          <a:lstStyle/>
-          <a:p>
-            <a:pPr marL="311150" indent="-165100">
-              <a:buSzTx/>
-              <a:buNone/>
-              <a:defRPr>
-                <a:solidFill>
-                  <a:srgbClr val="FFFFFF"/>
-                </a:solidFill>
-              </a:defRPr>
-            </a:pPr>
-            <a:r>
-              <a:t>#exampl e1</a:t>
-            </a:r>
-          </a:p>
-          <a:p>
-            <a:pPr marL="311150" indent="-165100">
-              <a:buSzTx/>
-              <a:buNone/>
-              <a:defRPr>
-                <a:solidFill>
-                  <a:srgbClr val="FFFFFF"/>
-                </a:solidFill>
-              </a:defRPr>
-            </a:pPr>
-            <a:r>
-              <a:t>for letter in 'Python': </a:t>
-            </a:r>
-          </a:p>
-          <a:p>
-            <a:pPr marL="311150" indent="-165100">
-              <a:buSzTx/>
-              <a:buNone/>
-              <a:defRPr>
-                <a:solidFill>
-                  <a:srgbClr val="FFFFFF"/>
-                </a:solidFill>
-              </a:defRPr>
-            </a:pPr>
-            <a:r>
-              <a:t>	print ('Current Letter :', letter) </a:t>
-            </a:r>
-          </a:p>
-        </p:txBody>
-      </p:sp>
-    </p:spTree>
-  </p:cSld>
-  <p:clrMapOvr>
-    <a:masterClrMapping/>
-  </p:clrMapOvr>
-  <p:transition spd="med"/>
-</p:sld>
-</file>
-
-<file path=ppt/slides/slide17.xml><?xml version="1.0" encoding="utf-8"?>
-<p:sld xmlns:a="http://schemas.openxmlformats.org/drawingml/2006/main" xmlns:r="http://schemas.openxmlformats.org/officeDocument/2006/relationships" xmlns:p="http://schemas.openxmlformats.org/presentationml/2006/main">
-  <p:cSld>
-    <p:spTree>
-      <p:nvGrpSpPr>
-        <p:cNvPr id="1" name=""/>
-        <p:cNvGrpSpPr/>
-        <p:nvPr/>
-      </p:nvGrpSpPr>
-      <p:grpSpPr>
-        <a:xfrm>
-          <a:off x="0" y="0"/>
-          <a:ext cx="0" cy="0"/>
-          <a:chOff x="0" y="0"/>
-          <a:chExt cx="0" cy="0"/>
-        </a:xfrm>
-      </p:grpSpPr>
-      <p:sp>
-        <p:nvSpPr>
-          <p:cNvPr id="169" name="Title 1"/>
-          <p:cNvSpPr txBox="1">
-            <a:spLocks noGrp="1"/>
-          </p:cNvSpPr>
-          <p:nvPr>
-            <p:ph type="title"/>
-          </p:nvPr>
-        </p:nvSpPr>
-        <p:spPr>
-          <a:xfrm>
-            <a:off x="729450" y="1318650"/>
-            <a:ext cx="7688699" cy="535201"/>
-          </a:xfrm>
-          <a:prstGeom prst="rect">
-            <a:avLst/>
-          </a:prstGeom>
-        </p:spPr>
-        <p:txBody>
-          <a:bodyPr/>
-          <a:lstStyle>
-            <a:lvl1pPr defTabSz="795527">
-              <a:defRPr sz="2262"/>
-            </a:lvl1pPr>
-          </a:lstStyle>
-          <a:p>
-            <a:r>
-              <a:t>Example 2</a:t>
-            </a:r>
-          </a:p>
-        </p:txBody>
-      </p:sp>
-      <p:sp>
-        <p:nvSpPr>
-          <p:cNvPr id="170" name="Text Placeholder 2"/>
-          <p:cNvSpPr txBox="1">
-            <a:spLocks noGrp="1"/>
-          </p:cNvSpPr>
-          <p:nvPr>
-            <p:ph type="body" sz="quarter" idx="1"/>
-          </p:nvPr>
-        </p:nvSpPr>
-        <p:spPr>
-          <a:xfrm>
-            <a:off x="729450" y="2078875"/>
-            <a:ext cx="3659671" cy="2261101"/>
-          </a:xfrm>
-          <a:prstGeom prst="rect">
-            <a:avLst/>
-          </a:prstGeom>
-          <a:solidFill>
-            <a:srgbClr val="535353"/>
-          </a:solidFill>
-        </p:spPr>
-        <p:txBody>
-          <a:bodyPr/>
-          <a:lstStyle/>
-          <a:p>
-            <a:pPr marL="311150" indent="-165100">
-              <a:buSzTx/>
-              <a:buNone/>
-              <a:defRPr>
-                <a:solidFill>
-                  <a:srgbClr val="FFFFFF"/>
-                </a:solidFill>
-              </a:defRPr>
-            </a:pPr>
-            <a:r>
-              <a:t>#example 2</a:t>
-            </a:r>
-          </a:p>
-          <a:p>
-            <a:pPr marL="311150" indent="-165100">
-              <a:buSzTx/>
-              <a:buNone/>
-              <a:defRPr>
-                <a:solidFill>
-                  <a:srgbClr val="FFFFFF"/>
-                </a:solidFill>
-              </a:defRPr>
-            </a:pPr>
-            <a:r>
-              <a:t>fruits = ['banana', 'apple', 'mango'] </a:t>
-            </a:r>
-          </a:p>
-          <a:p>
-            <a:pPr marL="311150" indent="-165100">
-              <a:buSzTx/>
-              <a:buNone/>
-              <a:defRPr>
-                <a:solidFill>
-                  <a:srgbClr val="FFFFFF"/>
-                </a:solidFill>
-              </a:defRPr>
-            </a:pPr>
-            <a:r>
-              <a:t>for fruit in fruits:</a:t>
-            </a:r>
-          </a:p>
-          <a:p>
-            <a:pPr marL="311150" indent="-165100">
-              <a:buSzTx/>
-              <a:buNone/>
-              <a:defRPr>
-                <a:solidFill>
-                  <a:srgbClr val="FFFFFF"/>
-                </a:solidFill>
-              </a:defRPr>
-            </a:pPr>
-            <a:r>
-              <a:t>	 print (Fruit Name:', letter) </a:t>
-            </a:r>
-          </a:p>
-        </p:txBody>
-      </p:sp>
-    </p:spTree>
-  </p:cSld>
-  <p:clrMapOvr>
-    <a:masterClrMapping/>
-  </p:clrMapOvr>
-  <p:transition spd="med"/>
-</p:sld>
-</file>
-
-<file path=ppt/slides/slide18.xml><?xml version="1.0" encoding="utf-8"?>
-<p:sld xmlns:a="http://schemas.openxmlformats.org/drawingml/2006/main" xmlns:r="http://schemas.openxmlformats.org/officeDocument/2006/relationships" xmlns:p="http://schemas.openxmlformats.org/presentationml/2006/main">
-  <p:cSld>
-    <p:spTree>
-      <p:nvGrpSpPr>
-        <p:cNvPr id="1" name=""/>
-        <p:cNvGrpSpPr/>
-        <p:nvPr/>
-      </p:nvGrpSpPr>
-      <p:grpSpPr>
-        <a:xfrm>
-          <a:off x="0" y="0"/>
-          <a:ext cx="0" cy="0"/>
-          <a:chOff x="0" y="0"/>
-          <a:chExt cx="0" cy="0"/>
-        </a:xfrm>
-      </p:grpSpPr>
-      <p:sp>
-        <p:nvSpPr>
-          <p:cNvPr id="172" name="Title 1"/>
-          <p:cNvSpPr txBox="1">
-            <a:spLocks noGrp="1"/>
-          </p:cNvSpPr>
-          <p:nvPr>
-            <p:ph type="title"/>
-          </p:nvPr>
-        </p:nvSpPr>
-        <p:spPr>
-          <a:xfrm>
-            <a:off x="729450" y="1318650"/>
-            <a:ext cx="7688699" cy="535201"/>
-          </a:xfrm>
-          <a:prstGeom prst="rect">
-            <a:avLst/>
-          </a:prstGeom>
-        </p:spPr>
-        <p:txBody>
-          <a:bodyPr/>
-          <a:lstStyle>
-            <a:lvl1pPr defTabSz="795527">
-              <a:defRPr sz="2262"/>
-            </a:lvl1pPr>
-          </a:lstStyle>
-          <a:p>
-            <a:r>
-              <a:t>Break Pass and Continue</a:t>
-            </a:r>
-          </a:p>
-        </p:txBody>
-      </p:sp>
-      <p:sp>
-        <p:nvSpPr>
-          <p:cNvPr id="173" name="Text Placeholder 2"/>
-          <p:cNvSpPr txBox="1">
-            <a:spLocks noGrp="1"/>
-          </p:cNvSpPr>
-          <p:nvPr>
-            <p:ph type="body" sz="half" idx="1"/>
-          </p:nvPr>
-        </p:nvSpPr>
-        <p:spPr>
-          <a:xfrm>
-            <a:off x="729450" y="2078875"/>
-            <a:ext cx="7688699" cy="2261101"/>
-          </a:xfrm>
-          <a:prstGeom prst="rect">
-            <a:avLst/>
-          </a:prstGeom>
-        </p:spPr>
-        <p:txBody>
-          <a:bodyPr/>
-          <a:lstStyle/>
-          <a:p>
-            <a:r>
-              <a:t>Break statement Breaks the Loop</a:t>
-            </a:r>
-          </a:p>
-          <a:p>
-            <a:endParaRPr/>
-          </a:p>
-          <a:p>
-            <a:r>
-              <a:t>Pass statement is a placeholder when you don’t have any statements to write in the suite</a:t>
-            </a:r>
-          </a:p>
-          <a:p>
-            <a:endParaRPr/>
-          </a:p>
-          <a:p>
-            <a:r>
-              <a:t>Continue Breaks the current iteration and starts next iteration</a:t>
-            </a:r>
-          </a:p>
-        </p:txBody>
-      </p:sp>
-    </p:spTree>
-  </p:cSld>
-  <p:clrMapOvr>
-    <a:masterClrMapping/>
-  </p:clrMapOvr>
-  <p:transition spd="med"/>
-</p:sld>
-</file>
-
-<file path=ppt/slides/slide19.xml><?xml version="1.0" encoding="utf-8"?>
-<p:sld xmlns:a="http://schemas.openxmlformats.org/drawingml/2006/main" xmlns:r="http://schemas.openxmlformats.org/officeDocument/2006/relationships" xmlns:p="http://schemas.openxmlformats.org/presentationml/2006/main">
-  <p:cSld>
-    <p:spTree>
-      <p:nvGrpSpPr>
-        <p:cNvPr id="1" name=""/>
-        <p:cNvGrpSpPr/>
-        <p:nvPr/>
-      </p:nvGrpSpPr>
-      <p:grpSpPr>
-        <a:xfrm>
-          <a:off x="0" y="0"/>
-          <a:ext cx="0" cy="0"/>
-          <a:chOff x="0" y="0"/>
-          <a:chExt cx="0" cy="0"/>
-        </a:xfrm>
-      </p:grpSpPr>
-      <p:sp>
-        <p:nvSpPr>
-          <p:cNvPr id="175" name="Title 1"/>
-          <p:cNvSpPr txBox="1">
-            <a:spLocks noGrp="1"/>
-          </p:cNvSpPr>
-          <p:nvPr>
-            <p:ph type="title"/>
-          </p:nvPr>
-        </p:nvSpPr>
-        <p:spPr>
-          <a:xfrm>
-            <a:off x="729450" y="1318650"/>
-            <a:ext cx="7688699" cy="535201"/>
-          </a:xfrm>
-          <a:prstGeom prst="rect">
-            <a:avLst/>
-          </a:prstGeom>
-        </p:spPr>
-        <p:txBody>
-          <a:bodyPr/>
-          <a:lstStyle>
-            <a:lvl1pPr defTabSz="795527">
-              <a:defRPr sz="2262"/>
-            </a:lvl1pPr>
-          </a:lstStyle>
-          <a:p>
-            <a:r>
-              <a:t>Else Statement Loop</a:t>
-            </a:r>
-          </a:p>
-        </p:txBody>
-      </p:sp>
-      <p:sp>
-        <p:nvSpPr>
-          <p:cNvPr id="176" name="Text Placeholder 2"/>
-          <p:cNvSpPr txBox="1">
-            <a:spLocks noGrp="1"/>
-          </p:cNvSpPr>
-          <p:nvPr>
-            <p:ph type="body" sz="half" idx="1"/>
-          </p:nvPr>
-        </p:nvSpPr>
-        <p:spPr>
-          <a:xfrm>
-            <a:off x="729450" y="2078875"/>
-            <a:ext cx="6844830" cy="2261101"/>
-          </a:xfrm>
-          <a:prstGeom prst="rect">
-            <a:avLst/>
-          </a:prstGeom>
-        </p:spPr>
-        <p:txBody>
-          <a:bodyPr/>
-          <a:lstStyle/>
-          <a:p>
-            <a:pPr>
-              <a:buSzPts val="1400"/>
-              <a:defRPr sz="1400"/>
-            </a:pPr>
-            <a:r>
-              <a:t>Python supports to have an else statement associated with a loop statement.</a:t>
-            </a:r>
-          </a:p>
-          <a:p>
-            <a:endParaRPr/>
-          </a:p>
-          <a:p>
-            <a:r>
-              <a:t>If the else statement is used with a for loop, the else statement is executed when the loop has exhausted iterating the list.</a:t>
-            </a:r>
-          </a:p>
-          <a:p>
-            <a:pPr marL="311150" indent="-165100">
-              <a:buSzTx/>
-              <a:buNone/>
-            </a:pPr>
-            <a:endParaRPr/>
-          </a:p>
-          <a:p>
-            <a:r>
-              <a:t>f the else statement is used with a while loop, the else statement is executed when the condition becomes false.</a:t>
-            </a:r>
+            <a:br>
+              <a:rPr dirty="0"/>
+            </a:br>
+            <a:endParaRPr dirty="0"/>
           </a:p>
         </p:txBody>
       </p:sp>
@@ -4860,9 +3534,27 @@
                 <a:tableStyleId>{4C3C2611-4C71-4FC5-86AE-919BDF0F9419}</a:tableStyleId>
               </a:tblPr>
               <a:tblGrid>
-                <a:gridCol w="981393"/>
-                <a:gridCol w="2953115"/>
-                <a:gridCol w="3329941"/>
+                <a:gridCol w="981393">
+                  <a:extLst>
+                    <a:ext uri="{9D8B030D-6E8A-4147-A177-3AD203B41FA5}">
+                      <a16:colId xmlns:a16="http://schemas.microsoft.com/office/drawing/2014/main" val="20000"/>
+                    </a:ext>
+                  </a:extLst>
+                </a:gridCol>
+                <a:gridCol w="2953115">
+                  <a:extLst>
+                    <a:ext uri="{9D8B030D-6E8A-4147-A177-3AD203B41FA5}">
+                      <a16:colId xmlns:a16="http://schemas.microsoft.com/office/drawing/2014/main" val="20001"/>
+                    </a:ext>
+                  </a:extLst>
+                </a:gridCol>
+                <a:gridCol w="3329941">
+                  <a:extLst>
+                    <a:ext uri="{9D8B030D-6E8A-4147-A177-3AD203B41FA5}">
+                      <a16:colId xmlns:a16="http://schemas.microsoft.com/office/drawing/2014/main" val="20002"/>
+                    </a:ext>
+                  </a:extLst>
+                </a:gridCol>
               </a:tblGrid>
               <a:tr h="370840">
                 <a:tc>
@@ -4958,6 +3650,11 @@
                     </a:lnB>
                   </a:tcPr>
                 </a:tc>
+                <a:extLst>
+                  <a:ext uri="{0D108BD9-81ED-4DB2-BD59-A6C34878D82A}">
+                    <a16:rowId xmlns:a16="http://schemas.microsoft.com/office/drawing/2014/main" val="10000"/>
+                  </a:ext>
+                </a:extLst>
               </a:tr>
               <a:tr h="370840">
                 <a:tc>
@@ -5053,6 +3750,11 @@
                     </a:lnT>
                   </a:tcPr>
                 </a:tc>
+                <a:extLst>
+                  <a:ext uri="{0D108BD9-81ED-4DB2-BD59-A6C34878D82A}">
+                    <a16:rowId xmlns:a16="http://schemas.microsoft.com/office/drawing/2014/main" val="10001"/>
+                  </a:ext>
+                </a:extLst>
               </a:tr>
               <a:tr h="370840">
                 <a:tc>
@@ -5130,6 +3832,11 @@
                   </a:txBody>
                   <a:tcPr marL="45720" marR="45720" horzOverflow="overflow"/>
                 </a:tc>
+                <a:extLst>
+                  <a:ext uri="{0D108BD9-81ED-4DB2-BD59-A6C34878D82A}">
+                    <a16:rowId xmlns:a16="http://schemas.microsoft.com/office/drawing/2014/main" val="10002"/>
+                  </a:ext>
+                </a:extLst>
               </a:tr>
               <a:tr h="370840">
                 <a:tc>
@@ -5207,6 +3914,11 @@
                   </a:txBody>
                   <a:tcPr marL="45720" marR="45720" horzOverflow="overflow"/>
                 </a:tc>
+                <a:extLst>
+                  <a:ext uri="{0D108BD9-81ED-4DB2-BD59-A6C34878D82A}">
+                    <a16:rowId xmlns:a16="http://schemas.microsoft.com/office/drawing/2014/main" val="10003"/>
+                  </a:ext>
+                </a:extLst>
               </a:tr>
               <a:tr h="370840">
                 <a:tc>
@@ -5284,6 +3996,11 @@
                   </a:txBody>
                   <a:tcPr marL="45720" marR="45720" horzOverflow="overflow"/>
                 </a:tc>
+                <a:extLst>
+                  <a:ext uri="{0D108BD9-81ED-4DB2-BD59-A6C34878D82A}">
+                    <a16:rowId xmlns:a16="http://schemas.microsoft.com/office/drawing/2014/main" val="10004"/>
+                  </a:ext>
+                </a:extLst>
               </a:tr>
               <a:tr h="370840">
                 <a:tc>
@@ -5361,931 +4078,16 @@
                   </a:txBody>
                   <a:tcPr marL="45720" marR="45720" horzOverflow="overflow"/>
                 </a:tc>
+                <a:extLst>
+                  <a:ext uri="{0D108BD9-81ED-4DB2-BD59-A6C34878D82A}">
+                    <a16:rowId xmlns:a16="http://schemas.microsoft.com/office/drawing/2014/main" val="10005"/>
+                  </a:ext>
+                </a:extLst>
               </a:tr>
             </a:tbl>
           </a:graphicData>
         </a:graphic>
       </p:graphicFrame>
-    </p:spTree>
-  </p:cSld>
-  <p:clrMapOvr>
-    <a:masterClrMapping/>
-  </p:clrMapOvr>
-  <p:transition spd="med"/>
-</p:sld>
-</file>
-
-<file path=ppt/slides/slide20.xml><?xml version="1.0" encoding="utf-8"?>
-<p:sld xmlns:a="http://schemas.openxmlformats.org/drawingml/2006/main" xmlns:r="http://schemas.openxmlformats.org/officeDocument/2006/relationships" xmlns:p="http://schemas.openxmlformats.org/presentationml/2006/main">
-  <p:cSld>
-    <p:spTree>
-      <p:nvGrpSpPr>
-        <p:cNvPr id="1" name=""/>
-        <p:cNvGrpSpPr/>
-        <p:nvPr/>
-      </p:nvGrpSpPr>
-      <p:grpSpPr>
-        <a:xfrm>
-          <a:off x="0" y="0"/>
-          <a:ext cx="0" cy="0"/>
-          <a:chOff x="0" y="0"/>
-          <a:chExt cx="0" cy="0"/>
-        </a:xfrm>
-      </p:grpSpPr>
-      <p:sp>
-        <p:nvSpPr>
-          <p:cNvPr id="178" name="Title 1"/>
-          <p:cNvSpPr txBox="1">
-            <a:spLocks noGrp="1"/>
-          </p:cNvSpPr>
-          <p:nvPr>
-            <p:ph type="title"/>
-          </p:nvPr>
-        </p:nvSpPr>
-        <p:spPr>
-          <a:xfrm>
-            <a:off x="729450" y="1318650"/>
-            <a:ext cx="7688699" cy="535201"/>
-          </a:xfrm>
-          <a:prstGeom prst="rect">
-            <a:avLst/>
-          </a:prstGeom>
-        </p:spPr>
-        <p:txBody>
-          <a:bodyPr/>
-          <a:lstStyle>
-            <a:lvl1pPr defTabSz="795527">
-              <a:defRPr sz="2262"/>
-            </a:lvl1pPr>
-          </a:lstStyle>
-          <a:p>
-            <a:r>
-              <a:t>Else statement with For</a:t>
-            </a:r>
-          </a:p>
-        </p:txBody>
-      </p:sp>
-      <p:sp>
-        <p:nvSpPr>
-          <p:cNvPr id="179" name="Text Placeholder 2"/>
-          <p:cNvSpPr txBox="1">
-            <a:spLocks noGrp="1"/>
-          </p:cNvSpPr>
-          <p:nvPr>
-            <p:ph type="body" sz="half" idx="1"/>
-          </p:nvPr>
-        </p:nvSpPr>
-        <p:spPr>
-          <a:xfrm>
-            <a:off x="729449" y="2078875"/>
-            <a:ext cx="6867692" cy="1898764"/>
-          </a:xfrm>
-          <a:prstGeom prst="rect">
-            <a:avLst/>
-          </a:prstGeom>
-          <a:solidFill>
-            <a:srgbClr val="535353"/>
-          </a:solidFill>
-        </p:spPr>
-        <p:txBody>
-          <a:bodyPr/>
-          <a:lstStyle/>
-          <a:p>
-            <a:pPr marL="311150" indent="-165100">
-              <a:buSzTx/>
-              <a:buNone/>
-              <a:defRPr>
-                <a:solidFill>
-                  <a:srgbClr val="FFFFFF"/>
-                </a:solidFill>
-              </a:defRPr>
-            </a:pPr>
-            <a:r>
-              <a:t>count = 0 </a:t>
-            </a:r>
-          </a:p>
-          <a:p>
-            <a:pPr marL="311150" indent="-165100">
-              <a:buSzTx/>
-              <a:buNone/>
-              <a:defRPr>
-                <a:solidFill>
-                  <a:srgbClr val="FFFFFF"/>
-                </a:solidFill>
-              </a:defRPr>
-            </a:pPr>
-            <a:r>
-              <a:t>while count &lt; 5:</a:t>
-            </a:r>
-          </a:p>
-          <a:p>
-            <a:pPr marL="311150" indent="-165100">
-              <a:buSzTx/>
-              <a:buNone/>
-              <a:defRPr>
-                <a:solidFill>
-                  <a:srgbClr val="FFFFFF"/>
-                </a:solidFill>
-              </a:defRPr>
-            </a:pPr>
-            <a:r>
-              <a:t> 	print count, " is less than 5“</a:t>
-            </a:r>
-          </a:p>
-          <a:p>
-            <a:pPr marL="311150" indent="-165100">
-              <a:buSzTx/>
-              <a:buNone/>
-              <a:defRPr>
-                <a:solidFill>
-                  <a:srgbClr val="FFFFFF"/>
-                </a:solidFill>
-              </a:defRPr>
-            </a:pPr>
-            <a:r>
-              <a:t> 	count = count + 1 </a:t>
-            </a:r>
-          </a:p>
-          <a:p>
-            <a:pPr marL="311150" indent="-165100">
-              <a:buSzTx/>
-              <a:buNone/>
-              <a:defRPr>
-                <a:solidFill>
-                  <a:srgbClr val="FFFFFF"/>
-                </a:solidFill>
-              </a:defRPr>
-            </a:pPr>
-            <a:r>
-              <a:t>else: </a:t>
-            </a:r>
-          </a:p>
-          <a:p>
-            <a:pPr marL="311150" indent="-165100">
-              <a:buSzTx/>
-              <a:buNone/>
-              <a:defRPr>
-                <a:solidFill>
-                  <a:srgbClr val="FFFFFF"/>
-                </a:solidFill>
-              </a:defRPr>
-            </a:pPr>
-            <a:r>
-              <a:t>	print count, " is not less than 5"</a:t>
-            </a:r>
-          </a:p>
-        </p:txBody>
-      </p:sp>
-    </p:spTree>
-  </p:cSld>
-  <p:clrMapOvr>
-    <a:masterClrMapping/>
-  </p:clrMapOvr>
-  <p:transition spd="med"/>
-</p:sld>
-</file>
-
-<file path=ppt/slides/slide21.xml><?xml version="1.0" encoding="utf-8"?>
-<p:sld xmlns:a="http://schemas.openxmlformats.org/drawingml/2006/main" xmlns:r="http://schemas.openxmlformats.org/officeDocument/2006/relationships" xmlns:p="http://schemas.openxmlformats.org/presentationml/2006/main">
-  <p:cSld>
-    <p:spTree>
-      <p:nvGrpSpPr>
-        <p:cNvPr id="1" name=""/>
-        <p:cNvGrpSpPr/>
-        <p:nvPr/>
-      </p:nvGrpSpPr>
-      <p:grpSpPr>
-        <a:xfrm>
-          <a:off x="0" y="0"/>
-          <a:ext cx="0" cy="0"/>
-          <a:chOff x="0" y="0"/>
-          <a:chExt cx="0" cy="0"/>
-        </a:xfrm>
-      </p:grpSpPr>
-      <p:sp>
-        <p:nvSpPr>
-          <p:cNvPr id="181" name="Title 1"/>
-          <p:cNvSpPr txBox="1">
-            <a:spLocks noGrp="1"/>
-          </p:cNvSpPr>
-          <p:nvPr>
-            <p:ph type="title"/>
-          </p:nvPr>
-        </p:nvSpPr>
-        <p:spPr>
-          <a:xfrm>
-            <a:off x="729450" y="1318650"/>
-            <a:ext cx="7688699" cy="535201"/>
-          </a:xfrm>
-          <a:prstGeom prst="rect">
-            <a:avLst/>
-          </a:prstGeom>
-        </p:spPr>
-        <p:txBody>
-          <a:bodyPr/>
-          <a:lstStyle>
-            <a:lvl1pPr defTabSz="795527">
-              <a:defRPr sz="2262"/>
-            </a:lvl1pPr>
-          </a:lstStyle>
-          <a:p>
-            <a:r>
-              <a:t>Else statement with For</a:t>
-            </a:r>
-          </a:p>
-        </p:txBody>
-      </p:sp>
-      <p:sp>
-        <p:nvSpPr>
-          <p:cNvPr id="182" name="Text Placeholder 2"/>
-          <p:cNvSpPr txBox="1">
-            <a:spLocks noGrp="1"/>
-          </p:cNvSpPr>
-          <p:nvPr>
-            <p:ph type="body" sz="half" idx="1"/>
-          </p:nvPr>
-        </p:nvSpPr>
-        <p:spPr>
-          <a:xfrm>
-            <a:off x="729449" y="2078875"/>
-            <a:ext cx="6867692" cy="1898764"/>
-          </a:xfrm>
-          <a:prstGeom prst="rect">
-            <a:avLst/>
-          </a:prstGeom>
-          <a:solidFill>
-            <a:srgbClr val="535353"/>
-          </a:solidFill>
-        </p:spPr>
-        <p:txBody>
-          <a:bodyPr/>
-          <a:lstStyle/>
-          <a:p>
-            <a:pPr marL="311150" indent="-165100">
-              <a:buSzTx/>
-              <a:buNone/>
-              <a:defRPr>
-                <a:solidFill>
-                  <a:srgbClr val="FFFFFF"/>
-                </a:solidFill>
-              </a:defRPr>
-            </a:pPr>
-            <a:r>
-              <a:t>numbers=[1,2,3,4,5]</a:t>
-            </a:r>
-          </a:p>
-          <a:p>
-            <a:pPr marL="311150" indent="-165100">
-              <a:buSzTx/>
-              <a:buNone/>
-              <a:defRPr>
-                <a:solidFill>
-                  <a:srgbClr val="FFFFFF"/>
-                </a:solidFill>
-              </a:defRPr>
-            </a:pPr>
-            <a:r>
-              <a:t>else: </a:t>
-            </a:r>
-          </a:p>
-          <a:p>
-            <a:pPr marL="311150" indent="-165100">
-              <a:buSzTx/>
-              <a:buNone/>
-              <a:defRPr>
-                <a:solidFill>
-                  <a:srgbClr val="FFFFFF"/>
-                </a:solidFill>
-              </a:defRPr>
-            </a:pPr>
-            <a:r>
-              <a:t>	print count, " is not less than 5"</a:t>
-            </a:r>
-          </a:p>
-        </p:txBody>
-      </p:sp>
-    </p:spTree>
-  </p:cSld>
-  <p:clrMapOvr>
-    <a:masterClrMapping/>
-  </p:clrMapOvr>
-  <p:transition spd="med"/>
-</p:sld>
-</file>
-
-<file path=ppt/slides/slide22.xml><?xml version="1.0" encoding="utf-8"?>
-<p:sld xmlns:a="http://schemas.openxmlformats.org/drawingml/2006/main" xmlns:r="http://schemas.openxmlformats.org/officeDocument/2006/relationships" xmlns:p="http://schemas.openxmlformats.org/presentationml/2006/main">
-  <p:cSld>
-    <p:spTree>
-      <p:nvGrpSpPr>
-        <p:cNvPr id="1" name=""/>
-        <p:cNvGrpSpPr/>
-        <p:nvPr/>
-      </p:nvGrpSpPr>
-      <p:grpSpPr>
-        <a:xfrm>
-          <a:off x="0" y="0"/>
-          <a:ext cx="0" cy="0"/>
-          <a:chOff x="0" y="0"/>
-          <a:chExt cx="0" cy="0"/>
-        </a:xfrm>
-      </p:grpSpPr>
-      <p:sp>
-        <p:nvSpPr>
-          <p:cNvPr id="184" name="Title 1"/>
-          <p:cNvSpPr txBox="1">
-            <a:spLocks noGrp="1"/>
-          </p:cNvSpPr>
-          <p:nvPr>
-            <p:ph type="title"/>
-          </p:nvPr>
-        </p:nvSpPr>
-        <p:spPr>
-          <a:xfrm>
-            <a:off x="729450" y="1318650"/>
-            <a:ext cx="7688699" cy="535201"/>
-          </a:xfrm>
-          <a:prstGeom prst="rect">
-            <a:avLst/>
-          </a:prstGeom>
-        </p:spPr>
-        <p:txBody>
-          <a:bodyPr/>
-          <a:lstStyle>
-            <a:lvl1pPr defTabSz="795527">
-              <a:defRPr sz="2262"/>
-            </a:lvl1pPr>
-          </a:lstStyle>
-          <a:p>
-            <a:r>
-              <a:t>Nesting Loops</a:t>
-            </a:r>
-          </a:p>
-        </p:txBody>
-      </p:sp>
-      <p:sp>
-        <p:nvSpPr>
-          <p:cNvPr id="185" name="Text Placeholder 2"/>
-          <p:cNvSpPr txBox="1">
-            <a:spLocks noGrp="1"/>
-          </p:cNvSpPr>
-          <p:nvPr>
-            <p:ph type="body" sz="quarter" idx="1"/>
-          </p:nvPr>
-        </p:nvSpPr>
-        <p:spPr>
-          <a:xfrm>
-            <a:off x="739140" y="2056015"/>
-            <a:ext cx="2948940" cy="2261100"/>
-          </a:xfrm>
-          <a:prstGeom prst="rect">
-            <a:avLst/>
-          </a:prstGeom>
-          <a:solidFill>
-            <a:srgbClr val="313131"/>
-          </a:solidFill>
-        </p:spPr>
-        <p:txBody>
-          <a:bodyPr/>
-          <a:lstStyle/>
-          <a:p>
-            <a:pPr marL="311150" indent="-165100">
-              <a:buSzTx/>
-              <a:buNone/>
-              <a:defRPr>
-                <a:solidFill>
-                  <a:srgbClr val="FFFFFF"/>
-                </a:solidFill>
-              </a:defRPr>
-            </a:pPr>
-            <a:r>
-              <a:t>for iterating_var in sequence: </a:t>
-            </a:r>
-          </a:p>
-          <a:p>
-            <a:pPr marL="311150" indent="-165100">
-              <a:buSzTx/>
-              <a:buNone/>
-              <a:defRPr>
-                <a:solidFill>
-                  <a:srgbClr val="FFFFFF"/>
-                </a:solidFill>
-              </a:defRPr>
-            </a:pPr>
-            <a:r>
-              <a:t>	for iterating_var in sequence: </a:t>
-            </a:r>
-          </a:p>
-          <a:p>
-            <a:pPr marL="311150" indent="-165100">
-              <a:buSzTx/>
-              <a:buNone/>
-              <a:defRPr>
-                <a:solidFill>
-                  <a:srgbClr val="FFFFFF"/>
-                </a:solidFill>
-              </a:defRPr>
-            </a:pPr>
-            <a:r>
-              <a:t>		statements(s) </a:t>
-            </a:r>
-          </a:p>
-          <a:p>
-            <a:pPr marL="311150" indent="-165100">
-              <a:buSzTx/>
-              <a:buNone/>
-              <a:defRPr>
-                <a:solidFill>
-                  <a:srgbClr val="FFFFFF"/>
-                </a:solidFill>
-              </a:defRPr>
-            </a:pPr>
-            <a:r>
-              <a:t>	statements(s)</a:t>
-            </a:r>
-          </a:p>
-        </p:txBody>
-      </p:sp>
-      <p:grpSp>
-        <p:nvGrpSpPr>
-          <p:cNvPr id="188" name="Text Placeholder 2"/>
-          <p:cNvGrpSpPr/>
-          <p:nvPr/>
-        </p:nvGrpSpPr>
-        <p:grpSpPr>
-          <a:xfrm>
-            <a:off x="4427220" y="2033154"/>
-            <a:ext cx="2948941" cy="2261101"/>
-            <a:chOff x="0" y="0"/>
-            <a:chExt cx="2948939" cy="2261099"/>
-          </a:xfrm>
-        </p:grpSpPr>
-        <p:sp>
-          <p:nvSpPr>
-            <p:cNvPr id="186" name="Rectangle"/>
-            <p:cNvSpPr/>
-            <p:nvPr/>
-          </p:nvSpPr>
-          <p:spPr>
-            <a:xfrm>
-              <a:off x="0" y="0"/>
-              <a:ext cx="2948940" cy="2261100"/>
-            </a:xfrm>
-            <a:prstGeom prst="rect">
-              <a:avLst/>
-            </a:prstGeom>
-            <a:solidFill>
-              <a:srgbClr val="535353"/>
-            </a:solidFill>
-            <a:ln w="12700" cap="flat">
-              <a:noFill/>
-              <a:miter lim="400000"/>
-            </a:ln>
-            <a:effectLst/>
-          </p:spPr>
-          <p:txBody>
-            <a:bodyPr wrap="square" lIns="45719" tIns="45719" rIns="45719" bIns="45719" numCol="1" anchor="t">
-              <a:noAutofit/>
-            </a:bodyPr>
-            <a:lstStyle/>
-            <a:p>
-              <a:pPr marL="311150" indent="-311150">
-                <a:lnSpc>
-                  <a:spcPct val="115000"/>
-                </a:lnSpc>
-                <a:defRPr sz="1300">
-                  <a:solidFill>
-                    <a:srgbClr val="FFFFFF"/>
-                  </a:solidFill>
-                  <a:latin typeface="Museo Sans 700"/>
-                  <a:ea typeface="Museo Sans 700"/>
-                  <a:cs typeface="Museo Sans 700"/>
-                  <a:sym typeface="Museo Sans 700"/>
-                </a:defRPr>
-              </a:pPr>
-              <a:endParaRPr/>
-            </a:p>
-          </p:txBody>
-        </p:sp>
-        <p:sp>
-          <p:nvSpPr>
-            <p:cNvPr id="187" name="while expression:…"/>
-            <p:cNvSpPr txBox="1"/>
-            <p:nvPr/>
-          </p:nvSpPr>
-          <p:spPr>
-            <a:xfrm>
-              <a:off x="0" y="0"/>
-              <a:ext cx="2948940" cy="1030575"/>
-            </a:xfrm>
-            <a:prstGeom prst="rect">
-              <a:avLst/>
-            </a:prstGeom>
-            <a:noFill/>
-            <a:ln w="12700" cap="flat">
-              <a:noFill/>
-              <a:miter lim="400000"/>
-            </a:ln>
-            <a:effectLst/>
-            <a:extLst>
-              <a:ext uri="{C572A759-6A51-4108-AA02-DFA0A04FC94B}">
-                <ma14:wrappingTextBoxFlag xmlns:ma14="http://schemas.microsoft.com/office/mac/drawingml/2011/main" xmlns:a14="http://schemas.microsoft.com/office/drawing/2010/main" xmlns:m="http://schemas.openxmlformats.org/officeDocument/2006/math" xmlns="" val="1"/>
-              </a:ext>
-            </a:extLst>
-          </p:spPr>
-          <p:txBody>
-            <a:bodyPr wrap="square" lIns="91424" tIns="91424" rIns="91424" bIns="91424" numCol="1" anchor="t">
-              <a:spAutoFit/>
-            </a:bodyPr>
-            <a:lstStyle/>
-            <a:p>
-              <a:pPr marL="311150" indent="-165100">
-                <a:lnSpc>
-                  <a:spcPct val="115000"/>
-                </a:lnSpc>
-                <a:defRPr sz="1300">
-                  <a:solidFill>
-                    <a:srgbClr val="FFFFFF"/>
-                  </a:solidFill>
-                  <a:latin typeface="Museo Sans 700"/>
-                  <a:ea typeface="Museo Sans 700"/>
-                  <a:cs typeface="Museo Sans 700"/>
-                  <a:sym typeface="Museo Sans 700"/>
-                </a:defRPr>
-              </a:pPr>
-              <a:r>
-                <a:t>while expression:</a:t>
-              </a:r>
-              <a:endParaRPr>
-                <a:solidFill>
-                  <a:srgbClr val="000000"/>
-                </a:solidFill>
-              </a:endParaRPr>
-            </a:p>
-            <a:p>
-              <a:pPr marL="311150" indent="-165100">
-                <a:lnSpc>
-                  <a:spcPct val="115000"/>
-                </a:lnSpc>
-                <a:defRPr sz="1300">
-                  <a:solidFill>
-                    <a:srgbClr val="FFFFFF"/>
-                  </a:solidFill>
-                  <a:latin typeface="Museo Sans 700"/>
-                  <a:ea typeface="Museo Sans 700"/>
-                  <a:cs typeface="Museo Sans 700"/>
-                  <a:sym typeface="Museo Sans 700"/>
-                </a:defRPr>
-              </a:pPr>
-              <a:r>
-                <a:t>	while expression:</a:t>
-              </a:r>
-              <a:endParaRPr>
-                <a:solidFill>
-                  <a:srgbClr val="000000"/>
-                </a:solidFill>
-              </a:endParaRPr>
-            </a:p>
-            <a:p>
-              <a:pPr marL="311150" indent="-165100">
-                <a:lnSpc>
-                  <a:spcPct val="115000"/>
-                </a:lnSpc>
-                <a:defRPr sz="1300">
-                  <a:solidFill>
-                    <a:srgbClr val="FFFFFF"/>
-                  </a:solidFill>
-                  <a:latin typeface="Museo Sans 700"/>
-                  <a:ea typeface="Museo Sans 700"/>
-                  <a:cs typeface="Museo Sans 700"/>
-                  <a:sym typeface="Museo Sans 700"/>
-                </a:defRPr>
-              </a:pPr>
-              <a:r>
-                <a:t>		statements(s)</a:t>
-              </a:r>
-              <a:endParaRPr>
-                <a:solidFill>
-                  <a:srgbClr val="000000"/>
-                </a:solidFill>
-              </a:endParaRPr>
-            </a:p>
-            <a:p>
-              <a:pPr marL="311150" indent="-165100">
-                <a:lnSpc>
-                  <a:spcPct val="115000"/>
-                </a:lnSpc>
-                <a:defRPr sz="1300">
-                  <a:solidFill>
-                    <a:srgbClr val="FFFFFF"/>
-                  </a:solidFill>
-                  <a:latin typeface="Museo Sans 700"/>
-                  <a:ea typeface="Museo Sans 700"/>
-                  <a:cs typeface="Museo Sans 700"/>
-                  <a:sym typeface="Museo Sans 700"/>
-                </a:defRPr>
-              </a:pPr>
-              <a:r>
-                <a:t>	statements(s)</a:t>
-              </a:r>
-            </a:p>
-          </p:txBody>
-        </p:sp>
-      </p:grpSp>
-    </p:spTree>
-  </p:cSld>
-  <p:clrMapOvr>
-    <a:masterClrMapping/>
-  </p:clrMapOvr>
-  <p:transition spd="med"/>
-</p:sld>
-</file>
-
-<file path=ppt/slides/slide23.xml><?xml version="1.0" encoding="utf-8"?>
-<p:sld xmlns:a="http://schemas.openxmlformats.org/drawingml/2006/main" xmlns:r="http://schemas.openxmlformats.org/officeDocument/2006/relationships" xmlns:p="http://schemas.openxmlformats.org/presentationml/2006/main">
-  <p:cSld>
-    <p:spTree>
-      <p:nvGrpSpPr>
-        <p:cNvPr id="1" name=""/>
-        <p:cNvGrpSpPr/>
-        <p:nvPr/>
-      </p:nvGrpSpPr>
-      <p:grpSpPr>
-        <a:xfrm>
-          <a:off x="0" y="0"/>
-          <a:ext cx="0" cy="0"/>
-          <a:chOff x="0" y="0"/>
-          <a:chExt cx="0" cy="0"/>
-        </a:xfrm>
-      </p:grpSpPr>
-      <p:sp>
-        <p:nvSpPr>
-          <p:cNvPr id="190" name="Title 1"/>
-          <p:cNvSpPr txBox="1">
-            <a:spLocks noGrp="1"/>
-          </p:cNvSpPr>
-          <p:nvPr>
-            <p:ph type="title"/>
-          </p:nvPr>
-        </p:nvSpPr>
-        <p:spPr>
-          <a:xfrm>
-            <a:off x="729450" y="1318650"/>
-            <a:ext cx="7688699" cy="535201"/>
-          </a:xfrm>
-          <a:prstGeom prst="rect">
-            <a:avLst/>
-          </a:prstGeom>
-        </p:spPr>
-        <p:txBody>
-          <a:bodyPr/>
-          <a:lstStyle/>
-          <a:p>
-            <a:pPr defTabSz="795527">
-              <a:defRPr sz="2262"/>
-            </a:pPr>
-            <a:endParaRPr/>
-          </a:p>
-        </p:txBody>
-      </p:sp>
-      <p:sp>
-        <p:nvSpPr>
-          <p:cNvPr id="191" name="Text Placeholder 2"/>
-          <p:cNvSpPr txBox="1">
-            <a:spLocks noGrp="1"/>
-          </p:cNvSpPr>
-          <p:nvPr>
-            <p:ph type="body" idx="1"/>
-          </p:nvPr>
-        </p:nvSpPr>
-        <p:spPr>
-          <a:xfrm>
-            <a:off x="729450" y="2078874"/>
-            <a:ext cx="7688699" cy="2561706"/>
-          </a:xfrm>
-          <a:prstGeom prst="rect">
-            <a:avLst/>
-          </a:prstGeom>
-          <a:solidFill>
-            <a:srgbClr val="1A1A1A"/>
-          </a:solidFill>
-        </p:spPr>
-        <p:txBody>
-          <a:bodyPr/>
-          <a:lstStyle/>
-          <a:p>
-            <a:pPr marL="311150" indent="-165100">
-              <a:buSzTx/>
-              <a:buNone/>
-              <a:defRPr>
-                <a:solidFill>
-                  <a:srgbClr val="FFFFFF"/>
-                </a:solidFill>
-              </a:defRPr>
-            </a:pPr>
-            <a:r>
-              <a:t>i = 2 </a:t>
-            </a:r>
-          </a:p>
-          <a:p>
-            <a:pPr marL="311150" indent="-165100">
-              <a:buSzTx/>
-              <a:buNone/>
-              <a:defRPr>
-                <a:solidFill>
-                  <a:srgbClr val="FFFFFF"/>
-                </a:solidFill>
-              </a:defRPr>
-            </a:pPr>
-            <a:r>
-              <a:t>while(i &lt; 100):</a:t>
-            </a:r>
-          </a:p>
-          <a:p>
-            <a:pPr marL="311150" indent="-165100">
-              <a:buSzTx/>
-              <a:buNone/>
-              <a:defRPr>
-                <a:solidFill>
-                  <a:srgbClr val="FFFFFF"/>
-                </a:solidFill>
-              </a:defRPr>
-            </a:pPr>
-            <a:r>
-              <a:t>	 j = 2 </a:t>
-            </a:r>
-          </a:p>
-          <a:p>
-            <a:pPr marL="311150" indent="-165100">
-              <a:buSzTx/>
-              <a:buNone/>
-              <a:defRPr>
-                <a:solidFill>
-                  <a:srgbClr val="FFFFFF"/>
-                </a:solidFill>
-              </a:defRPr>
-            </a:pPr>
-            <a:r>
-              <a:t>	while(j &lt;= (i/j)): </a:t>
-            </a:r>
-          </a:p>
-          <a:p>
-            <a:pPr marL="311150" indent="-165100">
-              <a:buSzTx/>
-              <a:buNone/>
-              <a:defRPr>
-                <a:solidFill>
-                  <a:srgbClr val="FFFFFF"/>
-                </a:solidFill>
-              </a:defRPr>
-            </a:pPr>
-            <a:r>
-              <a:t>		if not(i%j): break </a:t>
-            </a:r>
-          </a:p>
-          <a:p>
-            <a:pPr marL="311150" indent="-165100">
-              <a:buSzTx/>
-              <a:buNone/>
-              <a:defRPr>
-                <a:solidFill>
-                  <a:srgbClr val="FFFFFF"/>
-                </a:solidFill>
-              </a:defRPr>
-            </a:pPr>
-            <a:r>
-              <a:t>		j = j + 1 </a:t>
-            </a:r>
-          </a:p>
-          <a:p>
-            <a:pPr marL="311150" indent="-165100">
-              <a:buSzTx/>
-              <a:buNone/>
-              <a:defRPr>
-                <a:solidFill>
-                  <a:srgbClr val="FFFFFF"/>
-                </a:solidFill>
-              </a:defRPr>
-            </a:pPr>
-            <a:r>
-              <a:t>		if (j &gt; i/j) : </a:t>
-            </a:r>
-          </a:p>
-          <a:p>
-            <a:pPr marL="311150" indent="-165100">
-              <a:buSzTx/>
-              <a:buNone/>
-              <a:defRPr>
-                <a:solidFill>
-                  <a:srgbClr val="FFFFFF"/>
-                </a:solidFill>
-              </a:defRPr>
-            </a:pPr>
-            <a:r>
-              <a:t>		print (i, " is prime" )</a:t>
-            </a:r>
-          </a:p>
-          <a:p>
-            <a:pPr marL="311150" indent="-165100">
-              <a:buSzTx/>
-              <a:buNone/>
-              <a:defRPr>
-                <a:solidFill>
-                  <a:srgbClr val="FFFFFF"/>
-                </a:solidFill>
-              </a:defRPr>
-            </a:pPr>
-            <a:r>
-              <a:t>	i = i + 1 </a:t>
-            </a:r>
-            <a:br/>
-            <a:endParaRPr/>
-          </a:p>
-        </p:txBody>
-      </p:sp>
-    </p:spTree>
-  </p:cSld>
-  <p:clrMapOvr>
-    <a:masterClrMapping/>
-  </p:clrMapOvr>
-  <p:transition spd="med"/>
-</p:sld>
-</file>
-
-<file path=ppt/slides/slide24.xml><?xml version="1.0" encoding="utf-8"?>
-<p:sld xmlns:a="http://schemas.openxmlformats.org/drawingml/2006/main" xmlns:r="http://schemas.openxmlformats.org/officeDocument/2006/relationships" xmlns:p="http://schemas.openxmlformats.org/presentationml/2006/main">
-  <p:cSld>
-    <p:spTree>
-      <p:nvGrpSpPr>
-        <p:cNvPr id="1" name=""/>
-        <p:cNvGrpSpPr/>
-        <p:nvPr/>
-      </p:nvGrpSpPr>
-      <p:grpSpPr>
-        <a:xfrm>
-          <a:off x="0" y="0"/>
-          <a:ext cx="0" cy="0"/>
-          <a:chOff x="0" y="0"/>
-          <a:chExt cx="0" cy="0"/>
-        </a:xfrm>
-      </p:grpSpPr>
-      <p:sp>
-        <p:nvSpPr>
-          <p:cNvPr id="193" name="Title 1"/>
-          <p:cNvSpPr txBox="1">
-            <a:spLocks noGrp="1"/>
-          </p:cNvSpPr>
-          <p:nvPr>
-            <p:ph type="title"/>
-          </p:nvPr>
-        </p:nvSpPr>
-        <p:spPr>
-          <a:xfrm>
-            <a:off x="729450" y="1318650"/>
-            <a:ext cx="7688699" cy="535201"/>
-          </a:xfrm>
-          <a:prstGeom prst="rect">
-            <a:avLst/>
-          </a:prstGeom>
-        </p:spPr>
-        <p:txBody>
-          <a:bodyPr/>
-          <a:lstStyle/>
-          <a:p>
-            <a:pPr defTabSz="795527">
-              <a:defRPr sz="2262"/>
-            </a:pPr>
-            <a:endParaRPr/>
-          </a:p>
-        </p:txBody>
-      </p:sp>
-      <p:sp>
-        <p:nvSpPr>
-          <p:cNvPr id="194" name="Text Placeholder 2"/>
-          <p:cNvSpPr txBox="1">
-            <a:spLocks noGrp="1"/>
-          </p:cNvSpPr>
-          <p:nvPr>
-            <p:ph type="body" sz="half" idx="1"/>
-          </p:nvPr>
-        </p:nvSpPr>
-        <p:spPr>
-          <a:xfrm>
-            <a:off x="729450" y="2078875"/>
-            <a:ext cx="7688699" cy="2261101"/>
-          </a:xfrm>
-          <a:prstGeom prst="rect">
-            <a:avLst/>
-          </a:prstGeom>
-        </p:spPr>
-        <p:txBody>
-          <a:bodyPr/>
-          <a:lstStyle/>
-          <a:p>
-            <a:endParaRPr/>
-          </a:p>
-        </p:txBody>
-      </p:sp>
     </p:spTree>
   </p:cSld>
   <p:clrMapOvr>
@@ -6363,9 +4165,27 @@
                 <a:tableStyleId>{4C3C2611-4C71-4FC5-86AE-919BDF0F9419}</a:tableStyleId>
               </a:tblPr>
               <a:tblGrid>
-                <a:gridCol w="981393"/>
-                <a:gridCol w="2953115"/>
-                <a:gridCol w="3329941"/>
+                <a:gridCol w="981393">
+                  <a:extLst>
+                    <a:ext uri="{9D8B030D-6E8A-4147-A177-3AD203B41FA5}">
+                      <a16:colId xmlns:a16="http://schemas.microsoft.com/office/drawing/2014/main" val="20000"/>
+                    </a:ext>
+                  </a:extLst>
+                </a:gridCol>
+                <a:gridCol w="2953115">
+                  <a:extLst>
+                    <a:ext uri="{9D8B030D-6E8A-4147-A177-3AD203B41FA5}">
+                      <a16:colId xmlns:a16="http://schemas.microsoft.com/office/drawing/2014/main" val="20001"/>
+                    </a:ext>
+                  </a:extLst>
+                </a:gridCol>
+                <a:gridCol w="3329941">
+                  <a:extLst>
+                    <a:ext uri="{9D8B030D-6E8A-4147-A177-3AD203B41FA5}">
+                      <a16:colId xmlns:a16="http://schemas.microsoft.com/office/drawing/2014/main" val="20002"/>
+                    </a:ext>
+                  </a:extLst>
+                </a:gridCol>
               </a:tblGrid>
               <a:tr h="370840">
                 <a:tc>
@@ -6461,6 +4281,11 @@
                     </a:lnB>
                   </a:tcPr>
                 </a:tc>
+                <a:extLst>
+                  <a:ext uri="{0D108BD9-81ED-4DB2-BD59-A6C34878D82A}">
+                    <a16:rowId xmlns:a16="http://schemas.microsoft.com/office/drawing/2014/main" val="10000"/>
+                  </a:ext>
+                </a:extLst>
               </a:tr>
               <a:tr h="370840">
                 <a:tc>
@@ -6556,6 +4381,11 @@
                     </a:lnT>
                   </a:tcPr>
                 </a:tc>
+                <a:extLst>
+                  <a:ext uri="{0D108BD9-81ED-4DB2-BD59-A6C34878D82A}">
+                    <a16:rowId xmlns:a16="http://schemas.microsoft.com/office/drawing/2014/main" val="10001"/>
+                  </a:ext>
+                </a:extLst>
               </a:tr>
               <a:tr h="370840">
                 <a:tc>
@@ -6625,6 +4455,11 @@
                   </a:txBody>
                   <a:tcPr marL="45720" marR="45720" horzOverflow="overflow"/>
                 </a:tc>
+                <a:extLst>
+                  <a:ext uri="{0D108BD9-81ED-4DB2-BD59-A6C34878D82A}">
+                    <a16:rowId xmlns:a16="http://schemas.microsoft.com/office/drawing/2014/main" val="10002"/>
+                  </a:ext>
+                </a:extLst>
               </a:tr>
               <a:tr h="370840">
                 <a:tc>
@@ -6702,6 +4537,11 @@
                   </a:txBody>
                   <a:tcPr marL="45720" marR="45720" horzOverflow="overflow"/>
                 </a:tc>
+                <a:extLst>
+                  <a:ext uri="{0D108BD9-81ED-4DB2-BD59-A6C34878D82A}">
+                    <a16:rowId xmlns:a16="http://schemas.microsoft.com/office/drawing/2014/main" val="10003"/>
+                  </a:ext>
+                </a:extLst>
               </a:tr>
               <a:tr h="370840">
                 <a:tc>
@@ -6779,6 +4619,11 @@
                   </a:txBody>
                   <a:tcPr marL="45720" marR="45720" horzOverflow="overflow"/>
                 </a:tc>
+                <a:extLst>
+                  <a:ext uri="{0D108BD9-81ED-4DB2-BD59-A6C34878D82A}">
+                    <a16:rowId xmlns:a16="http://schemas.microsoft.com/office/drawing/2014/main" val="10004"/>
+                  </a:ext>
+                </a:extLst>
               </a:tr>
               <a:tr h="370840">
                 <a:tc>
@@ -6856,6 +4701,11 @@
                   </a:txBody>
                   <a:tcPr marL="45720" marR="45720" horzOverflow="overflow"/>
                 </a:tc>
+                <a:extLst>
+                  <a:ext uri="{0D108BD9-81ED-4DB2-BD59-A6C34878D82A}">
+                    <a16:rowId xmlns:a16="http://schemas.microsoft.com/office/drawing/2014/main" val="10005"/>
+                  </a:ext>
+                </a:extLst>
               </a:tr>
             </a:tbl>
           </a:graphicData>
@@ -6937,9 +4787,27 @@
                 <a:tableStyleId>{4C3C2611-4C71-4FC5-86AE-919BDF0F9419}</a:tableStyleId>
               </a:tblPr>
               <a:tblGrid>
-                <a:gridCol w="981393"/>
-                <a:gridCol w="2953115"/>
-                <a:gridCol w="3329941"/>
+                <a:gridCol w="981393">
+                  <a:extLst>
+                    <a:ext uri="{9D8B030D-6E8A-4147-A177-3AD203B41FA5}">
+                      <a16:colId xmlns:a16="http://schemas.microsoft.com/office/drawing/2014/main" val="20000"/>
+                    </a:ext>
+                  </a:extLst>
+                </a:gridCol>
+                <a:gridCol w="2953115">
+                  <a:extLst>
+                    <a:ext uri="{9D8B030D-6E8A-4147-A177-3AD203B41FA5}">
+                      <a16:colId xmlns:a16="http://schemas.microsoft.com/office/drawing/2014/main" val="20001"/>
+                    </a:ext>
+                  </a:extLst>
+                </a:gridCol>
+                <a:gridCol w="3329941">
+                  <a:extLst>
+                    <a:ext uri="{9D8B030D-6E8A-4147-A177-3AD203B41FA5}">
+                      <a16:colId xmlns:a16="http://schemas.microsoft.com/office/drawing/2014/main" val="20002"/>
+                    </a:ext>
+                  </a:extLst>
+                </a:gridCol>
               </a:tblGrid>
               <a:tr h="370840">
                 <a:tc>
@@ -7035,6 +4903,11 @@
                     </a:lnB>
                   </a:tcPr>
                 </a:tc>
+                <a:extLst>
+                  <a:ext uri="{0D108BD9-81ED-4DB2-BD59-A6C34878D82A}">
+                    <a16:rowId xmlns:a16="http://schemas.microsoft.com/office/drawing/2014/main" val="10000"/>
+                  </a:ext>
+                </a:extLst>
               </a:tr>
               <a:tr h="370840">
                 <a:tc>
@@ -7130,6 +5003,11 @@
                     </a:lnT>
                   </a:tcPr>
                 </a:tc>
+                <a:extLst>
+                  <a:ext uri="{0D108BD9-81ED-4DB2-BD59-A6C34878D82A}">
+                    <a16:rowId xmlns:a16="http://schemas.microsoft.com/office/drawing/2014/main" val="10001"/>
+                  </a:ext>
+                </a:extLst>
               </a:tr>
               <a:tr h="370840">
                 <a:tc>
@@ -7177,6 +5055,11 @@
                   </a:txBody>
                   <a:tcPr marL="45720" marR="45720" horzOverflow="overflow"/>
                 </a:tc>
+                <a:extLst>
+                  <a:ext uri="{0D108BD9-81ED-4DB2-BD59-A6C34878D82A}">
+                    <a16:rowId xmlns:a16="http://schemas.microsoft.com/office/drawing/2014/main" val="10002"/>
+                  </a:ext>
+                </a:extLst>
               </a:tr>
               <a:tr h="370840">
                 <a:tc>
@@ -7246,6 +5129,11 @@
                   </a:txBody>
                   <a:tcPr marL="45720" marR="45720" horzOverflow="overflow"/>
                 </a:tc>
+                <a:extLst>
+                  <a:ext uri="{0D108BD9-81ED-4DB2-BD59-A6C34878D82A}">
+                    <a16:rowId xmlns:a16="http://schemas.microsoft.com/office/drawing/2014/main" val="10003"/>
+                  </a:ext>
+                </a:extLst>
               </a:tr>
               <a:tr h="370840">
                 <a:tc>
@@ -7323,6 +5211,11 @@
                   </a:txBody>
                   <a:tcPr marL="45720" marR="45720" horzOverflow="overflow"/>
                 </a:tc>
+                <a:extLst>
+                  <a:ext uri="{0D108BD9-81ED-4DB2-BD59-A6C34878D82A}">
+                    <a16:rowId xmlns:a16="http://schemas.microsoft.com/office/drawing/2014/main" val="10004"/>
+                  </a:ext>
+                </a:extLst>
               </a:tr>
             </a:tbl>
           </a:graphicData>
@@ -7404,9 +5297,27 @@
                 <a:tableStyleId>{4C3C2611-4C71-4FC5-86AE-919BDF0F9419}</a:tableStyleId>
               </a:tblPr>
               <a:tblGrid>
-                <a:gridCol w="981393"/>
-                <a:gridCol w="2953115"/>
-                <a:gridCol w="3329941"/>
+                <a:gridCol w="981393">
+                  <a:extLst>
+                    <a:ext uri="{9D8B030D-6E8A-4147-A177-3AD203B41FA5}">
+                      <a16:colId xmlns:a16="http://schemas.microsoft.com/office/drawing/2014/main" val="20000"/>
+                    </a:ext>
+                  </a:extLst>
+                </a:gridCol>
+                <a:gridCol w="2953115">
+                  <a:extLst>
+                    <a:ext uri="{9D8B030D-6E8A-4147-A177-3AD203B41FA5}">
+                      <a16:colId xmlns:a16="http://schemas.microsoft.com/office/drawing/2014/main" val="20001"/>
+                    </a:ext>
+                  </a:extLst>
+                </a:gridCol>
+                <a:gridCol w="3329941">
+                  <a:extLst>
+                    <a:ext uri="{9D8B030D-6E8A-4147-A177-3AD203B41FA5}">
+                      <a16:colId xmlns:a16="http://schemas.microsoft.com/office/drawing/2014/main" val="20002"/>
+                    </a:ext>
+                  </a:extLst>
+                </a:gridCol>
               </a:tblGrid>
               <a:tr h="370840">
                 <a:tc>
@@ -7502,6 +5413,11 @@
                     </a:lnB>
                   </a:tcPr>
                 </a:tc>
+                <a:extLst>
+                  <a:ext uri="{0D108BD9-81ED-4DB2-BD59-A6C34878D82A}">
+                    <a16:rowId xmlns:a16="http://schemas.microsoft.com/office/drawing/2014/main" val="10000"/>
+                  </a:ext>
+                </a:extLst>
               </a:tr>
               <a:tr h="370840">
                 <a:tc>
@@ -7597,6 +5513,11 @@
                     </a:lnT>
                   </a:tcPr>
                 </a:tc>
+                <a:extLst>
+                  <a:ext uri="{0D108BD9-81ED-4DB2-BD59-A6C34878D82A}">
+                    <a16:rowId xmlns:a16="http://schemas.microsoft.com/office/drawing/2014/main" val="10001"/>
+                  </a:ext>
+                </a:extLst>
               </a:tr>
               <a:tr h="370840">
                 <a:tc>
@@ -7674,6 +5595,11 @@
                   </a:txBody>
                   <a:tcPr marL="45720" marR="45720" horzOverflow="overflow"/>
                 </a:tc>
+                <a:extLst>
+                  <a:ext uri="{0D108BD9-81ED-4DB2-BD59-A6C34878D82A}">
+                    <a16:rowId xmlns:a16="http://schemas.microsoft.com/office/drawing/2014/main" val="10002"/>
+                  </a:ext>
+                </a:extLst>
               </a:tr>
             </a:tbl>
           </a:graphicData>
@@ -7787,554 +5713,6 @@
           </a:p>
         </p:txBody>
       </p:sp>
-    </p:spTree>
-  </p:cSld>
-  <p:clrMapOvr>
-    <a:masterClrMapping/>
-  </p:clrMapOvr>
-  <p:transition spd="med"/>
-</p:sld>
-</file>
-
-<file path=ppt/slides/slide7.xml><?xml version="1.0" encoding="utf-8"?>
-<p:sld xmlns:a="http://schemas.openxmlformats.org/drawingml/2006/main" xmlns:r="http://schemas.openxmlformats.org/officeDocument/2006/relationships" xmlns:p="http://schemas.openxmlformats.org/presentationml/2006/main">
-  <p:cSld>
-    <p:spTree>
-      <p:nvGrpSpPr>
-        <p:cNvPr id="1" name=""/>
-        <p:cNvGrpSpPr/>
-        <p:nvPr/>
-      </p:nvGrpSpPr>
-      <p:grpSpPr>
-        <a:xfrm>
-          <a:off x="0" y="0"/>
-          <a:ext cx="0" cy="0"/>
-          <a:chOff x="0" y="0"/>
-          <a:chExt cx="0" cy="0"/>
-        </a:xfrm>
-      </p:grpSpPr>
-      <p:sp>
-        <p:nvSpPr>
-          <p:cNvPr id="133" name="Title 1"/>
-          <p:cNvSpPr txBox="1">
-            <a:spLocks noGrp="1"/>
-          </p:cNvSpPr>
-          <p:nvPr>
-            <p:ph type="title"/>
-          </p:nvPr>
-        </p:nvSpPr>
-        <p:spPr>
-          <a:xfrm>
-            <a:off x="729450" y="1318650"/>
-            <a:ext cx="7688699" cy="535201"/>
-          </a:xfrm>
-          <a:prstGeom prst="rect">
-            <a:avLst/>
-          </a:prstGeom>
-        </p:spPr>
-        <p:txBody>
-          <a:bodyPr/>
-          <a:lstStyle/>
-          <a:p>
-            <a:pPr defTabSz="365760">
-              <a:defRPr sz="1920"/>
-            </a:pPr>
-            <a:r>
-              <a:t>Conditional Statements</a:t>
-            </a:r>
-            <a:br/>
-            <a:endParaRPr/>
-          </a:p>
-        </p:txBody>
-      </p:sp>
-    </p:spTree>
-  </p:cSld>
-  <p:clrMapOvr>
-    <a:masterClrMapping/>
-  </p:clrMapOvr>
-  <p:transition spd="med"/>
-</p:sld>
-</file>
-
-<file path=ppt/slides/slide8.xml><?xml version="1.0" encoding="utf-8"?>
-<p:sld xmlns:a="http://schemas.openxmlformats.org/drawingml/2006/main" xmlns:r="http://schemas.openxmlformats.org/officeDocument/2006/relationships" xmlns:p="http://schemas.openxmlformats.org/presentationml/2006/main">
-  <p:cSld>
-    <p:spTree>
-      <p:nvGrpSpPr>
-        <p:cNvPr id="1" name=""/>
-        <p:cNvGrpSpPr/>
-        <p:nvPr/>
-      </p:nvGrpSpPr>
-      <p:grpSpPr>
-        <a:xfrm>
-          <a:off x="0" y="0"/>
-          <a:ext cx="0" cy="0"/>
-          <a:chOff x="0" y="0"/>
-          <a:chExt cx="0" cy="0"/>
-        </a:xfrm>
-      </p:grpSpPr>
-      <p:sp>
-        <p:nvSpPr>
-          <p:cNvPr id="135" name="Title 1"/>
-          <p:cNvSpPr txBox="1">
-            <a:spLocks noGrp="1"/>
-          </p:cNvSpPr>
-          <p:nvPr>
-            <p:ph type="title"/>
-          </p:nvPr>
-        </p:nvSpPr>
-        <p:spPr>
-          <a:xfrm>
-            <a:off x="729450" y="1318650"/>
-            <a:ext cx="7688699" cy="535201"/>
-          </a:xfrm>
-          <a:prstGeom prst="rect">
-            <a:avLst/>
-          </a:prstGeom>
-        </p:spPr>
-        <p:txBody>
-          <a:bodyPr/>
-          <a:lstStyle>
-            <a:lvl1pPr defTabSz="795527">
-              <a:defRPr sz="2262"/>
-            </a:lvl1pPr>
-          </a:lstStyle>
-          <a:p>
-            <a:r>
-              <a:t>IF Statement</a:t>
-            </a:r>
-          </a:p>
-        </p:txBody>
-      </p:sp>
-      <p:sp>
-        <p:nvSpPr>
-          <p:cNvPr id="136" name="Text Placeholder 2"/>
-          <p:cNvSpPr txBox="1">
-            <a:spLocks noGrp="1"/>
-          </p:cNvSpPr>
-          <p:nvPr>
-            <p:ph type="body" sz="quarter" idx="1"/>
-          </p:nvPr>
-        </p:nvSpPr>
-        <p:spPr>
-          <a:xfrm>
-            <a:off x="729449" y="1979815"/>
-            <a:ext cx="3171992" cy="2261100"/>
-          </a:xfrm>
-          <a:prstGeom prst="rect">
-            <a:avLst/>
-          </a:prstGeom>
-          <a:solidFill>
-            <a:srgbClr val="535353"/>
-          </a:solidFill>
-        </p:spPr>
-        <p:txBody>
-          <a:bodyPr/>
-          <a:lstStyle/>
-          <a:p>
-            <a:pPr marL="311150" indent="-165100">
-              <a:buSzTx/>
-              <a:buNone/>
-              <a:defRPr>
-                <a:solidFill>
-                  <a:srgbClr val="FFFFFF"/>
-                </a:solidFill>
-              </a:defRPr>
-            </a:pPr>
-            <a:r>
-              <a:t>if condition_1: </a:t>
-            </a:r>
-          </a:p>
-          <a:p>
-            <a:pPr marL="311150" indent="-165100">
-              <a:buSzTx/>
-              <a:buNone/>
-              <a:defRPr>
-                <a:solidFill>
-                  <a:srgbClr val="FFFFFF"/>
-                </a:solidFill>
-              </a:defRPr>
-            </a:pPr>
-            <a:r>
-              <a:t>	statement_block_1 </a:t>
-            </a:r>
-          </a:p>
-          <a:p>
-            <a:pPr marL="311150" indent="-165100">
-              <a:buSzTx/>
-              <a:buNone/>
-              <a:defRPr>
-                <a:solidFill>
-                  <a:srgbClr val="FFFFFF"/>
-                </a:solidFill>
-              </a:defRPr>
-            </a:pPr>
-            <a:r>
-              <a:t>else: </a:t>
-            </a:r>
-          </a:p>
-          <a:p>
-            <a:pPr marL="311150" indent="-165100">
-              <a:buSzTx/>
-              <a:buNone/>
-              <a:defRPr>
-                <a:solidFill>
-                  <a:srgbClr val="FFFFFF"/>
-                </a:solidFill>
-              </a:defRPr>
-            </a:pPr>
-            <a:r>
-              <a:t>	statement_block_2</a:t>
-            </a:r>
-          </a:p>
-        </p:txBody>
-      </p:sp>
-      <p:pic>
-        <p:nvPicPr>
-          <p:cNvPr id="137" name="Picture 2" descr="Picture 2"/>
-          <p:cNvPicPr>
-            <a:picLocks noChangeAspect="1"/>
-          </p:cNvPicPr>
-          <p:nvPr/>
-        </p:nvPicPr>
-        <p:blipFill>
-          <a:blip r:embed="rId2">
-            <a:extLst/>
-          </a:blip>
-          <a:stretch>
-            <a:fillRect/>
-          </a:stretch>
-        </p:blipFill>
-        <p:spPr>
-          <a:xfrm>
-            <a:off x="5428615" y="1243012"/>
-            <a:ext cx="2390776" cy="3057526"/>
-          </a:xfrm>
-          <a:prstGeom prst="rect">
-            <a:avLst/>
-          </a:prstGeom>
-          <a:ln w="12700">
-            <a:miter lim="400000"/>
-          </a:ln>
-        </p:spPr>
-      </p:pic>
-    </p:spTree>
-  </p:cSld>
-  <p:clrMapOvr>
-    <a:masterClrMapping/>
-  </p:clrMapOvr>
-  <p:transition spd="med"/>
-</p:sld>
-</file>
-
-<file path=ppt/slides/slide9.xml><?xml version="1.0" encoding="utf-8"?>
-<p:sld xmlns:a="http://schemas.openxmlformats.org/drawingml/2006/main" xmlns:r="http://schemas.openxmlformats.org/officeDocument/2006/relationships" xmlns:p="http://schemas.openxmlformats.org/presentationml/2006/main">
-  <p:cSld>
-    <p:spTree>
-      <p:nvGrpSpPr>
-        <p:cNvPr id="1" name=""/>
-        <p:cNvGrpSpPr/>
-        <p:nvPr/>
-      </p:nvGrpSpPr>
-      <p:grpSpPr>
-        <a:xfrm>
-          <a:off x="0" y="0"/>
-          <a:ext cx="0" cy="0"/>
-          <a:chOff x="0" y="0"/>
-          <a:chExt cx="0" cy="0"/>
-        </a:xfrm>
-      </p:grpSpPr>
-      <p:sp>
-        <p:nvSpPr>
-          <p:cNvPr id="139" name="Title 1"/>
-          <p:cNvSpPr txBox="1">
-            <a:spLocks noGrp="1"/>
-          </p:cNvSpPr>
-          <p:nvPr>
-            <p:ph type="title"/>
-          </p:nvPr>
-        </p:nvSpPr>
-        <p:spPr>
-          <a:xfrm>
-            <a:off x="729450" y="1318650"/>
-            <a:ext cx="7688699" cy="535201"/>
-          </a:xfrm>
-          <a:prstGeom prst="rect">
-            <a:avLst/>
-          </a:prstGeom>
-        </p:spPr>
-        <p:txBody>
-          <a:bodyPr/>
-          <a:lstStyle>
-            <a:lvl1pPr defTabSz="795527">
-              <a:defRPr sz="2262"/>
-            </a:lvl1pPr>
-          </a:lstStyle>
-          <a:p>
-            <a:r>
-              <a:t>Elif statement</a:t>
-            </a:r>
-          </a:p>
-        </p:txBody>
-      </p:sp>
-      <p:sp>
-        <p:nvSpPr>
-          <p:cNvPr id="140" name="Text Placeholder 2"/>
-          <p:cNvSpPr txBox="1">
-            <a:spLocks noGrp="1"/>
-          </p:cNvSpPr>
-          <p:nvPr>
-            <p:ph type="body" sz="quarter" idx="1"/>
-          </p:nvPr>
-        </p:nvSpPr>
-        <p:spPr>
-          <a:xfrm>
-            <a:off x="729450" y="2078875"/>
-            <a:ext cx="7688699" cy="664326"/>
-          </a:xfrm>
-          <a:prstGeom prst="rect">
-            <a:avLst/>
-          </a:prstGeom>
-        </p:spPr>
-        <p:txBody>
-          <a:bodyPr/>
-          <a:lstStyle/>
-          <a:p>
-            <a:r>
-              <a:t>The elif statement allows you to check multiple expressions for TRUE and execute a block of code as soon as one of the conditions evaluates to TRUE.</a:t>
-            </a:r>
-          </a:p>
-        </p:txBody>
-      </p:sp>
-      <p:grpSp>
-        <p:nvGrpSpPr>
-          <p:cNvPr id="143" name="Text Placeholder 2"/>
-          <p:cNvGrpSpPr/>
-          <p:nvPr/>
-        </p:nvGrpSpPr>
-        <p:grpSpPr>
-          <a:xfrm>
-            <a:off x="1118069" y="2882399"/>
-            <a:ext cx="3171992" cy="1575302"/>
-            <a:chOff x="0" y="0"/>
-            <a:chExt cx="3171990" cy="1575300"/>
-          </a:xfrm>
-        </p:grpSpPr>
-        <p:sp>
-          <p:nvSpPr>
-            <p:cNvPr id="141" name="Rectangle"/>
-            <p:cNvSpPr/>
-            <p:nvPr/>
-          </p:nvSpPr>
-          <p:spPr>
-            <a:xfrm>
-              <a:off x="-1" y="-1"/>
-              <a:ext cx="3171992" cy="1575302"/>
-            </a:xfrm>
-            <a:prstGeom prst="rect">
-              <a:avLst/>
-            </a:prstGeom>
-            <a:solidFill>
-              <a:srgbClr val="535353"/>
-            </a:solidFill>
-            <a:ln w="12700" cap="flat">
-              <a:noFill/>
-              <a:miter lim="400000"/>
-            </a:ln>
-            <a:effectLst/>
-          </p:spPr>
-          <p:txBody>
-            <a:bodyPr wrap="square" lIns="45719" tIns="45719" rIns="45719" bIns="45719" numCol="1" anchor="t">
-              <a:noAutofit/>
-            </a:bodyPr>
-            <a:lstStyle/>
-            <a:p>
-              <a:pPr marL="311150" indent="-311150">
-                <a:lnSpc>
-                  <a:spcPct val="115000"/>
-                </a:lnSpc>
-                <a:defRPr sz="1300">
-                  <a:solidFill>
-                    <a:srgbClr val="FFFFFF"/>
-                  </a:solidFill>
-                  <a:latin typeface="Museo Sans 700"/>
-                  <a:ea typeface="Museo Sans 700"/>
-                  <a:cs typeface="Museo Sans 700"/>
-                  <a:sym typeface="Museo Sans 700"/>
-                </a:defRPr>
-              </a:pPr>
-              <a:endParaRPr/>
-            </a:p>
-          </p:txBody>
-        </p:sp>
-        <p:sp>
-          <p:nvSpPr>
-            <p:cNvPr id="142" name="if condition_1:…"/>
-            <p:cNvSpPr txBox="1"/>
-            <p:nvPr/>
-          </p:nvSpPr>
-          <p:spPr>
-            <a:xfrm>
-              <a:off x="-1" y="-1"/>
-              <a:ext cx="3171992" cy="1468726"/>
-            </a:xfrm>
-            <a:prstGeom prst="rect">
-              <a:avLst/>
-            </a:prstGeom>
-            <a:noFill/>
-            <a:ln w="12700" cap="flat">
-              <a:noFill/>
-              <a:miter lim="400000"/>
-            </a:ln>
-            <a:effectLst/>
-            <a:extLst>
-              <a:ext uri="{C572A759-6A51-4108-AA02-DFA0A04FC94B}">
-                <ma14:wrappingTextBoxFlag xmlns:ma14="http://schemas.microsoft.com/office/mac/drawingml/2011/main" xmlns:a14="http://schemas.microsoft.com/office/drawing/2010/main" xmlns:m="http://schemas.openxmlformats.org/officeDocument/2006/math" xmlns="" val="1"/>
-              </a:ext>
-            </a:extLst>
-          </p:spPr>
-          <p:txBody>
-            <a:bodyPr wrap="square" lIns="91424" tIns="91424" rIns="91424" bIns="91424" numCol="1" anchor="t">
-              <a:spAutoFit/>
-            </a:bodyPr>
-            <a:lstStyle/>
-            <a:p>
-              <a:pPr marL="311150" indent="-165100">
-                <a:lnSpc>
-                  <a:spcPct val="115000"/>
-                </a:lnSpc>
-                <a:defRPr sz="1300">
-                  <a:solidFill>
-                    <a:srgbClr val="FFFFFF"/>
-                  </a:solidFill>
-                  <a:latin typeface="Museo Sans 700"/>
-                  <a:ea typeface="Museo Sans 700"/>
-                  <a:cs typeface="Museo Sans 700"/>
-                  <a:sym typeface="Museo Sans 700"/>
-                </a:defRPr>
-              </a:pPr>
-              <a:r>
-                <a:t>if condition_1: </a:t>
-              </a:r>
-              <a:endParaRPr>
-                <a:solidFill>
-                  <a:srgbClr val="000000"/>
-                </a:solidFill>
-              </a:endParaRPr>
-            </a:p>
-            <a:p>
-              <a:pPr marL="311150" indent="-165100">
-                <a:lnSpc>
-                  <a:spcPct val="115000"/>
-                </a:lnSpc>
-                <a:defRPr sz="1300">
-                  <a:solidFill>
-                    <a:srgbClr val="FFFFFF"/>
-                  </a:solidFill>
-                  <a:latin typeface="Museo Sans 700"/>
-                  <a:ea typeface="Museo Sans 700"/>
-                  <a:cs typeface="Museo Sans 700"/>
-                  <a:sym typeface="Museo Sans 700"/>
-                </a:defRPr>
-              </a:pPr>
-              <a:r>
-                <a:t>	statement_block_1</a:t>
-              </a:r>
-              <a:endParaRPr>
-                <a:solidFill>
-                  <a:srgbClr val="000000"/>
-                </a:solidFill>
-              </a:endParaRPr>
-            </a:p>
-            <a:p>
-              <a:pPr marL="311150" indent="-165100">
-                <a:lnSpc>
-                  <a:spcPct val="115000"/>
-                </a:lnSpc>
-                <a:defRPr sz="1300">
-                  <a:solidFill>
-                    <a:srgbClr val="FFFFFF"/>
-                  </a:solidFill>
-                  <a:latin typeface="Museo Sans 700"/>
-                  <a:ea typeface="Museo Sans 700"/>
-                  <a:cs typeface="Museo Sans 700"/>
-                  <a:sym typeface="Museo Sans 700"/>
-                </a:defRPr>
-              </a:pPr>
-              <a:r>
-                <a:t>elif condition_2: </a:t>
-              </a:r>
-              <a:endParaRPr>
-                <a:solidFill>
-                  <a:srgbClr val="000000"/>
-                </a:solidFill>
-              </a:endParaRPr>
-            </a:p>
-            <a:p>
-              <a:pPr marL="311150" indent="-165100">
-                <a:lnSpc>
-                  <a:spcPct val="115000"/>
-                </a:lnSpc>
-                <a:defRPr sz="1300">
-                  <a:solidFill>
-                    <a:srgbClr val="FFFFFF"/>
-                  </a:solidFill>
-                  <a:latin typeface="Museo Sans 700"/>
-                  <a:ea typeface="Museo Sans 700"/>
-                  <a:cs typeface="Museo Sans 700"/>
-                  <a:sym typeface="Museo Sans 700"/>
-                </a:defRPr>
-              </a:pPr>
-              <a:r>
-                <a:t>	statement_block_2</a:t>
-              </a:r>
-            </a:p>
-            <a:p>
-              <a:pPr marL="311150" indent="-165100">
-                <a:lnSpc>
-                  <a:spcPct val="115000"/>
-                </a:lnSpc>
-                <a:defRPr sz="1300">
-                  <a:solidFill>
-                    <a:srgbClr val="FFFFFF"/>
-                  </a:solidFill>
-                  <a:latin typeface="Museo Sans 700"/>
-                  <a:ea typeface="Museo Sans 700"/>
-                  <a:cs typeface="Museo Sans 700"/>
-                  <a:sym typeface="Museo Sans 700"/>
-                </a:defRPr>
-              </a:pPr>
-              <a:r>
-                <a:t>else: </a:t>
-              </a:r>
-              <a:endParaRPr>
-                <a:solidFill>
-                  <a:srgbClr val="000000"/>
-                </a:solidFill>
-              </a:endParaRPr>
-            </a:p>
-            <a:p>
-              <a:pPr marL="311150" indent="-165100">
-                <a:lnSpc>
-                  <a:spcPct val="115000"/>
-                </a:lnSpc>
-                <a:defRPr sz="1300">
-                  <a:solidFill>
-                    <a:srgbClr val="FFFFFF"/>
-                  </a:solidFill>
-                  <a:latin typeface="Museo Sans 700"/>
-                  <a:ea typeface="Museo Sans 700"/>
-                  <a:cs typeface="Museo Sans 700"/>
-                  <a:sym typeface="Museo Sans 700"/>
-                </a:defRPr>
-              </a:pPr>
-              <a:r>
-                <a:t>	statement_block_3</a:t>
-              </a:r>
-            </a:p>
-          </p:txBody>
-        </p:sp>
-      </p:grpSp>
     </p:spTree>
   </p:cSld>
   <p:clrMapOvr>
